--- a/2025_М_ПІ_ІПЗм-23-1_Мирошниченко_С_А.pptx
+++ b/2025_М_ПІ_ІПЗм-23-1_Мирошниченко_С_А.pptx
@@ -7,6 +7,9 @@
   <p:notesMasterIdLst>
     <p:notesMasterId r:id="rId18"/>
   </p:notesMasterIdLst>
+  <p:handoutMasterIdLst>
+    <p:handoutMasterId r:id="rId19"/>
+  </p:handoutMasterIdLst>
   <p:sldIdLst>
     <p:sldId id="256" r:id="rId2"/>
     <p:sldId id="257" r:id="rId3"/>
@@ -29,29 +32,29 @@
   <p:notesSz cx="6858000" cy="9144000"/>
   <p:embeddedFontLst>
     <p:embeddedFont>
+      <p:font typeface="Cambria Math" panose="02040503050406030204" pitchFamily="18" charset="0"/>
+      <p:regular r:id="rId20"/>
+    </p:embeddedFont>
+    <p:embeddedFont>
+      <p:font typeface="Calibri" panose="020F0502020204030204" pitchFamily="34" charset="0"/>
+      <p:regular r:id="rId21"/>
+      <p:bold r:id="rId22"/>
+      <p:italic r:id="rId23"/>
+      <p:boldItalic r:id="rId24"/>
+    </p:embeddedFont>
+    <p:embeddedFont>
       <p:font typeface="Open Sans" panose="020B0604020202020204" charset="0"/>
-      <p:regular r:id="rId19"/>
-      <p:bold r:id="rId20"/>
-      <p:italic r:id="rId21"/>
-      <p:boldItalic r:id="rId22"/>
+      <p:regular r:id="rId25"/>
+      <p:bold r:id="rId26"/>
+      <p:italic r:id="rId27"/>
+      <p:boldItalic r:id="rId28"/>
     </p:embeddedFont>
     <p:embeddedFont>
       <p:font typeface="Economica" panose="020B0604020202020204" charset="0"/>
-      <p:regular r:id="rId23"/>
-      <p:bold r:id="rId24"/>
-      <p:italic r:id="rId25"/>
-      <p:boldItalic r:id="rId26"/>
-    </p:embeddedFont>
-    <p:embeddedFont>
-      <p:font typeface="Calibri" panose="020F0502020204030204" pitchFamily="34" charset="0"/>
-      <p:regular r:id="rId27"/>
-      <p:bold r:id="rId28"/>
-      <p:italic r:id="rId29"/>
-      <p:boldItalic r:id="rId30"/>
-    </p:embeddedFont>
-    <p:embeddedFont>
-      <p:font typeface="Cambria Math" panose="02040503050406030204" pitchFamily="18" charset="0"/>
-      <p:regular r:id="rId31"/>
+      <p:regular r:id="rId29"/>
+      <p:bold r:id="rId30"/>
+      <p:italic r:id="rId31"/>
+      <p:boldItalic r:id="rId32"/>
     </p:embeddedFont>
   </p:embeddedFontLst>
   <p:defaultTextStyle>
@@ -298,8 +301,176 @@
         </p15:guide>
       </p15:sldGuideLst>
     </p:ext>
+    <p:ext uri="{2D200454-40CA-4A62-9FC3-DE9A4176ACB9}">
+      <p15:notesGuideLst xmlns:p15="http://schemas.microsoft.com/office/powerpoint/2012/main"/>
+    </p:ext>
   </p:extLst>
 </p:presentation>
+</file>
+
+<file path=ppt/handoutMasters/handoutMaster1.xml><?xml version="1.0" encoding="utf-8"?>
+<p:handoutMaster xmlns:a="http://schemas.openxmlformats.org/drawingml/2006/main" xmlns:r="http://schemas.openxmlformats.org/officeDocument/2006/relationships" xmlns:p="http://schemas.openxmlformats.org/presentationml/2006/main">
+  <p:cSld>
+    <p:bg>
+      <p:bgRef idx="1001">
+        <a:schemeClr val="bg1"/>
+      </p:bgRef>
+    </p:bg>
+    <p:spTree>
+      <p:nvGrpSpPr>
+        <p:cNvPr id="1" name=""/>
+        <p:cNvGrpSpPr/>
+        <p:nvPr/>
+      </p:nvGrpSpPr>
+      <p:grpSpPr>
+        <a:xfrm>
+          <a:off x="0" y="0"/>
+          <a:ext cx="0" cy="0"/>
+          <a:chOff x="0" y="0"/>
+          <a:chExt cx="0" cy="0"/>
+        </a:xfrm>
+      </p:grpSpPr>
+      <p:sp>
+        <p:nvSpPr>
+          <p:cNvPr id="2" name="Верхний колонтитул 1"/>
+          <p:cNvSpPr>
+            <a:spLocks noGrp="1"/>
+          </p:cNvSpPr>
+          <p:nvPr>
+            <p:ph type="hdr" sz="quarter"/>
+          </p:nvPr>
+        </p:nvSpPr>
+        <p:spPr>
+          <a:xfrm>
+            <a:off x="0" y="0"/>
+            <a:ext cx="2971800" cy="458788"/>
+          </a:xfrm>
+          <a:prstGeom prst="rect">
+            <a:avLst/>
+          </a:prstGeom>
+        </p:spPr>
+        <p:txBody>
+          <a:bodyPr vert="horz" lIns="91440" tIns="45720" rIns="91440" bIns="45720" rtlCol="0"/>
+          <a:lstStyle>
+            <a:lvl1pPr algn="l">
+              <a:defRPr sz="1200"/>
+            </a:lvl1pPr>
+          </a:lstStyle>
+          <a:p>
+            <a:endParaRPr lang="ru-RU"/>
+          </a:p>
+        </p:txBody>
+      </p:sp>
+      <p:sp>
+        <p:nvSpPr>
+          <p:cNvPr id="3" name="Дата 2"/>
+          <p:cNvSpPr>
+            <a:spLocks noGrp="1"/>
+          </p:cNvSpPr>
+          <p:nvPr>
+            <p:ph type="dt" sz="quarter" idx="1"/>
+          </p:nvPr>
+        </p:nvSpPr>
+        <p:spPr>
+          <a:xfrm>
+            <a:off x="3884613" y="0"/>
+            <a:ext cx="2971800" cy="458788"/>
+          </a:xfrm>
+          <a:prstGeom prst="rect">
+            <a:avLst/>
+          </a:prstGeom>
+        </p:spPr>
+        <p:txBody>
+          <a:bodyPr vert="horz" lIns="91440" tIns="45720" rIns="91440" bIns="45720" rtlCol="0"/>
+          <a:lstStyle>
+            <a:lvl1pPr algn="r">
+              <a:defRPr sz="1200"/>
+            </a:lvl1pPr>
+          </a:lstStyle>
+          <a:p>
+            <a:fld id="{12DA6DC4-5382-4764-9B95-D1A9B763EF8F}" type="datetimeFigureOut">
+              <a:rPr lang="ru-RU" smtClean="0"/>
+              <a:t>18.06.2025</a:t>
+            </a:fld>
+            <a:endParaRPr lang="ru-RU"/>
+          </a:p>
+        </p:txBody>
+      </p:sp>
+      <p:sp>
+        <p:nvSpPr>
+          <p:cNvPr id="4" name="Нижний колонтитул 3"/>
+          <p:cNvSpPr>
+            <a:spLocks noGrp="1"/>
+          </p:cNvSpPr>
+          <p:nvPr>
+            <p:ph type="ftr" sz="quarter" idx="2"/>
+          </p:nvPr>
+        </p:nvSpPr>
+        <p:spPr>
+          <a:xfrm>
+            <a:off x="0" y="8685213"/>
+            <a:ext cx="2971800" cy="458787"/>
+          </a:xfrm>
+          <a:prstGeom prst="rect">
+            <a:avLst/>
+          </a:prstGeom>
+        </p:spPr>
+        <p:txBody>
+          <a:bodyPr vert="horz" lIns="91440" tIns="45720" rIns="91440" bIns="45720" rtlCol="0" anchor="b"/>
+          <a:lstStyle>
+            <a:lvl1pPr algn="l">
+              <a:defRPr sz="1200"/>
+            </a:lvl1pPr>
+          </a:lstStyle>
+          <a:p>
+            <a:endParaRPr lang="ru-RU"/>
+          </a:p>
+        </p:txBody>
+      </p:sp>
+      <p:sp>
+        <p:nvSpPr>
+          <p:cNvPr id="5" name="Номер слайда 4"/>
+          <p:cNvSpPr>
+            <a:spLocks noGrp="1"/>
+          </p:cNvSpPr>
+          <p:nvPr>
+            <p:ph type="sldNum" sz="quarter" idx="3"/>
+          </p:nvPr>
+        </p:nvSpPr>
+        <p:spPr>
+          <a:xfrm>
+            <a:off x="3884613" y="8685213"/>
+            <a:ext cx="2971800" cy="458787"/>
+          </a:xfrm>
+          <a:prstGeom prst="rect">
+            <a:avLst/>
+          </a:prstGeom>
+        </p:spPr>
+        <p:txBody>
+          <a:bodyPr vert="horz" lIns="91440" tIns="45720" rIns="91440" bIns="45720" rtlCol="0" anchor="b"/>
+          <a:lstStyle>
+            <a:lvl1pPr algn="r">
+              <a:defRPr sz="1200"/>
+            </a:lvl1pPr>
+          </a:lstStyle>
+          <a:p>
+            <a:fld id="{021810E6-4DD2-4C11-A5BB-7695AA8B7056}" type="slidenum">
+              <a:rPr lang="ru-RU" smtClean="0"/>
+              <a:t>‹#›</a:t>
+            </a:fld>
+            <a:endParaRPr lang="ru-RU"/>
+          </a:p>
+        </p:txBody>
+      </p:sp>
+    </p:spTree>
+    <p:extLst>
+      <p:ext uri="{BB962C8B-B14F-4D97-AF65-F5344CB8AC3E}">
+        <p14:creationId xmlns:p14="http://schemas.microsoft.com/office/powerpoint/2010/main" val="1586992041"/>
+      </p:ext>
+    </p:extLst>
+  </p:cSld>
+  <p:clrMap bg1="lt1" tx1="dk1" bg2="lt2" tx2="dk2" accent1="accent1" accent2="accent2" accent3="accent3" accent4="accent4" accent5="accent5" accent6="accent6" hlink="hlink" folHlink="folHlink"/>
+</p:handoutMaster>
 </file>
 
 <file path=ppt/notesMasters/notesMaster1.xml><?xml version="1.0" encoding="utf-8"?>
@@ -840,7 +1011,95 @@
               </a:spcAft>
               <a:buNone/>
             </a:pPr>
-            <a:endParaRPr/>
+            <a:r>
+              <a:rPr lang="ru-RU" dirty="0" smtClean="0"/>
+              <a:t>Темою </a:t>
+            </a:r>
+            <a:r>
+              <a:rPr lang="ru-RU" dirty="0" err="1" smtClean="0"/>
+              <a:t>моєї</a:t>
+            </a:r>
+            <a:r>
+              <a:rPr lang="ru-RU" dirty="0" smtClean="0"/>
+              <a:t> </a:t>
+            </a:r>
+            <a:r>
+              <a:rPr lang="ru-RU" dirty="0" err="1" smtClean="0"/>
+              <a:t>кваліфікаційної</a:t>
+            </a:r>
+            <a:r>
+              <a:rPr lang="ru-RU" dirty="0" smtClean="0"/>
+              <a:t> </a:t>
+            </a:r>
+            <a:r>
+              <a:rPr lang="ru-RU" dirty="0" err="1" smtClean="0"/>
+              <a:t>роботи</a:t>
+            </a:r>
+            <a:r>
+              <a:rPr lang="ru-RU" dirty="0" smtClean="0"/>
+              <a:t> є </a:t>
+            </a:r>
+            <a:r>
+              <a:rPr lang="ru-RU" dirty="0" err="1" smtClean="0"/>
+              <a:t>дослідження</a:t>
+            </a:r>
+            <a:r>
+              <a:rPr lang="ru-RU" dirty="0" smtClean="0"/>
+              <a:t> </a:t>
+            </a:r>
+            <a:r>
+              <a:rPr lang="ru-RU" dirty="0" err="1" smtClean="0"/>
+              <a:t>алгоритмів</a:t>
+            </a:r>
+            <a:r>
+              <a:rPr lang="ru-RU" dirty="0" smtClean="0"/>
+              <a:t> </a:t>
+            </a:r>
+            <a:r>
+              <a:rPr lang="ru-RU" dirty="0" err="1" smtClean="0"/>
+              <a:t>балансування</a:t>
+            </a:r>
+            <a:r>
+              <a:rPr lang="ru-RU" dirty="0" smtClean="0"/>
+              <a:t> </a:t>
+            </a:r>
+            <a:r>
+              <a:rPr lang="ru-RU" dirty="0" err="1" smtClean="0"/>
+              <a:t>навантаження</a:t>
+            </a:r>
+            <a:r>
+              <a:rPr lang="ru-RU" dirty="0" smtClean="0"/>
+              <a:t> для </a:t>
+            </a:r>
+            <a:r>
+              <a:rPr lang="ru-RU" dirty="0" err="1" smtClean="0"/>
+              <a:t>підвищення</a:t>
+            </a:r>
+            <a:r>
+              <a:rPr lang="ru-RU" dirty="0" smtClean="0"/>
+              <a:t> </a:t>
+            </a:r>
+            <a:r>
+              <a:rPr lang="ru-RU" dirty="0" err="1" smtClean="0"/>
+              <a:t>продуктивності</a:t>
+            </a:r>
+            <a:r>
+              <a:rPr lang="ru-RU" dirty="0" smtClean="0"/>
+              <a:t> </a:t>
+            </a:r>
+            <a:r>
+              <a:rPr lang="ru-RU" dirty="0" err="1" smtClean="0"/>
+              <a:t>програмних</a:t>
+            </a:r>
+            <a:r>
+              <a:rPr lang="ru-RU" dirty="0" smtClean="0"/>
+              <a:t> систем на .NET </a:t>
+            </a:r>
+            <a:r>
+              <a:rPr lang="ru-RU" dirty="0" err="1" smtClean="0"/>
+              <a:t>Core</a:t>
+            </a:r>
+            <a:endParaRPr dirty="0"/>
           </a:p>
         </p:txBody>
       </p:sp>
@@ -949,7 +1208,537 @@
               </a:spcAft>
               <a:buNone/>
             </a:pPr>
-            <a:endParaRPr/>
+            <a:r>
+              <a:rPr lang="ru-RU" dirty="0" smtClean="0"/>
+              <a:t>На </a:t>
+            </a:r>
+            <a:r>
+              <a:rPr lang="ru-RU" dirty="0" err="1" smtClean="0"/>
+              <a:t>цьому</a:t>
+            </a:r>
+            <a:r>
+              <a:rPr lang="ru-RU" dirty="0" smtClean="0"/>
+              <a:t> </a:t>
+            </a:r>
+            <a:r>
+              <a:rPr lang="ru-RU" dirty="0" err="1" smtClean="0"/>
+              <a:t>слайді</a:t>
+            </a:r>
+            <a:r>
+              <a:rPr lang="ru-RU" dirty="0" smtClean="0"/>
+              <a:t> представлено формулу, за </a:t>
+            </a:r>
+            <a:r>
+              <a:rPr lang="ru-RU" dirty="0" err="1" smtClean="0"/>
+              <a:t>якою</a:t>
+            </a:r>
+            <a:r>
+              <a:rPr lang="ru-RU" dirty="0" smtClean="0"/>
+              <a:t> </a:t>
+            </a:r>
+            <a:r>
+              <a:rPr lang="ru-RU" dirty="0" err="1" smtClean="0"/>
+              <a:t>обчислюється</a:t>
+            </a:r>
+            <a:r>
+              <a:rPr lang="ru-RU" dirty="0" smtClean="0"/>
+              <a:t> рейтинг кожного сервера для </a:t>
+            </a:r>
+            <a:r>
+              <a:rPr lang="ru-RU" dirty="0" err="1" smtClean="0"/>
+              <a:t>прийняття</a:t>
+            </a:r>
+            <a:r>
+              <a:rPr lang="ru-RU" dirty="0" smtClean="0"/>
+              <a:t> </a:t>
+            </a:r>
+            <a:r>
+              <a:rPr lang="ru-RU" dirty="0" err="1" smtClean="0"/>
+              <a:t>рішення</a:t>
+            </a:r>
+            <a:r>
+              <a:rPr lang="ru-RU" dirty="0" smtClean="0"/>
+              <a:t> про </a:t>
+            </a:r>
+            <a:r>
+              <a:rPr lang="ru-RU" dirty="0" err="1" smtClean="0"/>
+              <a:t>маршрутизацію</a:t>
+            </a:r>
+            <a:r>
+              <a:rPr lang="ru-RU" dirty="0" smtClean="0"/>
+              <a:t> </a:t>
+            </a:r>
+            <a:r>
+              <a:rPr lang="ru-RU" dirty="0" err="1" smtClean="0"/>
+              <a:t>запиту</a:t>
+            </a:r>
+            <a:r>
+              <a:rPr lang="ru-RU" dirty="0" smtClean="0"/>
+              <a:t>. </a:t>
+            </a:r>
+            <a:r>
+              <a:rPr lang="ru-RU" dirty="0" err="1" smtClean="0"/>
+              <a:t>Ідея</a:t>
+            </a:r>
+            <a:r>
+              <a:rPr lang="ru-RU" dirty="0" smtClean="0"/>
+              <a:t> </a:t>
+            </a:r>
+            <a:r>
+              <a:rPr lang="ru-RU" dirty="0" err="1" smtClean="0"/>
+              <a:t>полягає</a:t>
+            </a:r>
+            <a:r>
+              <a:rPr lang="ru-RU" dirty="0" smtClean="0"/>
+              <a:t> в тому, </a:t>
+            </a:r>
+            <a:r>
+              <a:rPr lang="ru-RU" dirty="0" err="1" smtClean="0"/>
+              <a:t>щоб</a:t>
+            </a:r>
+            <a:r>
+              <a:rPr lang="ru-RU" dirty="0" smtClean="0"/>
+              <a:t> </a:t>
+            </a:r>
+            <a:r>
+              <a:rPr lang="ru-RU" dirty="0" err="1" smtClean="0"/>
+              <a:t>врахувати</a:t>
+            </a:r>
+            <a:r>
+              <a:rPr lang="ru-RU" dirty="0" smtClean="0"/>
+              <a:t> </a:t>
+            </a:r>
+            <a:r>
+              <a:rPr lang="ru-RU" dirty="0" err="1" smtClean="0"/>
+              <a:t>одразу</a:t>
+            </a:r>
+            <a:r>
+              <a:rPr lang="ru-RU" dirty="0" smtClean="0"/>
+              <a:t> </a:t>
+            </a:r>
+            <a:r>
+              <a:rPr lang="ru-RU" dirty="0" err="1" smtClean="0"/>
+              <a:t>кілька</a:t>
+            </a:r>
+            <a:r>
+              <a:rPr lang="ru-RU" dirty="0" smtClean="0"/>
+              <a:t> </a:t>
+            </a:r>
+            <a:r>
+              <a:rPr lang="ru-RU" dirty="0" err="1" smtClean="0"/>
+              <a:t>факторів</a:t>
+            </a:r>
+            <a:r>
+              <a:rPr lang="ru-RU" dirty="0" smtClean="0"/>
+              <a:t> — </a:t>
+            </a:r>
+            <a:r>
+              <a:rPr lang="ru-RU" dirty="0" err="1" smtClean="0"/>
+              <a:t>поточне</a:t>
+            </a:r>
+            <a:r>
+              <a:rPr lang="ru-RU" dirty="0" smtClean="0"/>
+              <a:t> </a:t>
+            </a:r>
+            <a:r>
+              <a:rPr lang="ru-RU" dirty="0" err="1" smtClean="0"/>
+              <a:t>навантаження</a:t>
+            </a:r>
+            <a:r>
+              <a:rPr lang="ru-RU" dirty="0" smtClean="0"/>
+              <a:t>, </a:t>
+            </a:r>
+            <a:r>
+              <a:rPr lang="ru-RU" dirty="0" err="1" smtClean="0"/>
+              <a:t>використання</a:t>
+            </a:r>
+            <a:r>
+              <a:rPr lang="ru-RU" dirty="0" smtClean="0"/>
+              <a:t> </a:t>
+            </a:r>
+            <a:r>
+              <a:rPr lang="en-GB" dirty="0" smtClean="0"/>
+              <a:t>CPU, </a:t>
+            </a:r>
+            <a:r>
+              <a:rPr lang="ru-RU" dirty="0" err="1" smtClean="0"/>
+              <a:t>історію</a:t>
+            </a:r>
+            <a:r>
+              <a:rPr lang="ru-RU" dirty="0" smtClean="0"/>
+              <a:t> </a:t>
+            </a:r>
+            <a:r>
+              <a:rPr lang="ru-RU" dirty="0" err="1" smtClean="0"/>
+              <a:t>обробки</a:t>
+            </a:r>
+            <a:r>
+              <a:rPr lang="ru-RU" dirty="0" smtClean="0"/>
+              <a:t> </a:t>
+            </a:r>
+            <a:r>
+              <a:rPr lang="ru-RU" dirty="0" err="1" smtClean="0"/>
+              <a:t>запитів</a:t>
+            </a:r>
+            <a:r>
+              <a:rPr lang="ru-RU" dirty="0" smtClean="0"/>
+              <a:t> та </a:t>
+            </a:r>
+            <a:r>
+              <a:rPr lang="ru-RU" dirty="0" err="1" smtClean="0"/>
+              <a:t>швидкодію</a:t>
+            </a:r>
+            <a:r>
+              <a:rPr lang="ru-RU" dirty="0" smtClean="0"/>
+              <a:t> сервера.</a:t>
+            </a:r>
+          </a:p>
+          <a:p>
+            <a:pPr marL="0" lvl="0" indent="0" algn="l" rtl="0">
+              <a:spcBef>
+                <a:spcPts val="0"/>
+              </a:spcBef>
+              <a:spcAft>
+                <a:spcPts val="0"/>
+              </a:spcAft>
+              <a:buNone/>
+            </a:pPr>
+            <a:r>
+              <a:rPr lang="ru-RU" dirty="0" err="1" smtClean="0"/>
+              <a:t>Усі</a:t>
+            </a:r>
+            <a:r>
+              <a:rPr lang="ru-RU" dirty="0" smtClean="0"/>
+              <a:t> </a:t>
+            </a:r>
+            <a:r>
+              <a:rPr lang="ru-RU" dirty="0" err="1" smtClean="0"/>
+              <a:t>значення</a:t>
+            </a:r>
+            <a:r>
+              <a:rPr lang="ru-RU" dirty="0" smtClean="0"/>
+              <a:t> </a:t>
+            </a:r>
+            <a:r>
+              <a:rPr lang="ru-RU" dirty="0" err="1" smtClean="0"/>
+              <a:t>логарифмуються</a:t>
+            </a:r>
+            <a:r>
+              <a:rPr lang="ru-RU" dirty="0" smtClean="0"/>
+              <a:t>, </a:t>
+            </a:r>
+            <a:r>
+              <a:rPr lang="ru-RU" dirty="0" err="1" smtClean="0"/>
+              <a:t>щоб</a:t>
+            </a:r>
+            <a:r>
+              <a:rPr lang="ru-RU" dirty="0" smtClean="0"/>
+              <a:t> </a:t>
+            </a:r>
+            <a:r>
+              <a:rPr lang="ru-RU" dirty="0" err="1" smtClean="0"/>
+              <a:t>зменшити</a:t>
+            </a:r>
+            <a:r>
+              <a:rPr lang="ru-RU" dirty="0" smtClean="0"/>
+              <a:t> </a:t>
+            </a:r>
+            <a:r>
+              <a:rPr lang="ru-RU" dirty="0" err="1" smtClean="0"/>
+              <a:t>вплив</a:t>
+            </a:r>
+            <a:r>
+              <a:rPr lang="ru-RU" dirty="0" smtClean="0"/>
+              <a:t> </a:t>
+            </a:r>
+            <a:r>
+              <a:rPr lang="ru-RU" dirty="0" err="1" smtClean="0"/>
+              <a:t>одиничних</a:t>
+            </a:r>
+            <a:r>
+              <a:rPr lang="ru-RU" dirty="0" smtClean="0"/>
+              <a:t> </a:t>
+            </a:r>
+            <a:r>
+              <a:rPr lang="ru-RU" dirty="0" err="1" smtClean="0"/>
+              <a:t>стрибків</a:t>
+            </a:r>
+            <a:r>
+              <a:rPr lang="ru-RU" dirty="0" smtClean="0"/>
+              <a:t> і </a:t>
+            </a:r>
+            <a:r>
+              <a:rPr lang="ru-RU" dirty="0" err="1" smtClean="0"/>
+              <a:t>зробити</a:t>
+            </a:r>
+            <a:r>
+              <a:rPr lang="ru-RU" dirty="0" smtClean="0"/>
+              <a:t> систему </a:t>
+            </a:r>
+            <a:r>
+              <a:rPr lang="ru-RU" dirty="0" err="1" smtClean="0"/>
+              <a:t>більш</a:t>
+            </a:r>
+            <a:r>
+              <a:rPr lang="ru-RU" dirty="0" smtClean="0"/>
+              <a:t> </a:t>
+            </a:r>
+            <a:r>
+              <a:rPr lang="ru-RU" dirty="0" err="1" smtClean="0"/>
+              <a:t>стабільною</a:t>
+            </a:r>
+            <a:r>
+              <a:rPr lang="ru-RU" dirty="0" smtClean="0"/>
+              <a:t> до </a:t>
+            </a:r>
+            <a:r>
+              <a:rPr lang="ru-RU" dirty="0" err="1" smtClean="0"/>
+              <a:t>пікових</a:t>
+            </a:r>
+            <a:r>
+              <a:rPr lang="ru-RU" dirty="0" smtClean="0"/>
+              <a:t> </a:t>
+            </a:r>
+            <a:r>
+              <a:rPr lang="ru-RU" dirty="0" err="1" smtClean="0"/>
+              <a:t>навантажень</a:t>
+            </a:r>
+            <a:r>
+              <a:rPr lang="ru-RU" dirty="0" smtClean="0"/>
+              <a:t>. </a:t>
+            </a:r>
+            <a:r>
+              <a:rPr lang="ru-RU" dirty="0" err="1" smtClean="0"/>
+              <a:t>Знаменник</a:t>
+            </a:r>
+            <a:r>
+              <a:rPr lang="ru-RU" dirty="0" smtClean="0"/>
+              <a:t> </a:t>
+            </a:r>
+            <a:r>
+              <a:rPr lang="ru-RU" dirty="0" err="1" smtClean="0"/>
+              <a:t>формули</a:t>
+            </a:r>
+            <a:r>
+              <a:rPr lang="ru-RU" dirty="0" smtClean="0"/>
+              <a:t> </a:t>
+            </a:r>
+            <a:r>
+              <a:rPr lang="ru-RU" dirty="0" err="1" smtClean="0"/>
+              <a:t>виступає</a:t>
+            </a:r>
+            <a:r>
+              <a:rPr lang="ru-RU" dirty="0" smtClean="0"/>
+              <a:t> як </a:t>
+            </a:r>
+            <a:r>
+              <a:rPr lang="ru-RU" dirty="0" err="1" smtClean="0"/>
+              <a:t>ваговий</a:t>
+            </a:r>
+            <a:r>
+              <a:rPr lang="ru-RU" dirty="0" smtClean="0"/>
+              <a:t> </a:t>
+            </a:r>
+            <a:r>
+              <a:rPr lang="ru-RU" dirty="0" err="1" smtClean="0"/>
+              <a:t>коефіцієнт</a:t>
+            </a:r>
+            <a:r>
+              <a:rPr lang="ru-RU" dirty="0" smtClean="0"/>
+              <a:t>, </a:t>
+            </a:r>
+            <a:r>
+              <a:rPr lang="ru-RU" dirty="0" err="1" smtClean="0"/>
+              <a:t>що</a:t>
+            </a:r>
+            <a:r>
+              <a:rPr lang="ru-RU" dirty="0" smtClean="0"/>
+              <a:t> </a:t>
+            </a:r>
+            <a:r>
+              <a:rPr lang="ru-RU" dirty="0" err="1" smtClean="0"/>
+              <a:t>враховує</a:t>
+            </a:r>
+            <a:r>
+              <a:rPr lang="ru-RU" dirty="0" smtClean="0"/>
+              <a:t> </a:t>
+            </a:r>
+            <a:r>
+              <a:rPr lang="ru-RU" dirty="0" err="1" smtClean="0"/>
+              <a:t>обчислювальні</a:t>
+            </a:r>
+            <a:r>
+              <a:rPr lang="ru-RU" dirty="0" smtClean="0"/>
+              <a:t> </a:t>
+            </a:r>
+            <a:r>
+              <a:rPr lang="ru-RU" dirty="0" err="1" smtClean="0"/>
+              <a:t>ресурси</a:t>
+            </a:r>
+            <a:r>
+              <a:rPr lang="ru-RU" dirty="0" smtClean="0"/>
+              <a:t> й </a:t>
+            </a:r>
+            <a:r>
+              <a:rPr lang="ru-RU" dirty="0" err="1" smtClean="0"/>
+              <a:t>поточний</a:t>
+            </a:r>
+            <a:r>
+              <a:rPr lang="ru-RU" dirty="0" smtClean="0"/>
+              <a:t> стан.</a:t>
+            </a:r>
+          </a:p>
+          <a:p>
+            <a:pPr marL="0" lvl="0" indent="0" algn="l" rtl="0">
+              <a:spcBef>
+                <a:spcPts val="0"/>
+              </a:spcBef>
+              <a:spcAft>
+                <a:spcPts val="0"/>
+              </a:spcAft>
+              <a:buNone/>
+            </a:pPr>
+            <a:r>
+              <a:rPr lang="ru-RU" dirty="0" smtClean="0"/>
+              <a:t>Чим </a:t>
+            </a:r>
+            <a:r>
+              <a:rPr lang="ru-RU" dirty="0" err="1" smtClean="0"/>
+              <a:t>менше</a:t>
+            </a:r>
+            <a:r>
+              <a:rPr lang="ru-RU" dirty="0" smtClean="0"/>
+              <a:t> </a:t>
+            </a:r>
+            <a:r>
+              <a:rPr lang="ru-RU" dirty="0" err="1" smtClean="0"/>
+              <a:t>значення</a:t>
+            </a:r>
+            <a:r>
+              <a:rPr lang="ru-RU" dirty="0" smtClean="0"/>
+              <a:t> результату, </a:t>
+            </a:r>
+            <a:r>
+              <a:rPr lang="ru-RU" dirty="0" err="1" smtClean="0"/>
+              <a:t>тим</a:t>
+            </a:r>
+            <a:r>
+              <a:rPr lang="ru-RU" dirty="0" smtClean="0"/>
+              <a:t> </a:t>
+            </a:r>
+            <a:r>
+              <a:rPr lang="ru-RU" dirty="0" err="1" smtClean="0"/>
+              <a:t>кращим</a:t>
+            </a:r>
+            <a:r>
+              <a:rPr lang="ru-RU" dirty="0" smtClean="0"/>
+              <a:t> </a:t>
+            </a:r>
+            <a:r>
+              <a:rPr lang="ru-RU" dirty="0" err="1" smtClean="0"/>
+              <a:t>вважається</a:t>
+            </a:r>
+            <a:r>
+              <a:rPr lang="ru-RU" dirty="0" smtClean="0"/>
+              <a:t> сервер для </a:t>
+            </a:r>
+            <a:r>
+              <a:rPr lang="ru-RU" dirty="0" err="1" smtClean="0"/>
+              <a:t>наступного</a:t>
+            </a:r>
+            <a:r>
+              <a:rPr lang="ru-RU" dirty="0" smtClean="0"/>
+              <a:t> </a:t>
+            </a:r>
+            <a:r>
+              <a:rPr lang="ru-RU" dirty="0" err="1" smtClean="0"/>
+              <a:t>запиту</a:t>
+            </a:r>
+            <a:r>
+              <a:rPr lang="ru-RU" dirty="0" smtClean="0"/>
+              <a:t>. </a:t>
+            </a:r>
+            <a:r>
+              <a:rPr lang="ru-RU" dirty="0" err="1" smtClean="0"/>
+              <a:t>Це</a:t>
+            </a:r>
+            <a:r>
+              <a:rPr lang="ru-RU" dirty="0" smtClean="0"/>
+              <a:t> </a:t>
+            </a:r>
+            <a:r>
+              <a:rPr lang="ru-RU" dirty="0" err="1" smtClean="0"/>
+              <a:t>дозволяє</a:t>
+            </a:r>
+            <a:r>
+              <a:rPr lang="ru-RU" dirty="0" smtClean="0"/>
+              <a:t> </a:t>
+            </a:r>
+            <a:r>
+              <a:rPr lang="ru-RU" dirty="0" err="1" smtClean="0"/>
+              <a:t>балансувальнику</a:t>
+            </a:r>
+            <a:r>
+              <a:rPr lang="ru-RU" dirty="0" smtClean="0"/>
+              <a:t> </a:t>
+            </a:r>
+            <a:r>
+              <a:rPr lang="ru-RU" dirty="0" err="1" smtClean="0"/>
+              <a:t>адаптуватися</a:t>
+            </a:r>
+            <a:r>
+              <a:rPr lang="ru-RU" dirty="0" smtClean="0"/>
+              <a:t> в реальному </a:t>
+            </a:r>
+            <a:r>
+              <a:rPr lang="ru-RU" dirty="0" err="1" smtClean="0"/>
+              <a:t>часі</a:t>
+            </a:r>
+            <a:r>
+              <a:rPr lang="ru-RU" dirty="0" smtClean="0"/>
+              <a:t> й </a:t>
+            </a:r>
+            <a:r>
+              <a:rPr lang="ru-RU" dirty="0" err="1" smtClean="0"/>
+              <a:t>динамічно</a:t>
+            </a:r>
+            <a:r>
+              <a:rPr lang="ru-RU" dirty="0" smtClean="0"/>
+              <a:t> </a:t>
+            </a:r>
+            <a:r>
+              <a:rPr lang="ru-RU" dirty="0" err="1" smtClean="0"/>
+              <a:t>реагувати</a:t>
+            </a:r>
+            <a:r>
+              <a:rPr lang="ru-RU" dirty="0" smtClean="0"/>
+              <a:t> на </a:t>
+            </a:r>
+            <a:r>
+              <a:rPr lang="ru-RU" dirty="0" err="1" smtClean="0"/>
+              <a:t>зміну</a:t>
+            </a:r>
+            <a:r>
+              <a:rPr lang="ru-RU" dirty="0" smtClean="0"/>
+              <a:t> </a:t>
+            </a:r>
+            <a:r>
+              <a:rPr lang="ru-RU" dirty="0" err="1" smtClean="0"/>
+              <a:t>ситуації</a:t>
+            </a:r>
+            <a:r>
+              <a:rPr lang="ru-RU" dirty="0" smtClean="0"/>
+              <a:t> в </a:t>
+            </a:r>
+            <a:r>
+              <a:rPr lang="ru-RU" dirty="0" err="1" smtClean="0"/>
+              <a:t>системі</a:t>
+            </a:r>
+            <a:r>
+              <a:rPr lang="ru-RU" dirty="0" smtClean="0"/>
+              <a:t>.</a:t>
+            </a:r>
+            <a:endParaRPr dirty="0"/>
           </a:p>
         </p:txBody>
       </p:sp>
@@ -1058,7 +1847,494 @@
               </a:spcAft>
               <a:buNone/>
             </a:pPr>
-            <a:endParaRPr/>
+            <a:r>
+              <a:rPr lang="ru-RU" dirty="0" err="1" smtClean="0"/>
+              <a:t>Далі</a:t>
+            </a:r>
+            <a:r>
+              <a:rPr lang="ru-RU" dirty="0" smtClean="0"/>
+              <a:t> </a:t>
+            </a:r>
+            <a:r>
+              <a:rPr lang="ru-RU" dirty="0" err="1" smtClean="0"/>
+              <a:t>перейдемо</a:t>
+            </a:r>
+            <a:r>
+              <a:rPr lang="ru-RU" dirty="0" smtClean="0"/>
+              <a:t> до </a:t>
+            </a:r>
+            <a:r>
+              <a:rPr lang="ru-RU" dirty="0" err="1" smtClean="0"/>
+              <a:t>експерименту</a:t>
+            </a:r>
+            <a:r>
+              <a:rPr lang="ru-RU" dirty="0" smtClean="0"/>
+              <a:t>, для </a:t>
+            </a:r>
+            <a:r>
+              <a:rPr lang="ru-RU" dirty="0" err="1" smtClean="0"/>
+              <a:t>цього</a:t>
+            </a:r>
+            <a:r>
+              <a:rPr lang="ru-RU" dirty="0" smtClean="0"/>
+              <a:t> </a:t>
+            </a:r>
+            <a:r>
+              <a:rPr lang="ru-RU" dirty="0" err="1" smtClean="0"/>
+              <a:t>було</a:t>
+            </a:r>
+            <a:r>
+              <a:rPr lang="ru-RU" dirty="0" smtClean="0"/>
+              <a:t> </a:t>
+            </a:r>
+            <a:r>
+              <a:rPr lang="ru-RU" dirty="0" err="1" smtClean="0"/>
+              <a:t>налаштовано</a:t>
+            </a:r>
+            <a:r>
+              <a:rPr lang="ru-RU" dirty="0" smtClean="0"/>
+              <a:t> систему </a:t>
+            </a:r>
+            <a:r>
+              <a:rPr lang="ru-RU" dirty="0" err="1" smtClean="0"/>
+              <a:t>збору</a:t>
+            </a:r>
+            <a:r>
+              <a:rPr lang="ru-RU" dirty="0" smtClean="0"/>
+              <a:t> метрик, </a:t>
+            </a:r>
+            <a:r>
+              <a:rPr lang="ru-RU" dirty="0" err="1" smtClean="0"/>
+              <a:t>що</a:t>
+            </a:r>
+            <a:r>
+              <a:rPr lang="ru-RU" dirty="0" smtClean="0"/>
+              <a:t> </a:t>
+            </a:r>
+            <a:r>
+              <a:rPr lang="ru-RU" dirty="0" err="1" smtClean="0"/>
+              <a:t>використовується</a:t>
+            </a:r>
+            <a:r>
+              <a:rPr lang="ru-RU" dirty="0" smtClean="0"/>
+              <a:t> в адаптивному </a:t>
+            </a:r>
+            <a:r>
+              <a:rPr lang="ru-RU" dirty="0" err="1" smtClean="0"/>
+              <a:t>алгоритмі</a:t>
+            </a:r>
+            <a:r>
+              <a:rPr lang="ru-RU" dirty="0" smtClean="0"/>
+              <a:t>. </a:t>
+            </a:r>
+            <a:r>
+              <a:rPr lang="ru-RU" dirty="0" err="1" smtClean="0"/>
+              <a:t>Кожен</a:t>
+            </a:r>
+            <a:r>
+              <a:rPr lang="ru-RU" dirty="0" smtClean="0"/>
+              <a:t> сервер </a:t>
+            </a:r>
+            <a:r>
+              <a:rPr lang="ru-RU" dirty="0" err="1" smtClean="0"/>
+              <a:t>передає</a:t>
+            </a:r>
+            <a:r>
+              <a:rPr lang="ru-RU" dirty="0" smtClean="0"/>
+              <a:t> </a:t>
+            </a:r>
+            <a:r>
+              <a:rPr lang="ru-RU" dirty="0" err="1" smtClean="0"/>
+              <a:t>інформацію</a:t>
+            </a:r>
+            <a:r>
+              <a:rPr lang="ru-RU" dirty="0" smtClean="0"/>
+              <a:t> про </a:t>
+            </a:r>
+            <a:r>
+              <a:rPr lang="ru-RU" dirty="0" err="1" smtClean="0"/>
+              <a:t>своє</a:t>
+            </a:r>
+            <a:r>
+              <a:rPr lang="ru-RU" dirty="0" smtClean="0"/>
+              <a:t> </a:t>
+            </a:r>
+            <a:r>
+              <a:rPr lang="ru-RU" dirty="0" err="1" smtClean="0"/>
+              <a:t>навантаження</a:t>
+            </a:r>
+            <a:r>
+              <a:rPr lang="ru-RU" dirty="0" smtClean="0"/>
+              <a:t>: </a:t>
+            </a:r>
+            <a:r>
+              <a:rPr lang="ru-RU" dirty="0" err="1" smtClean="0"/>
+              <a:t>завантаженість</a:t>
+            </a:r>
+            <a:r>
+              <a:rPr lang="ru-RU" dirty="0" smtClean="0"/>
+              <a:t> </a:t>
+            </a:r>
+            <a:r>
+              <a:rPr lang="en-GB" dirty="0" smtClean="0"/>
+              <a:t>CPU, </a:t>
+            </a:r>
+            <a:r>
+              <a:rPr lang="ru-RU" dirty="0" err="1" smtClean="0"/>
+              <a:t>кількість</a:t>
+            </a:r>
+            <a:r>
+              <a:rPr lang="ru-RU" dirty="0" smtClean="0"/>
+              <a:t> </a:t>
+            </a:r>
+            <a:r>
+              <a:rPr lang="ru-RU" dirty="0" err="1" smtClean="0"/>
+              <a:t>активних</a:t>
+            </a:r>
+            <a:r>
+              <a:rPr lang="ru-RU" dirty="0" smtClean="0"/>
+              <a:t> </a:t>
+            </a:r>
+            <a:r>
+              <a:rPr lang="ru-RU" dirty="0" err="1" smtClean="0"/>
+              <a:t>запитів</a:t>
+            </a:r>
+            <a:r>
+              <a:rPr lang="ru-RU" dirty="0" smtClean="0"/>
+              <a:t>, </a:t>
+            </a:r>
+            <a:r>
+              <a:rPr lang="ru-RU" dirty="0" err="1" smtClean="0"/>
+              <a:t>середній</a:t>
+            </a:r>
+            <a:r>
+              <a:rPr lang="ru-RU" dirty="0" smtClean="0"/>
+              <a:t> час </a:t>
+            </a:r>
+            <a:r>
+              <a:rPr lang="ru-RU" dirty="0" err="1" smtClean="0"/>
+              <a:t>відповіді</a:t>
+            </a:r>
+            <a:r>
+              <a:rPr lang="ru-RU" dirty="0" smtClean="0"/>
+              <a:t> та частоту </a:t>
+            </a:r>
+            <a:r>
+              <a:rPr lang="ru-RU" dirty="0" err="1" smtClean="0"/>
+              <a:t>помилок</a:t>
+            </a:r>
+            <a:r>
+              <a:rPr lang="ru-RU" dirty="0" smtClean="0"/>
+              <a:t>. </a:t>
+            </a:r>
+            <a:r>
+              <a:rPr lang="ru-RU" dirty="0" err="1" smtClean="0"/>
+              <a:t>Ці</a:t>
+            </a:r>
+            <a:r>
+              <a:rPr lang="ru-RU" dirty="0" smtClean="0"/>
+              <a:t> метрики </a:t>
+            </a:r>
+            <a:r>
+              <a:rPr lang="ru-RU" dirty="0" err="1" smtClean="0"/>
+              <a:t>оновлюються</a:t>
+            </a:r>
+            <a:r>
+              <a:rPr lang="ru-RU" dirty="0" smtClean="0"/>
+              <a:t> автоматично та </a:t>
+            </a:r>
+            <a:r>
+              <a:rPr lang="ru-RU" dirty="0" err="1" smtClean="0"/>
+              <a:t>доступні</a:t>
+            </a:r>
+            <a:r>
+              <a:rPr lang="ru-RU" dirty="0" smtClean="0"/>
+              <a:t> </a:t>
+            </a:r>
+            <a:r>
+              <a:rPr lang="ru-RU" dirty="0" err="1" smtClean="0"/>
+              <a:t>балансувальнику</a:t>
+            </a:r>
+            <a:r>
+              <a:rPr lang="ru-RU" dirty="0" smtClean="0"/>
+              <a:t> через </a:t>
+            </a:r>
+            <a:r>
+              <a:rPr lang="ru-RU" dirty="0" err="1" smtClean="0"/>
+              <a:t>сумісний</a:t>
+            </a:r>
+            <a:r>
+              <a:rPr lang="ru-RU" dirty="0" smtClean="0"/>
+              <a:t> </a:t>
+            </a:r>
+            <a:r>
+              <a:rPr lang="ru-RU" dirty="0" err="1" smtClean="0"/>
+              <a:t>інтерфейс</a:t>
+            </a:r>
+            <a:r>
+              <a:rPr lang="ru-RU" dirty="0" smtClean="0"/>
+              <a:t>.</a:t>
+            </a:r>
+          </a:p>
+          <a:p>
+            <a:pPr marL="0" lvl="0" indent="0" algn="l" rtl="0">
+              <a:spcBef>
+                <a:spcPts val="0"/>
+              </a:spcBef>
+              <a:spcAft>
+                <a:spcPts val="0"/>
+              </a:spcAft>
+              <a:buNone/>
+            </a:pPr>
+            <a:r>
+              <a:rPr lang="ru-RU" dirty="0" smtClean="0"/>
+              <a:t>На </a:t>
+            </a:r>
+            <a:r>
+              <a:rPr lang="ru-RU" dirty="0" err="1" smtClean="0"/>
+              <a:t>слайді</a:t>
+            </a:r>
+            <a:r>
+              <a:rPr lang="ru-RU" dirty="0" smtClean="0"/>
+              <a:t> </a:t>
+            </a:r>
+            <a:r>
+              <a:rPr lang="ru-RU" dirty="0" err="1" smtClean="0"/>
+              <a:t>також</a:t>
+            </a:r>
+            <a:r>
+              <a:rPr lang="ru-RU" dirty="0" smtClean="0"/>
+              <a:t> показано запуск </a:t>
+            </a:r>
+            <a:r>
+              <a:rPr lang="ru-RU" dirty="0" err="1" smtClean="0"/>
+              <a:t>трьох</a:t>
+            </a:r>
+            <a:r>
+              <a:rPr lang="ru-RU" dirty="0" smtClean="0"/>
+              <a:t> </a:t>
+            </a:r>
+            <a:r>
+              <a:rPr lang="ru-RU" dirty="0" err="1" smtClean="0"/>
+              <a:t>імітаційних</a:t>
+            </a:r>
+            <a:r>
+              <a:rPr lang="ru-RU" dirty="0" smtClean="0"/>
+              <a:t> </a:t>
+            </a:r>
+            <a:r>
+              <a:rPr lang="ru-RU" dirty="0" err="1" smtClean="0"/>
+              <a:t>серверів</a:t>
+            </a:r>
+            <a:r>
+              <a:rPr lang="ru-RU" dirty="0" smtClean="0"/>
+              <a:t> — </a:t>
+            </a:r>
+            <a:r>
+              <a:rPr lang="ru-RU" dirty="0" err="1" smtClean="0"/>
+              <a:t>кожен</a:t>
+            </a:r>
+            <a:r>
+              <a:rPr lang="ru-RU" dirty="0" smtClean="0"/>
+              <a:t> </a:t>
+            </a:r>
+            <a:r>
+              <a:rPr lang="ru-RU" dirty="0" err="1" smtClean="0"/>
+              <a:t>працює</a:t>
+            </a:r>
+            <a:r>
+              <a:rPr lang="ru-RU" dirty="0" smtClean="0"/>
+              <a:t> як </a:t>
+            </a:r>
+            <a:r>
+              <a:rPr lang="ru-RU" dirty="0" err="1" smtClean="0"/>
+              <a:t>окрема</a:t>
+            </a:r>
+            <a:r>
+              <a:rPr lang="ru-RU" dirty="0" smtClean="0"/>
+              <a:t> служба, </a:t>
+            </a:r>
+            <a:r>
+              <a:rPr lang="ru-RU" dirty="0" err="1" smtClean="0"/>
+              <a:t>що</a:t>
+            </a:r>
+            <a:r>
+              <a:rPr lang="ru-RU" dirty="0" smtClean="0"/>
+              <a:t> </a:t>
+            </a:r>
+            <a:r>
+              <a:rPr lang="ru-RU" dirty="0" err="1" smtClean="0"/>
+              <a:t>дозволяє</a:t>
+            </a:r>
+            <a:r>
+              <a:rPr lang="ru-RU" dirty="0" smtClean="0"/>
+              <a:t> </a:t>
+            </a:r>
+            <a:r>
+              <a:rPr lang="ru-RU" dirty="0" err="1" smtClean="0"/>
+              <a:t>емулювати</a:t>
+            </a:r>
+            <a:r>
+              <a:rPr lang="ru-RU" dirty="0" smtClean="0"/>
+              <a:t> </a:t>
+            </a:r>
+            <a:r>
+              <a:rPr lang="ru-RU" dirty="0" err="1" smtClean="0"/>
+              <a:t>реальне</a:t>
+            </a:r>
+            <a:r>
+              <a:rPr lang="ru-RU" dirty="0" smtClean="0"/>
+              <a:t> </a:t>
+            </a:r>
+            <a:r>
+              <a:rPr lang="ru-RU" dirty="0" err="1" smtClean="0"/>
+              <a:t>розподілене</a:t>
+            </a:r>
+            <a:r>
+              <a:rPr lang="ru-RU" dirty="0" smtClean="0"/>
+              <a:t> </a:t>
+            </a:r>
+            <a:r>
+              <a:rPr lang="ru-RU" dirty="0" err="1" smtClean="0"/>
+              <a:t>середовище</a:t>
+            </a:r>
+            <a:r>
+              <a:rPr lang="ru-RU" dirty="0" smtClean="0"/>
+              <a:t>. </a:t>
+            </a:r>
+            <a:r>
+              <a:rPr lang="ru-RU" dirty="0" err="1" smtClean="0"/>
+              <a:t>Завдяки</a:t>
+            </a:r>
+            <a:r>
+              <a:rPr lang="ru-RU" dirty="0" smtClean="0"/>
+              <a:t> </a:t>
+            </a:r>
+            <a:r>
+              <a:rPr lang="ru-RU" dirty="0" err="1" smtClean="0"/>
+              <a:t>цьому</a:t>
+            </a:r>
+            <a:r>
+              <a:rPr lang="ru-RU" dirty="0" smtClean="0"/>
+              <a:t> система </a:t>
+            </a:r>
+            <a:r>
+              <a:rPr lang="ru-RU" dirty="0" err="1" smtClean="0"/>
+              <a:t>може</a:t>
+            </a:r>
+            <a:r>
+              <a:rPr lang="ru-RU" dirty="0" smtClean="0"/>
+              <a:t> </a:t>
+            </a:r>
+            <a:r>
+              <a:rPr lang="ru-RU" dirty="0" err="1" smtClean="0"/>
+              <a:t>оцінювати</a:t>
+            </a:r>
+            <a:r>
+              <a:rPr lang="ru-RU" dirty="0" smtClean="0"/>
+              <a:t> стан кожного </a:t>
+            </a:r>
+            <a:r>
+              <a:rPr lang="ru-RU" dirty="0" err="1" smtClean="0"/>
+              <a:t>вузла</a:t>
+            </a:r>
+            <a:r>
+              <a:rPr lang="ru-RU" dirty="0" smtClean="0"/>
+              <a:t> </a:t>
+            </a:r>
+            <a:r>
+              <a:rPr lang="ru-RU" dirty="0" err="1" smtClean="0"/>
+              <a:t>окремо</a:t>
+            </a:r>
+            <a:r>
+              <a:rPr lang="ru-RU" dirty="0" smtClean="0"/>
+              <a:t> й </a:t>
+            </a:r>
+            <a:r>
+              <a:rPr lang="ru-RU" dirty="0" err="1" smtClean="0"/>
+              <a:t>приймати</a:t>
+            </a:r>
+            <a:r>
+              <a:rPr lang="ru-RU" dirty="0" smtClean="0"/>
+              <a:t> </a:t>
+            </a:r>
+            <a:r>
+              <a:rPr lang="ru-RU" dirty="0" err="1" smtClean="0"/>
+              <a:t>рішення</a:t>
+            </a:r>
+            <a:r>
+              <a:rPr lang="ru-RU" dirty="0" smtClean="0"/>
+              <a:t> в реальному </a:t>
+            </a:r>
+            <a:r>
+              <a:rPr lang="ru-RU" dirty="0" err="1" smtClean="0"/>
+              <a:t>часі</a:t>
+            </a:r>
+            <a:r>
+              <a:rPr lang="ru-RU" dirty="0" smtClean="0"/>
+              <a:t>. </a:t>
+            </a:r>
+            <a:r>
+              <a:rPr lang="ru-RU" dirty="0" err="1" smtClean="0"/>
+              <a:t>Це</a:t>
+            </a:r>
+            <a:r>
+              <a:rPr lang="ru-RU" dirty="0" smtClean="0"/>
+              <a:t> </a:t>
+            </a:r>
+            <a:r>
+              <a:rPr lang="ru-RU" dirty="0" err="1" smtClean="0"/>
+              <a:t>створює</a:t>
+            </a:r>
+            <a:r>
+              <a:rPr lang="ru-RU" dirty="0" smtClean="0"/>
+              <a:t> </a:t>
+            </a:r>
+            <a:r>
+              <a:rPr lang="ru-RU" dirty="0" err="1" smtClean="0"/>
+              <a:t>умови</a:t>
+            </a:r>
+            <a:r>
+              <a:rPr lang="ru-RU" dirty="0" smtClean="0"/>
+              <a:t>, </a:t>
+            </a:r>
+            <a:r>
+              <a:rPr lang="ru-RU" dirty="0" err="1" smtClean="0"/>
+              <a:t>наближені</a:t>
+            </a:r>
+            <a:r>
+              <a:rPr lang="ru-RU" dirty="0" smtClean="0"/>
+              <a:t> до </a:t>
+            </a:r>
+            <a:r>
+              <a:rPr lang="en-GB" dirty="0" smtClean="0"/>
+              <a:t>production-</a:t>
+            </a:r>
+            <a:r>
+              <a:rPr lang="ru-RU" dirty="0" err="1" smtClean="0"/>
+              <a:t>навантаження</a:t>
+            </a:r>
+            <a:r>
+              <a:rPr lang="ru-RU" dirty="0" smtClean="0"/>
+              <a:t>, але в </a:t>
+            </a:r>
+            <a:r>
+              <a:rPr lang="ru-RU" dirty="0" err="1" smtClean="0"/>
+              <a:t>контрольованому</a:t>
+            </a:r>
+            <a:r>
+              <a:rPr lang="ru-RU" dirty="0" smtClean="0"/>
+              <a:t> </a:t>
+            </a:r>
+            <a:r>
+              <a:rPr lang="ru-RU" dirty="0" err="1" smtClean="0"/>
+              <a:t>середовищі</a:t>
+            </a:r>
+            <a:r>
+              <a:rPr lang="ru-RU" dirty="0" smtClean="0"/>
+              <a:t>.</a:t>
+            </a:r>
+            <a:endParaRPr dirty="0"/>
           </a:p>
         </p:txBody>
       </p:sp>
@@ -1167,7 +2443,573 @@
               </a:spcAft>
               <a:buNone/>
             </a:pPr>
-            <a:endParaRPr/>
+            <a:r>
+              <a:rPr lang="ru-RU" dirty="0" smtClean="0"/>
+              <a:t>На </a:t>
+            </a:r>
+            <a:r>
+              <a:rPr lang="ru-RU" dirty="0" err="1" smtClean="0"/>
+              <a:t>цьому</a:t>
+            </a:r>
+            <a:r>
+              <a:rPr lang="ru-RU" dirty="0" smtClean="0"/>
+              <a:t> </a:t>
+            </a:r>
+            <a:r>
+              <a:rPr lang="ru-RU" dirty="0" err="1" smtClean="0"/>
+              <a:t>етапі</a:t>
+            </a:r>
+            <a:r>
+              <a:rPr lang="ru-RU" dirty="0" smtClean="0"/>
+              <a:t> </a:t>
+            </a:r>
+            <a:r>
+              <a:rPr lang="ru-RU" dirty="0" err="1" smtClean="0"/>
+              <a:t>було</a:t>
+            </a:r>
+            <a:r>
+              <a:rPr lang="ru-RU" dirty="0" smtClean="0"/>
+              <a:t> </a:t>
+            </a:r>
+            <a:r>
+              <a:rPr lang="ru-RU" dirty="0" err="1" smtClean="0"/>
+              <a:t>здійснено</a:t>
+            </a:r>
+            <a:r>
+              <a:rPr lang="ru-RU" dirty="0" smtClean="0"/>
+              <a:t> </a:t>
+            </a:r>
+            <a:r>
+              <a:rPr lang="ru-RU" dirty="0" err="1" smtClean="0"/>
+              <a:t>безпосередній</a:t>
+            </a:r>
+            <a:r>
+              <a:rPr lang="ru-RU" dirty="0" smtClean="0"/>
+              <a:t> запуск </a:t>
+            </a:r>
+            <a:r>
+              <a:rPr lang="ru-RU" dirty="0" err="1" smtClean="0"/>
+              <a:t>експерименту</a:t>
+            </a:r>
+            <a:r>
+              <a:rPr lang="ru-RU" dirty="0" smtClean="0"/>
+              <a:t>. Як </a:t>
+            </a:r>
+            <a:r>
+              <a:rPr lang="ru-RU" dirty="0" err="1" smtClean="0"/>
+              <a:t>бачимо</a:t>
+            </a:r>
+            <a:r>
+              <a:rPr lang="ru-RU" dirty="0" smtClean="0"/>
+              <a:t> на </a:t>
+            </a:r>
+            <a:r>
+              <a:rPr lang="ru-RU" dirty="0" err="1" smtClean="0"/>
+              <a:t>першому</a:t>
+            </a:r>
+            <a:r>
+              <a:rPr lang="ru-RU" dirty="0" smtClean="0"/>
+              <a:t> </a:t>
+            </a:r>
+            <a:r>
+              <a:rPr lang="ru-RU" dirty="0" err="1" smtClean="0"/>
+              <a:t>скріншоті</a:t>
+            </a:r>
+            <a:r>
+              <a:rPr lang="ru-RU" dirty="0" smtClean="0"/>
+              <a:t>, </a:t>
+            </a:r>
+            <a:r>
+              <a:rPr lang="ru-RU" dirty="0" err="1" smtClean="0"/>
+              <a:t>тестове</a:t>
+            </a:r>
+            <a:r>
+              <a:rPr lang="ru-RU" dirty="0" smtClean="0"/>
+              <a:t> </a:t>
+            </a:r>
+            <a:r>
+              <a:rPr lang="ru-RU" dirty="0" err="1" smtClean="0"/>
+              <a:t>навантаження</a:t>
+            </a:r>
+            <a:r>
+              <a:rPr lang="ru-RU" dirty="0" smtClean="0"/>
+              <a:t> </a:t>
+            </a:r>
+            <a:r>
+              <a:rPr lang="ru-RU" dirty="0" err="1" smtClean="0"/>
+              <a:t>генерується</a:t>
+            </a:r>
+            <a:r>
+              <a:rPr lang="ru-RU" dirty="0" smtClean="0"/>
+              <a:t> за </a:t>
+            </a:r>
+            <a:r>
+              <a:rPr lang="ru-RU" dirty="0" err="1" smtClean="0"/>
+              <a:t>допомогою</a:t>
+            </a:r>
+            <a:r>
+              <a:rPr lang="ru-RU" dirty="0" smtClean="0"/>
+              <a:t> </a:t>
+            </a:r>
+            <a:r>
+              <a:rPr lang="ru-RU" dirty="0" err="1" smtClean="0"/>
+              <a:t>інструмента</a:t>
+            </a:r>
+            <a:r>
+              <a:rPr lang="ru-RU" dirty="0" smtClean="0"/>
+              <a:t> </a:t>
+            </a:r>
+            <a:r>
+              <a:rPr lang="en-GB" dirty="0" smtClean="0"/>
+              <a:t>K6, </a:t>
+            </a:r>
+            <a:r>
+              <a:rPr lang="ru-RU" dirty="0" err="1" smtClean="0"/>
+              <a:t>який</a:t>
+            </a:r>
+            <a:r>
+              <a:rPr lang="ru-RU" dirty="0" smtClean="0"/>
+              <a:t> </a:t>
+            </a:r>
+            <a:r>
+              <a:rPr lang="ru-RU" dirty="0" err="1" smtClean="0"/>
+              <a:t>імітує</a:t>
+            </a:r>
+            <a:r>
+              <a:rPr lang="ru-RU" dirty="0" smtClean="0"/>
+              <a:t> </a:t>
+            </a:r>
+            <a:r>
+              <a:rPr lang="ru-RU" dirty="0" err="1" smtClean="0"/>
+              <a:t>велику</a:t>
+            </a:r>
+            <a:r>
+              <a:rPr lang="ru-RU" dirty="0" smtClean="0"/>
+              <a:t> </a:t>
+            </a:r>
+            <a:r>
+              <a:rPr lang="ru-RU" dirty="0" err="1" smtClean="0"/>
+              <a:t>кількість</a:t>
+            </a:r>
+            <a:r>
+              <a:rPr lang="ru-RU" dirty="0" smtClean="0"/>
+              <a:t> </a:t>
+            </a:r>
+            <a:r>
+              <a:rPr lang="ru-RU" dirty="0" err="1" smtClean="0"/>
+              <a:t>одночасних</a:t>
+            </a:r>
+            <a:r>
+              <a:rPr lang="ru-RU" dirty="0" smtClean="0"/>
+              <a:t> </a:t>
+            </a:r>
+            <a:r>
+              <a:rPr lang="en-GB" dirty="0" smtClean="0"/>
+              <a:t>HTTP-</a:t>
+            </a:r>
+            <a:r>
+              <a:rPr lang="ru-RU" dirty="0" err="1" smtClean="0"/>
+              <a:t>запитів</a:t>
+            </a:r>
+            <a:r>
+              <a:rPr lang="ru-RU" dirty="0" smtClean="0"/>
+              <a:t>. </a:t>
+            </a:r>
+            <a:r>
+              <a:rPr lang="ru-RU" dirty="0" err="1" smtClean="0"/>
+              <a:t>Це</a:t>
+            </a:r>
+            <a:r>
+              <a:rPr lang="ru-RU" dirty="0" smtClean="0"/>
+              <a:t> </a:t>
+            </a:r>
+            <a:r>
+              <a:rPr lang="ru-RU" dirty="0" err="1" smtClean="0"/>
+              <a:t>дозволяє</a:t>
+            </a:r>
+            <a:r>
+              <a:rPr lang="ru-RU" dirty="0" smtClean="0"/>
+              <a:t> </a:t>
+            </a:r>
+            <a:r>
+              <a:rPr lang="ru-RU" dirty="0" err="1" smtClean="0"/>
+              <a:t>створити</a:t>
+            </a:r>
+            <a:r>
+              <a:rPr lang="ru-RU" dirty="0" smtClean="0"/>
+              <a:t> </a:t>
+            </a:r>
+            <a:r>
+              <a:rPr lang="ru-RU" dirty="0" err="1" smtClean="0"/>
+              <a:t>реалістичні</a:t>
+            </a:r>
+            <a:r>
+              <a:rPr lang="ru-RU" dirty="0" smtClean="0"/>
+              <a:t> </a:t>
+            </a:r>
+            <a:r>
+              <a:rPr lang="ru-RU" dirty="0" err="1" smtClean="0"/>
+              <a:t>сценарії</a:t>
+            </a:r>
+            <a:r>
+              <a:rPr lang="ru-RU" dirty="0" smtClean="0"/>
+              <a:t> </a:t>
+            </a:r>
+            <a:r>
+              <a:rPr lang="ru-RU" dirty="0" err="1" smtClean="0"/>
+              <a:t>роботи</a:t>
+            </a:r>
+            <a:r>
+              <a:rPr lang="ru-RU" dirty="0" smtClean="0"/>
+              <a:t> </a:t>
+            </a:r>
+            <a:r>
+              <a:rPr lang="ru-RU" dirty="0" err="1" smtClean="0"/>
+              <a:t>системи</a:t>
+            </a:r>
+            <a:r>
+              <a:rPr lang="ru-RU" dirty="0" smtClean="0"/>
+              <a:t> </a:t>
+            </a:r>
+            <a:r>
+              <a:rPr lang="ru-RU" dirty="0" err="1" smtClean="0"/>
+              <a:t>під</a:t>
+            </a:r>
+            <a:r>
+              <a:rPr lang="ru-RU" dirty="0" smtClean="0"/>
+              <a:t> </a:t>
+            </a:r>
+            <a:r>
+              <a:rPr lang="ru-RU" dirty="0" err="1" smtClean="0"/>
+              <a:t>навантаженням</a:t>
+            </a:r>
+            <a:r>
+              <a:rPr lang="ru-RU" dirty="0" smtClean="0"/>
+              <a:t>.</a:t>
+            </a:r>
+          </a:p>
+          <a:p>
+            <a:pPr marL="0" lvl="0" indent="0" algn="l" rtl="0">
+              <a:spcBef>
+                <a:spcPts val="0"/>
+              </a:spcBef>
+              <a:spcAft>
+                <a:spcPts val="0"/>
+              </a:spcAft>
+              <a:buNone/>
+            </a:pPr>
+            <a:r>
+              <a:rPr lang="ru-RU" dirty="0" smtClean="0"/>
+              <a:t>На другому </a:t>
+            </a:r>
+            <a:r>
+              <a:rPr lang="ru-RU" dirty="0" err="1" smtClean="0"/>
+              <a:t>зображенні</a:t>
+            </a:r>
+            <a:r>
+              <a:rPr lang="ru-RU" dirty="0" smtClean="0"/>
+              <a:t> представлено </a:t>
+            </a:r>
+            <a:r>
+              <a:rPr lang="ru-RU" dirty="0" err="1" smtClean="0"/>
+              <a:t>консольний</a:t>
+            </a:r>
+            <a:r>
+              <a:rPr lang="ru-RU" dirty="0" smtClean="0"/>
+              <a:t> </a:t>
+            </a:r>
+            <a:r>
+              <a:rPr lang="ru-RU" dirty="0" err="1" smtClean="0"/>
+              <a:t>вивід</a:t>
+            </a:r>
+            <a:r>
+              <a:rPr lang="ru-RU" dirty="0" smtClean="0"/>
+              <a:t> </a:t>
+            </a:r>
+            <a:r>
+              <a:rPr lang="ru-RU" dirty="0" err="1" smtClean="0"/>
+              <a:t>сервісу</a:t>
+            </a:r>
+            <a:r>
+              <a:rPr lang="ru-RU" dirty="0" smtClean="0"/>
+              <a:t> </a:t>
+            </a:r>
+            <a:r>
+              <a:rPr lang="en-GB" dirty="0" err="1" smtClean="0"/>
+              <a:t>DistLoad</a:t>
+            </a:r>
+            <a:r>
+              <a:rPr lang="en-GB" dirty="0" smtClean="0"/>
+              <a:t>, </a:t>
+            </a:r>
+            <a:r>
+              <a:rPr lang="ru-RU" dirty="0" smtClean="0"/>
+              <a:t>де в </a:t>
+            </a:r>
+            <a:r>
+              <a:rPr lang="ru-RU" dirty="0" err="1" smtClean="0"/>
+              <a:t>режимі</a:t>
+            </a:r>
+            <a:r>
+              <a:rPr lang="ru-RU" dirty="0" smtClean="0"/>
+              <a:t> реального часу </a:t>
+            </a:r>
+            <a:r>
+              <a:rPr lang="ru-RU" dirty="0" err="1" smtClean="0"/>
+              <a:t>фіксується</a:t>
+            </a:r>
+            <a:r>
+              <a:rPr lang="ru-RU" dirty="0" smtClean="0"/>
+              <a:t>, </a:t>
+            </a:r>
+            <a:r>
+              <a:rPr lang="ru-RU" dirty="0" err="1" smtClean="0"/>
+              <a:t>який</a:t>
+            </a:r>
+            <a:r>
+              <a:rPr lang="ru-RU" dirty="0" smtClean="0"/>
+              <a:t> сервер </a:t>
+            </a:r>
+            <a:r>
+              <a:rPr lang="ru-RU" dirty="0" err="1" smtClean="0"/>
+              <a:t>обрав</a:t>
+            </a:r>
+            <a:r>
+              <a:rPr lang="ru-RU" dirty="0" smtClean="0"/>
+              <a:t> </a:t>
+            </a:r>
+            <a:r>
+              <a:rPr lang="ru-RU" dirty="0" err="1" smtClean="0"/>
+              <a:t>балансувальник</a:t>
+            </a:r>
+            <a:r>
+              <a:rPr lang="ru-RU" dirty="0" smtClean="0"/>
+              <a:t> для кожного </a:t>
+            </a:r>
+            <a:r>
+              <a:rPr lang="ru-RU" dirty="0" err="1" smtClean="0"/>
+              <a:t>запиту</a:t>
+            </a:r>
+            <a:r>
+              <a:rPr lang="ru-RU" dirty="0" smtClean="0"/>
+              <a:t>. </a:t>
+            </a:r>
+            <a:r>
+              <a:rPr lang="ru-RU" dirty="0" err="1" smtClean="0"/>
+              <a:t>Також</a:t>
+            </a:r>
+            <a:r>
+              <a:rPr lang="ru-RU" dirty="0" smtClean="0"/>
+              <a:t> </a:t>
+            </a:r>
+            <a:r>
+              <a:rPr lang="ru-RU" dirty="0" err="1" smtClean="0"/>
+              <a:t>виводяться</a:t>
+            </a:r>
+            <a:r>
+              <a:rPr lang="ru-RU" dirty="0" smtClean="0"/>
+              <a:t> </a:t>
+            </a:r>
+            <a:r>
+              <a:rPr lang="ru-RU" dirty="0" err="1" smtClean="0"/>
+              <a:t>актуальні</a:t>
+            </a:r>
+            <a:r>
+              <a:rPr lang="ru-RU" dirty="0" smtClean="0"/>
+              <a:t> метрики стану кожного </a:t>
+            </a:r>
+            <a:r>
+              <a:rPr lang="ru-RU" dirty="0" err="1" smtClean="0"/>
+              <a:t>вузла</a:t>
+            </a:r>
+            <a:r>
+              <a:rPr lang="ru-RU" dirty="0" smtClean="0"/>
+              <a:t>: </a:t>
+            </a:r>
+            <a:r>
+              <a:rPr lang="ru-RU" dirty="0" err="1" smtClean="0"/>
+              <a:t>завантаження</a:t>
+            </a:r>
+            <a:r>
+              <a:rPr lang="ru-RU" dirty="0" smtClean="0"/>
+              <a:t> </a:t>
+            </a:r>
+            <a:r>
+              <a:rPr lang="en-GB" dirty="0" smtClean="0"/>
+              <a:t>CPU, </a:t>
+            </a:r>
+            <a:r>
+              <a:rPr lang="ru-RU" dirty="0" err="1" smtClean="0"/>
+              <a:t>кількість</a:t>
+            </a:r>
+            <a:r>
+              <a:rPr lang="ru-RU" dirty="0" smtClean="0"/>
+              <a:t> </a:t>
+            </a:r>
+            <a:r>
+              <a:rPr lang="ru-RU" dirty="0" err="1" smtClean="0"/>
+              <a:t>активних</a:t>
+            </a:r>
+            <a:r>
+              <a:rPr lang="ru-RU" dirty="0" smtClean="0"/>
+              <a:t> </a:t>
+            </a:r>
+            <a:r>
+              <a:rPr lang="ru-RU" dirty="0" err="1" smtClean="0"/>
+              <a:t>запитів</a:t>
+            </a:r>
+            <a:r>
+              <a:rPr lang="ru-RU" dirty="0" smtClean="0"/>
+              <a:t> і </a:t>
+            </a:r>
+            <a:r>
+              <a:rPr lang="ru-RU" dirty="0" err="1" smtClean="0"/>
+              <a:t>середній</a:t>
+            </a:r>
+            <a:r>
+              <a:rPr lang="ru-RU" dirty="0" smtClean="0"/>
+              <a:t> час </a:t>
+            </a:r>
+            <a:r>
+              <a:rPr lang="ru-RU" dirty="0" err="1" smtClean="0"/>
+              <a:t>відповіді</a:t>
+            </a:r>
+            <a:r>
+              <a:rPr lang="ru-RU" dirty="0" smtClean="0"/>
+              <a:t>.</a:t>
+            </a:r>
+          </a:p>
+          <a:p>
+            <a:pPr marL="0" lvl="0" indent="0" algn="l" rtl="0">
+              <a:spcBef>
+                <a:spcPts val="0"/>
+              </a:spcBef>
+              <a:spcAft>
+                <a:spcPts val="0"/>
+              </a:spcAft>
+              <a:buNone/>
+            </a:pPr>
+            <a:r>
+              <a:rPr lang="ru-RU" dirty="0" err="1" smtClean="0"/>
+              <a:t>Це</a:t>
+            </a:r>
+            <a:r>
+              <a:rPr lang="ru-RU" dirty="0" smtClean="0"/>
+              <a:t> </a:t>
+            </a:r>
+            <a:r>
+              <a:rPr lang="ru-RU" dirty="0" err="1" smtClean="0"/>
+              <a:t>дає</a:t>
+            </a:r>
+            <a:r>
+              <a:rPr lang="ru-RU" dirty="0" smtClean="0"/>
+              <a:t> </a:t>
+            </a:r>
+            <a:r>
+              <a:rPr lang="ru-RU" dirty="0" err="1" smtClean="0"/>
+              <a:t>змогу</a:t>
+            </a:r>
+            <a:r>
+              <a:rPr lang="ru-RU" dirty="0" smtClean="0"/>
+              <a:t> </a:t>
+            </a:r>
+            <a:r>
+              <a:rPr lang="ru-RU" dirty="0" err="1" smtClean="0"/>
+              <a:t>візуально</a:t>
+            </a:r>
+            <a:r>
+              <a:rPr lang="ru-RU" dirty="0" smtClean="0"/>
+              <a:t> </a:t>
+            </a:r>
+            <a:r>
+              <a:rPr lang="ru-RU" dirty="0" err="1" smtClean="0"/>
+              <a:t>оцінити</a:t>
+            </a:r>
+            <a:r>
+              <a:rPr lang="ru-RU" dirty="0" smtClean="0"/>
+              <a:t>, як </a:t>
+            </a:r>
+            <a:r>
+              <a:rPr lang="ru-RU" dirty="0" err="1" smtClean="0"/>
+              <a:t>адаптивний</a:t>
+            </a:r>
+            <a:r>
+              <a:rPr lang="ru-RU" dirty="0" smtClean="0"/>
+              <a:t> алгоритм </a:t>
+            </a:r>
+            <a:r>
+              <a:rPr lang="ru-RU" dirty="0" err="1" smtClean="0"/>
+              <a:t>реагує</a:t>
+            </a:r>
+            <a:r>
+              <a:rPr lang="ru-RU" dirty="0" smtClean="0"/>
+              <a:t> на </a:t>
+            </a:r>
+            <a:r>
+              <a:rPr lang="ru-RU" dirty="0" err="1" smtClean="0"/>
+              <a:t>зміну</a:t>
+            </a:r>
+            <a:r>
+              <a:rPr lang="ru-RU" dirty="0" smtClean="0"/>
+              <a:t> </a:t>
+            </a:r>
+            <a:r>
+              <a:rPr lang="ru-RU" dirty="0" err="1" smtClean="0"/>
+              <a:t>ситуації</a:t>
+            </a:r>
+            <a:r>
+              <a:rPr lang="ru-RU" dirty="0" smtClean="0"/>
+              <a:t> в </a:t>
+            </a:r>
+            <a:r>
+              <a:rPr lang="ru-RU" dirty="0" err="1" smtClean="0"/>
+              <a:t>системі</a:t>
+            </a:r>
+            <a:r>
+              <a:rPr lang="ru-RU" dirty="0" smtClean="0"/>
+              <a:t>, та </a:t>
+            </a:r>
+            <a:r>
+              <a:rPr lang="ru-RU" dirty="0" err="1" smtClean="0"/>
+              <a:t>підтверджує</a:t>
+            </a:r>
+            <a:r>
+              <a:rPr lang="ru-RU" dirty="0" smtClean="0"/>
+              <a:t> </a:t>
+            </a:r>
+            <a:r>
+              <a:rPr lang="ru-RU" dirty="0" err="1" smtClean="0"/>
+              <a:t>його</a:t>
+            </a:r>
+            <a:r>
+              <a:rPr lang="ru-RU" dirty="0" smtClean="0"/>
+              <a:t> </a:t>
+            </a:r>
+            <a:r>
+              <a:rPr lang="ru-RU" dirty="0" err="1" smtClean="0"/>
+              <a:t>працездатність</a:t>
+            </a:r>
+            <a:r>
+              <a:rPr lang="ru-RU" dirty="0" smtClean="0"/>
+              <a:t> у </a:t>
+            </a:r>
+            <a:r>
+              <a:rPr lang="ru-RU" dirty="0" err="1" smtClean="0"/>
+              <a:t>динамічних</a:t>
+            </a:r>
+            <a:r>
+              <a:rPr lang="ru-RU" dirty="0" smtClean="0"/>
+              <a:t> </a:t>
+            </a:r>
+            <a:r>
+              <a:rPr lang="ru-RU" dirty="0" err="1" smtClean="0"/>
+              <a:t>умовах</a:t>
+            </a:r>
+            <a:r>
+              <a:rPr lang="ru-RU" dirty="0" smtClean="0"/>
+              <a:t>.</a:t>
+            </a:r>
+            <a:endParaRPr dirty="0"/>
           </a:p>
         </p:txBody>
       </p:sp>
@@ -1276,7 +3118,744 @@
               </a:spcAft>
               <a:buNone/>
             </a:pPr>
-            <a:endParaRPr/>
+            <a:r>
+              <a:rPr lang="ru-RU" dirty="0" err="1" smtClean="0"/>
+              <a:t>Далі</a:t>
+            </a:r>
+            <a:r>
+              <a:rPr lang="ru-RU" dirty="0" smtClean="0"/>
+              <a:t> представлено </a:t>
+            </a:r>
+            <a:r>
+              <a:rPr lang="ru-RU" dirty="0" err="1" smtClean="0"/>
+              <a:t>результати</a:t>
+            </a:r>
+            <a:r>
+              <a:rPr lang="ru-RU" dirty="0" smtClean="0"/>
+              <a:t> </a:t>
+            </a:r>
+            <a:r>
+              <a:rPr lang="ru-RU" dirty="0" err="1" smtClean="0"/>
+              <a:t>проведених</a:t>
+            </a:r>
+            <a:r>
+              <a:rPr lang="ru-RU" dirty="0" smtClean="0"/>
+              <a:t> </a:t>
+            </a:r>
+            <a:r>
+              <a:rPr lang="ru-RU" dirty="0" err="1" smtClean="0"/>
+              <a:t>ітерацій</a:t>
+            </a:r>
+            <a:r>
+              <a:rPr lang="ru-RU" dirty="0" smtClean="0"/>
+              <a:t> </a:t>
+            </a:r>
+            <a:r>
+              <a:rPr lang="ru-RU" dirty="0" err="1" smtClean="0"/>
+              <a:t>тестування</a:t>
+            </a:r>
+            <a:r>
+              <a:rPr lang="ru-RU" dirty="0" smtClean="0"/>
+              <a:t> адаптивного алгоритму. У </a:t>
+            </a:r>
+            <a:r>
+              <a:rPr lang="ru-RU" dirty="0" err="1" smtClean="0"/>
+              <a:t>таблиці</a:t>
+            </a:r>
+            <a:r>
+              <a:rPr lang="ru-RU" dirty="0" smtClean="0"/>
+              <a:t> </a:t>
+            </a:r>
+            <a:r>
+              <a:rPr lang="ru-RU" dirty="0" err="1" smtClean="0"/>
+              <a:t>чітко</a:t>
+            </a:r>
+            <a:r>
+              <a:rPr lang="ru-RU" dirty="0" smtClean="0"/>
+              <a:t> видно, як </a:t>
+            </a:r>
+            <a:r>
+              <a:rPr lang="ru-RU" dirty="0" err="1" smtClean="0"/>
+              <a:t>змінюється</a:t>
+            </a:r>
+            <a:r>
+              <a:rPr lang="ru-RU" dirty="0" smtClean="0"/>
+              <a:t> </a:t>
+            </a:r>
+            <a:r>
+              <a:rPr lang="ru-RU" dirty="0" err="1" smtClean="0"/>
+              <a:t>розподіл</a:t>
+            </a:r>
+            <a:r>
+              <a:rPr lang="ru-RU" dirty="0" smtClean="0"/>
+              <a:t> </a:t>
+            </a:r>
+            <a:r>
+              <a:rPr lang="ru-RU" dirty="0" err="1" smtClean="0"/>
+              <a:t>запитів</a:t>
+            </a:r>
+            <a:r>
+              <a:rPr lang="ru-RU" dirty="0" smtClean="0"/>
+              <a:t> </a:t>
+            </a:r>
+            <a:r>
+              <a:rPr lang="ru-RU" dirty="0" err="1" smtClean="0"/>
+              <a:t>між</a:t>
+            </a:r>
+            <a:r>
+              <a:rPr lang="ru-RU" dirty="0" smtClean="0"/>
+              <a:t> серверами з кожною новою </a:t>
+            </a:r>
+            <a:r>
+              <a:rPr lang="ru-RU" dirty="0" err="1" smtClean="0"/>
+              <a:t>ітерацією</a:t>
+            </a:r>
+            <a:r>
+              <a:rPr lang="ru-RU" dirty="0" smtClean="0"/>
+              <a:t>.</a:t>
+            </a:r>
+          </a:p>
+          <a:p>
+            <a:pPr marL="0" lvl="0" indent="0" algn="l" rtl="0">
+              <a:spcBef>
+                <a:spcPts val="0"/>
+              </a:spcBef>
+              <a:spcAft>
+                <a:spcPts val="0"/>
+              </a:spcAft>
+              <a:buNone/>
+            </a:pPr>
+            <a:r>
+              <a:rPr lang="ru-RU" dirty="0" err="1" smtClean="0"/>
+              <a:t>Наприклад</a:t>
+            </a:r>
+            <a:r>
+              <a:rPr lang="ru-RU" dirty="0" smtClean="0"/>
+              <a:t>, </a:t>
+            </a:r>
+            <a:r>
+              <a:rPr lang="ru-RU" dirty="0" err="1" smtClean="0"/>
+              <a:t>вже</a:t>
+            </a:r>
+            <a:r>
+              <a:rPr lang="ru-RU" dirty="0" smtClean="0"/>
+              <a:t> з </a:t>
+            </a:r>
+            <a:r>
+              <a:rPr lang="ru-RU" dirty="0" err="1" smtClean="0"/>
+              <a:t>першої</a:t>
+            </a:r>
+            <a:r>
+              <a:rPr lang="ru-RU" dirty="0" smtClean="0"/>
+              <a:t> </a:t>
+            </a:r>
+            <a:r>
+              <a:rPr lang="ru-RU" dirty="0" err="1" smtClean="0"/>
+              <a:t>ітерації</a:t>
+            </a:r>
+            <a:r>
+              <a:rPr lang="ru-RU" dirty="0" smtClean="0"/>
+              <a:t> алгоритм </a:t>
+            </a:r>
+            <a:r>
+              <a:rPr lang="ru-RU" dirty="0" err="1" smtClean="0"/>
+              <a:t>виявляє</a:t>
+            </a:r>
+            <a:r>
+              <a:rPr lang="ru-RU" dirty="0" smtClean="0"/>
+              <a:t>, </a:t>
+            </a:r>
+            <a:r>
+              <a:rPr lang="ru-RU" dirty="0" err="1" smtClean="0"/>
+              <a:t>що</a:t>
+            </a:r>
+            <a:r>
+              <a:rPr lang="ru-RU" dirty="0" smtClean="0"/>
+              <a:t> </a:t>
+            </a:r>
+            <a:r>
+              <a:rPr lang="en-GB" dirty="0" smtClean="0"/>
+              <a:t>Server1 </a:t>
+            </a:r>
+            <a:r>
+              <a:rPr lang="ru-RU" dirty="0" err="1" smtClean="0"/>
+              <a:t>має</a:t>
+            </a:r>
+            <a:r>
+              <a:rPr lang="ru-RU" dirty="0" smtClean="0"/>
+              <a:t> </a:t>
+            </a:r>
+            <a:r>
+              <a:rPr lang="ru-RU" dirty="0" err="1" smtClean="0"/>
+              <a:t>кращі</a:t>
+            </a:r>
+            <a:r>
+              <a:rPr lang="ru-RU" dirty="0" smtClean="0"/>
+              <a:t> </a:t>
+            </a:r>
+            <a:r>
+              <a:rPr lang="ru-RU" dirty="0" err="1" smtClean="0"/>
+              <a:t>показники</a:t>
+            </a:r>
+            <a:r>
+              <a:rPr lang="ru-RU" dirty="0" smtClean="0"/>
+              <a:t>, тому </a:t>
+            </a:r>
+            <a:r>
+              <a:rPr lang="ru-RU" dirty="0" err="1" smtClean="0"/>
+              <a:t>отримує</a:t>
+            </a:r>
+            <a:r>
+              <a:rPr lang="ru-RU" dirty="0" smtClean="0"/>
+              <a:t> </a:t>
+            </a:r>
+            <a:r>
+              <a:rPr lang="ru-RU" dirty="0" err="1" smtClean="0"/>
+              <a:t>найбільшу</a:t>
+            </a:r>
+            <a:r>
+              <a:rPr lang="ru-RU" dirty="0" smtClean="0"/>
+              <a:t> </a:t>
+            </a:r>
+            <a:r>
+              <a:rPr lang="ru-RU" dirty="0" err="1" smtClean="0"/>
+              <a:t>частину</a:t>
+            </a:r>
+            <a:r>
+              <a:rPr lang="ru-RU" dirty="0" smtClean="0"/>
+              <a:t> </a:t>
+            </a:r>
+            <a:r>
+              <a:rPr lang="ru-RU" dirty="0" err="1" smtClean="0"/>
+              <a:t>запитів</a:t>
+            </a:r>
+            <a:r>
+              <a:rPr lang="ru-RU" dirty="0" smtClean="0"/>
+              <a:t> — 179 </a:t>
+            </a:r>
+            <a:r>
+              <a:rPr lang="ru-RU" dirty="0" err="1" smtClean="0"/>
+              <a:t>проти</a:t>
+            </a:r>
+            <a:r>
+              <a:rPr lang="ru-RU" dirty="0" smtClean="0"/>
+              <a:t> 53 і 33 на </a:t>
+            </a:r>
+            <a:r>
+              <a:rPr lang="ru-RU" dirty="0" err="1" smtClean="0"/>
+              <a:t>інших</a:t>
+            </a:r>
+            <a:r>
+              <a:rPr lang="ru-RU" dirty="0" smtClean="0"/>
+              <a:t> </a:t>
+            </a:r>
+            <a:r>
+              <a:rPr lang="ru-RU" dirty="0" err="1" smtClean="0"/>
+              <a:t>вузлах</a:t>
+            </a:r>
+            <a:r>
+              <a:rPr lang="ru-RU" dirty="0" smtClean="0"/>
+              <a:t>. До </a:t>
+            </a:r>
+            <a:r>
+              <a:rPr lang="ru-RU" dirty="0" err="1" smtClean="0"/>
+              <a:t>сьомої</a:t>
+            </a:r>
+            <a:r>
+              <a:rPr lang="ru-RU" dirty="0" smtClean="0"/>
+              <a:t> </a:t>
+            </a:r>
+            <a:r>
+              <a:rPr lang="ru-RU" dirty="0" err="1" smtClean="0"/>
+              <a:t>ітерації</a:t>
+            </a:r>
+            <a:r>
+              <a:rPr lang="ru-RU" dirty="0" smtClean="0"/>
+              <a:t> </a:t>
+            </a:r>
+            <a:r>
+              <a:rPr lang="ru-RU" dirty="0" err="1" smtClean="0"/>
+              <a:t>ця</a:t>
+            </a:r>
+            <a:r>
+              <a:rPr lang="ru-RU" dirty="0" smtClean="0"/>
+              <a:t> </a:t>
+            </a:r>
+            <a:r>
+              <a:rPr lang="ru-RU" dirty="0" err="1" smtClean="0"/>
+              <a:t>перевага</a:t>
+            </a:r>
+            <a:r>
+              <a:rPr lang="ru-RU" dirty="0" smtClean="0"/>
+              <a:t> </a:t>
+            </a:r>
+            <a:r>
+              <a:rPr lang="ru-RU" dirty="0" err="1" smtClean="0"/>
+              <a:t>лише</a:t>
+            </a:r>
+            <a:r>
+              <a:rPr lang="ru-RU" dirty="0" smtClean="0"/>
+              <a:t> </a:t>
+            </a:r>
+            <a:r>
+              <a:rPr lang="ru-RU" dirty="0" err="1" smtClean="0"/>
+              <a:t>зростає</a:t>
+            </a:r>
+            <a:r>
+              <a:rPr lang="ru-RU" dirty="0" smtClean="0"/>
+              <a:t> — </a:t>
+            </a:r>
+            <a:r>
+              <a:rPr lang="en-GB" dirty="0" smtClean="0"/>
+              <a:t>Server1 </a:t>
+            </a:r>
+            <a:r>
+              <a:rPr lang="ru-RU" dirty="0" err="1" smtClean="0"/>
+              <a:t>отримує</a:t>
+            </a:r>
+            <a:r>
+              <a:rPr lang="ru-RU" dirty="0" smtClean="0"/>
+              <a:t> 259 </a:t>
+            </a:r>
+            <a:r>
+              <a:rPr lang="ru-RU" dirty="0" err="1" smtClean="0"/>
+              <a:t>запитів</a:t>
+            </a:r>
+            <a:r>
+              <a:rPr lang="ru-RU" dirty="0" smtClean="0"/>
+              <a:t>, </a:t>
+            </a:r>
+            <a:r>
+              <a:rPr lang="ru-RU" dirty="0" err="1" smtClean="0"/>
+              <a:t>тоді</a:t>
+            </a:r>
+            <a:r>
+              <a:rPr lang="ru-RU" dirty="0" smtClean="0"/>
+              <a:t> як </a:t>
+            </a:r>
+            <a:r>
+              <a:rPr lang="ru-RU" dirty="0" err="1" smtClean="0"/>
+              <a:t>інші</a:t>
+            </a:r>
+            <a:r>
+              <a:rPr lang="ru-RU" dirty="0" smtClean="0"/>
+              <a:t> </a:t>
+            </a:r>
+            <a:r>
+              <a:rPr lang="ru-RU" dirty="0" err="1" smtClean="0"/>
+              <a:t>залишаються</a:t>
+            </a:r>
+            <a:r>
+              <a:rPr lang="ru-RU" dirty="0" smtClean="0"/>
+              <a:t> </a:t>
+            </a:r>
+            <a:r>
+              <a:rPr lang="ru-RU" dirty="0" err="1" smtClean="0"/>
+              <a:t>менш</a:t>
+            </a:r>
+            <a:r>
+              <a:rPr lang="ru-RU" dirty="0" smtClean="0"/>
+              <a:t> </a:t>
+            </a:r>
+            <a:r>
+              <a:rPr lang="ru-RU" dirty="0" err="1" smtClean="0"/>
+              <a:t>навантаженими</a:t>
+            </a:r>
+            <a:r>
+              <a:rPr lang="ru-RU" dirty="0" smtClean="0"/>
+              <a:t>.</a:t>
+            </a:r>
+          </a:p>
+          <a:p>
+            <a:pPr marL="0" lvl="0" indent="0" algn="l" rtl="0">
+              <a:spcBef>
+                <a:spcPts val="0"/>
+              </a:spcBef>
+              <a:spcAft>
+                <a:spcPts val="0"/>
+              </a:spcAft>
+              <a:buNone/>
+            </a:pPr>
+            <a:r>
+              <a:rPr lang="ru-RU" dirty="0" err="1" smtClean="0"/>
+              <a:t>Підтвердити</a:t>
+            </a:r>
+            <a:r>
+              <a:rPr lang="ru-RU" dirty="0" smtClean="0"/>
+              <a:t>, </a:t>
+            </a:r>
+            <a:r>
+              <a:rPr lang="ru-RU" dirty="0" err="1" smtClean="0"/>
+              <a:t>що</a:t>
+            </a:r>
+            <a:r>
+              <a:rPr lang="ru-RU" dirty="0" smtClean="0"/>
+              <a:t> </a:t>
+            </a:r>
+            <a:r>
+              <a:rPr lang="ru-RU" dirty="0" err="1" smtClean="0"/>
+              <a:t>саме</a:t>
+            </a:r>
+            <a:r>
+              <a:rPr lang="ru-RU" dirty="0" smtClean="0"/>
+              <a:t> </a:t>
+            </a:r>
+            <a:r>
+              <a:rPr lang="en-GB" dirty="0" smtClean="0"/>
+              <a:t>Server1 </a:t>
+            </a:r>
+            <a:r>
+              <a:rPr lang="ru-RU" dirty="0" smtClean="0"/>
+              <a:t>на момент </a:t>
+            </a:r>
+            <a:r>
+              <a:rPr lang="ru-RU" dirty="0" err="1" smtClean="0"/>
+              <a:t>ітерації</a:t>
+            </a:r>
+            <a:r>
+              <a:rPr lang="ru-RU" dirty="0" smtClean="0"/>
+              <a:t> </a:t>
+            </a:r>
+            <a:r>
+              <a:rPr lang="ru-RU" dirty="0" err="1" smtClean="0"/>
+              <a:t>мав</a:t>
+            </a:r>
+            <a:r>
+              <a:rPr lang="ru-RU" dirty="0" smtClean="0"/>
+              <a:t> </a:t>
+            </a:r>
+            <a:r>
+              <a:rPr lang="ru-RU" dirty="0" err="1" smtClean="0"/>
+              <a:t>кращі</a:t>
+            </a:r>
+            <a:r>
+              <a:rPr lang="ru-RU" dirty="0" smtClean="0"/>
+              <a:t> характеристики, </a:t>
+            </a:r>
+            <a:r>
+              <a:rPr lang="ru-RU" dirty="0" err="1" smtClean="0"/>
+              <a:t>можна</a:t>
+            </a:r>
+            <a:r>
+              <a:rPr lang="ru-RU" dirty="0" smtClean="0"/>
+              <a:t> на другому </a:t>
+            </a:r>
+            <a:r>
+              <a:rPr lang="ru-RU" dirty="0" err="1" smtClean="0"/>
+              <a:t>скріншоті</a:t>
+            </a:r>
+            <a:r>
+              <a:rPr lang="ru-RU" dirty="0" smtClean="0"/>
+              <a:t> — </a:t>
+            </a:r>
+            <a:r>
+              <a:rPr lang="ru-RU" dirty="0" err="1" smtClean="0"/>
+              <a:t>це</a:t>
+            </a:r>
+            <a:r>
+              <a:rPr lang="ru-RU" dirty="0" smtClean="0"/>
+              <a:t> </a:t>
+            </a:r>
+            <a:r>
+              <a:rPr lang="ru-RU" dirty="0" err="1" smtClean="0"/>
+              <a:t>консольний</a:t>
+            </a:r>
+            <a:r>
+              <a:rPr lang="ru-RU" dirty="0" smtClean="0"/>
+              <a:t> </a:t>
+            </a:r>
+            <a:r>
+              <a:rPr lang="ru-RU" dirty="0" err="1" smtClean="0"/>
+              <a:t>вивід</a:t>
+            </a:r>
+            <a:r>
+              <a:rPr lang="ru-RU" dirty="0" smtClean="0"/>
+              <a:t> </a:t>
+            </a:r>
+            <a:r>
+              <a:rPr lang="en-GB" dirty="0" err="1" smtClean="0"/>
+              <a:t>DistLoad</a:t>
+            </a:r>
+            <a:r>
+              <a:rPr lang="en-GB" dirty="0" smtClean="0"/>
+              <a:t>, </a:t>
+            </a:r>
+            <a:r>
+              <a:rPr lang="ru-RU" dirty="0" smtClean="0"/>
+              <a:t>де в реальному </a:t>
+            </a:r>
+            <a:r>
+              <a:rPr lang="ru-RU" dirty="0" err="1" smtClean="0"/>
+              <a:t>часі</a:t>
+            </a:r>
+            <a:r>
+              <a:rPr lang="ru-RU" dirty="0" smtClean="0"/>
+              <a:t> видно </a:t>
+            </a:r>
+            <a:r>
+              <a:rPr lang="ru-RU" dirty="0" err="1" smtClean="0"/>
+              <a:t>поточні</a:t>
+            </a:r>
+            <a:r>
+              <a:rPr lang="ru-RU" dirty="0" smtClean="0"/>
+              <a:t> метрики кожного сервера. У </a:t>
+            </a:r>
+            <a:r>
+              <a:rPr lang="ru-RU" dirty="0" err="1" smtClean="0"/>
+              <a:t>ньому</a:t>
+            </a:r>
+            <a:r>
+              <a:rPr lang="ru-RU" dirty="0" smtClean="0"/>
+              <a:t> </a:t>
+            </a:r>
+            <a:r>
+              <a:rPr lang="ru-RU" dirty="0" err="1" smtClean="0"/>
+              <a:t>чітко</a:t>
+            </a:r>
+            <a:r>
+              <a:rPr lang="ru-RU" dirty="0" smtClean="0"/>
+              <a:t> </a:t>
+            </a:r>
+            <a:r>
+              <a:rPr lang="ru-RU" dirty="0" err="1" smtClean="0"/>
+              <a:t>простежується</a:t>
+            </a:r>
+            <a:r>
+              <a:rPr lang="ru-RU" dirty="0" smtClean="0"/>
+              <a:t>, </a:t>
+            </a:r>
+            <a:r>
+              <a:rPr lang="ru-RU" dirty="0" err="1" smtClean="0"/>
+              <a:t>що</a:t>
+            </a:r>
+            <a:r>
+              <a:rPr lang="ru-RU" dirty="0" smtClean="0"/>
+              <a:t> </a:t>
+            </a:r>
+            <a:r>
+              <a:rPr lang="en-GB" dirty="0" smtClean="0"/>
+              <a:t>CPU-</a:t>
+            </a:r>
+            <a:r>
+              <a:rPr lang="ru-RU" dirty="0" err="1" smtClean="0"/>
+              <a:t>навантаження</a:t>
+            </a:r>
+            <a:r>
+              <a:rPr lang="ru-RU" dirty="0" smtClean="0"/>
+              <a:t> та </a:t>
+            </a:r>
+            <a:r>
+              <a:rPr lang="ru-RU" dirty="0" err="1" smtClean="0"/>
+              <a:t>кількість</a:t>
+            </a:r>
+            <a:r>
+              <a:rPr lang="ru-RU" dirty="0" smtClean="0"/>
+              <a:t> </a:t>
+            </a:r>
+            <a:r>
+              <a:rPr lang="ru-RU" dirty="0" err="1" smtClean="0"/>
+              <a:t>активних</a:t>
+            </a:r>
+            <a:r>
+              <a:rPr lang="ru-RU" dirty="0" smtClean="0"/>
+              <a:t> </a:t>
+            </a:r>
+            <a:r>
+              <a:rPr lang="ru-RU" dirty="0" err="1" smtClean="0"/>
+              <a:t>з’єднань</a:t>
+            </a:r>
+            <a:r>
+              <a:rPr lang="ru-RU" dirty="0" smtClean="0"/>
+              <a:t> на </a:t>
+            </a:r>
+            <a:r>
+              <a:rPr lang="en-GB" dirty="0" smtClean="0"/>
+              <a:t>Server1 </a:t>
+            </a:r>
+            <a:r>
+              <a:rPr lang="ru-RU" dirty="0" err="1" smtClean="0"/>
+              <a:t>були</a:t>
+            </a:r>
+            <a:r>
+              <a:rPr lang="ru-RU" dirty="0" smtClean="0"/>
+              <a:t> </a:t>
+            </a:r>
+            <a:r>
+              <a:rPr lang="ru-RU" dirty="0" err="1" smtClean="0"/>
+              <a:t>нижчими</a:t>
+            </a:r>
+            <a:r>
+              <a:rPr lang="ru-RU" dirty="0" smtClean="0"/>
+              <a:t>, а час </a:t>
+            </a:r>
+            <a:r>
+              <a:rPr lang="ru-RU" dirty="0" err="1" smtClean="0"/>
+              <a:t>відповіді</a:t>
+            </a:r>
+            <a:r>
+              <a:rPr lang="ru-RU" dirty="0" smtClean="0"/>
+              <a:t> </a:t>
+            </a:r>
+            <a:r>
+              <a:rPr lang="ru-RU" dirty="0" err="1" smtClean="0"/>
+              <a:t>стабільнішим</a:t>
+            </a:r>
+            <a:r>
+              <a:rPr lang="ru-RU" dirty="0" smtClean="0"/>
+              <a:t>, </a:t>
+            </a:r>
+            <a:r>
+              <a:rPr lang="ru-RU" dirty="0" err="1" smtClean="0"/>
+              <a:t>що</a:t>
+            </a:r>
+            <a:r>
+              <a:rPr lang="ru-RU" dirty="0" smtClean="0"/>
+              <a:t> й стало основою для </a:t>
+            </a:r>
+            <a:r>
+              <a:rPr lang="ru-RU" dirty="0" err="1" smtClean="0"/>
+              <a:t>вибору</a:t>
+            </a:r>
+            <a:r>
+              <a:rPr lang="ru-RU" dirty="0" smtClean="0"/>
+              <a:t> </a:t>
+            </a:r>
+            <a:r>
+              <a:rPr lang="ru-RU" dirty="0" err="1" smtClean="0"/>
+              <a:t>саме</a:t>
+            </a:r>
+            <a:r>
+              <a:rPr lang="ru-RU" dirty="0" smtClean="0"/>
+              <a:t> </a:t>
+            </a:r>
+            <a:r>
+              <a:rPr lang="ru-RU" dirty="0" err="1" smtClean="0"/>
+              <a:t>цього</a:t>
+            </a:r>
+            <a:r>
+              <a:rPr lang="ru-RU" dirty="0" smtClean="0"/>
+              <a:t> </a:t>
+            </a:r>
+            <a:r>
+              <a:rPr lang="ru-RU" dirty="0" err="1" smtClean="0"/>
+              <a:t>вузла</a:t>
+            </a:r>
+            <a:r>
+              <a:rPr lang="ru-RU" dirty="0" smtClean="0"/>
+              <a:t>.</a:t>
+            </a:r>
+          </a:p>
+          <a:p>
+            <a:pPr marL="0" lvl="0" indent="0" algn="l" rtl="0">
+              <a:spcBef>
+                <a:spcPts val="0"/>
+              </a:spcBef>
+              <a:spcAft>
+                <a:spcPts val="0"/>
+              </a:spcAft>
+              <a:buNone/>
+            </a:pPr>
+            <a:r>
+              <a:rPr lang="ru-RU" dirty="0" smtClean="0"/>
+              <a:t>Таким чином, </a:t>
+            </a:r>
+            <a:r>
+              <a:rPr lang="ru-RU" dirty="0" err="1" smtClean="0"/>
+              <a:t>можна</a:t>
+            </a:r>
+            <a:r>
+              <a:rPr lang="ru-RU" dirty="0" smtClean="0"/>
+              <a:t> </a:t>
+            </a:r>
+            <a:r>
+              <a:rPr lang="ru-RU" dirty="0" err="1" smtClean="0"/>
+              <a:t>зробити</a:t>
+            </a:r>
+            <a:r>
+              <a:rPr lang="ru-RU" dirty="0" smtClean="0"/>
+              <a:t> </a:t>
+            </a:r>
+            <a:r>
+              <a:rPr lang="ru-RU" dirty="0" err="1" smtClean="0"/>
+              <a:t>висновок</a:t>
+            </a:r>
+            <a:r>
+              <a:rPr lang="ru-RU" dirty="0" smtClean="0"/>
+              <a:t>, </a:t>
+            </a:r>
+            <a:r>
+              <a:rPr lang="ru-RU" dirty="0" err="1" smtClean="0"/>
+              <a:t>що</a:t>
+            </a:r>
+            <a:r>
+              <a:rPr lang="ru-RU" dirty="0" smtClean="0"/>
+              <a:t> система </a:t>
+            </a:r>
+            <a:r>
+              <a:rPr lang="ru-RU" dirty="0" err="1" smtClean="0"/>
+              <a:t>коректно</a:t>
+            </a:r>
+            <a:r>
+              <a:rPr lang="ru-RU" dirty="0" smtClean="0"/>
+              <a:t> </a:t>
+            </a:r>
+            <a:r>
+              <a:rPr lang="ru-RU" dirty="0" err="1" smtClean="0"/>
+              <a:t>реагує</a:t>
+            </a:r>
+            <a:r>
+              <a:rPr lang="ru-RU" dirty="0" smtClean="0"/>
+              <a:t> на </a:t>
+            </a:r>
+            <a:r>
+              <a:rPr lang="ru-RU" dirty="0" err="1" smtClean="0"/>
+              <a:t>зміни</a:t>
+            </a:r>
+            <a:r>
+              <a:rPr lang="ru-RU" dirty="0" smtClean="0"/>
+              <a:t> в </a:t>
+            </a:r>
+            <a:r>
+              <a:rPr lang="ru-RU" dirty="0" err="1" smtClean="0"/>
+              <a:t>навантаженні</a:t>
+            </a:r>
+            <a:r>
+              <a:rPr lang="ru-RU" dirty="0" smtClean="0"/>
+              <a:t> та </a:t>
+            </a:r>
+            <a:r>
+              <a:rPr lang="ru-RU" dirty="0" err="1" smtClean="0"/>
+              <a:t>ефективно</a:t>
+            </a:r>
+            <a:r>
+              <a:rPr lang="ru-RU" dirty="0" smtClean="0"/>
+              <a:t> </a:t>
+            </a:r>
+            <a:r>
+              <a:rPr lang="ru-RU" dirty="0" err="1" smtClean="0"/>
+              <a:t>адаптує</a:t>
+            </a:r>
+            <a:r>
+              <a:rPr lang="ru-RU" dirty="0" smtClean="0"/>
+              <a:t> </a:t>
+            </a:r>
+            <a:r>
+              <a:rPr lang="ru-RU" dirty="0" err="1" smtClean="0"/>
+              <a:t>розподіл</a:t>
+            </a:r>
+            <a:r>
+              <a:rPr lang="ru-RU" dirty="0" smtClean="0"/>
+              <a:t> </a:t>
+            </a:r>
+            <a:r>
+              <a:rPr lang="ru-RU" dirty="0" err="1" smtClean="0"/>
+              <a:t>запитів</a:t>
+            </a:r>
+            <a:r>
+              <a:rPr lang="ru-RU" dirty="0" smtClean="0"/>
+              <a:t>.</a:t>
+            </a:r>
+            <a:endParaRPr dirty="0"/>
           </a:p>
         </p:txBody>
       </p:sp>
@@ -1385,7 +3964,394 @@
               </a:spcAft>
               <a:buNone/>
             </a:pPr>
-            <a:endParaRPr/>
+            <a:r>
+              <a:rPr lang="ru-RU" dirty="0" err="1" smtClean="0"/>
+              <a:t>Отже</a:t>
+            </a:r>
+            <a:r>
+              <a:rPr lang="ru-RU" dirty="0" smtClean="0"/>
+              <a:t>, як </a:t>
+            </a:r>
+            <a:r>
+              <a:rPr lang="ru-RU" dirty="0" err="1" smtClean="0"/>
+              <a:t>було</a:t>
+            </a:r>
+            <a:r>
+              <a:rPr lang="ru-RU" dirty="0" smtClean="0"/>
+              <a:t> видно на </a:t>
+            </a:r>
+            <a:r>
+              <a:rPr lang="ru-RU" dirty="0" err="1" smtClean="0"/>
+              <a:t>попередньому</a:t>
+            </a:r>
+            <a:r>
+              <a:rPr lang="ru-RU" dirty="0" smtClean="0"/>
+              <a:t> </a:t>
+            </a:r>
+            <a:r>
+              <a:rPr lang="ru-RU" dirty="0" err="1" smtClean="0"/>
+              <a:t>слайді</a:t>
+            </a:r>
+            <a:r>
+              <a:rPr lang="ru-RU" dirty="0" smtClean="0"/>
+              <a:t>, алгоритм </a:t>
+            </a:r>
+            <a:r>
+              <a:rPr lang="ru-RU" dirty="0" err="1" smtClean="0"/>
+              <a:t>демонструє</a:t>
+            </a:r>
+            <a:r>
+              <a:rPr lang="ru-RU" dirty="0" smtClean="0"/>
+              <a:t> </a:t>
+            </a:r>
+            <a:r>
+              <a:rPr lang="ru-RU" dirty="0" err="1" smtClean="0"/>
+              <a:t>стабільну</a:t>
+            </a:r>
+            <a:r>
+              <a:rPr lang="ru-RU" dirty="0" smtClean="0"/>
+              <a:t> </a:t>
+            </a:r>
+            <a:r>
+              <a:rPr lang="ru-RU" dirty="0" err="1" smtClean="0"/>
+              <a:t>поведінку</a:t>
+            </a:r>
+            <a:r>
+              <a:rPr lang="ru-RU" dirty="0" smtClean="0"/>
+              <a:t> при </a:t>
+            </a:r>
+            <a:r>
+              <a:rPr lang="ru-RU" dirty="0" err="1" smtClean="0"/>
+              <a:t>зміні</a:t>
+            </a:r>
+            <a:r>
+              <a:rPr lang="ru-RU" dirty="0" smtClean="0"/>
+              <a:t> </a:t>
+            </a:r>
+            <a:r>
+              <a:rPr lang="ru-RU" dirty="0" err="1" smtClean="0"/>
+              <a:t>навантаження</a:t>
+            </a:r>
+            <a:r>
+              <a:rPr lang="ru-RU" dirty="0" smtClean="0"/>
+              <a:t> на </a:t>
+            </a:r>
+            <a:r>
+              <a:rPr lang="ru-RU" dirty="0" err="1" smtClean="0"/>
+              <a:t>сервери</a:t>
+            </a:r>
+            <a:r>
+              <a:rPr lang="ru-RU" dirty="0" smtClean="0"/>
+              <a:t>. </a:t>
+            </a:r>
+            <a:r>
+              <a:rPr lang="ru-RU" dirty="0" err="1" smtClean="0"/>
+              <a:t>Незважаючи</a:t>
+            </a:r>
+            <a:r>
+              <a:rPr lang="ru-RU" dirty="0" smtClean="0"/>
+              <a:t> на </a:t>
+            </a:r>
+            <a:r>
+              <a:rPr lang="ru-RU" dirty="0" err="1" smtClean="0"/>
+              <a:t>поступове</a:t>
+            </a:r>
+            <a:r>
+              <a:rPr lang="ru-RU" dirty="0" smtClean="0"/>
+              <a:t> </a:t>
+            </a:r>
+            <a:r>
+              <a:rPr lang="ru-RU" dirty="0" err="1" smtClean="0"/>
+              <a:t>зростання</a:t>
+            </a:r>
+            <a:r>
+              <a:rPr lang="ru-RU" dirty="0" smtClean="0"/>
+              <a:t> </a:t>
+            </a:r>
+            <a:r>
+              <a:rPr lang="ru-RU" dirty="0" err="1" smtClean="0"/>
+              <a:t>активності</a:t>
+            </a:r>
+            <a:r>
+              <a:rPr lang="ru-RU" dirty="0" smtClean="0"/>
+              <a:t> на </a:t>
+            </a:r>
+            <a:r>
+              <a:rPr lang="ru-RU" dirty="0" err="1" smtClean="0"/>
+              <a:t>інших</a:t>
+            </a:r>
+            <a:r>
+              <a:rPr lang="ru-RU" dirty="0" smtClean="0"/>
+              <a:t> </a:t>
+            </a:r>
+            <a:r>
+              <a:rPr lang="ru-RU" dirty="0" err="1" smtClean="0"/>
+              <a:t>вузлах</a:t>
+            </a:r>
+            <a:r>
+              <a:rPr lang="ru-RU" dirty="0" smtClean="0"/>
+              <a:t>, </a:t>
+            </a:r>
+            <a:r>
+              <a:rPr lang="ru-RU" dirty="0" err="1" smtClean="0"/>
+              <a:t>основна</a:t>
+            </a:r>
+            <a:r>
+              <a:rPr lang="ru-RU" dirty="0" smtClean="0"/>
+              <a:t> </a:t>
+            </a:r>
+            <a:r>
+              <a:rPr lang="ru-RU" dirty="0" err="1" smtClean="0"/>
+              <a:t>частина</a:t>
+            </a:r>
+            <a:r>
+              <a:rPr lang="ru-RU" dirty="0" smtClean="0"/>
+              <a:t> </a:t>
+            </a:r>
+            <a:r>
+              <a:rPr lang="ru-RU" dirty="0" err="1" smtClean="0"/>
+              <a:t>запитів</a:t>
+            </a:r>
+            <a:r>
+              <a:rPr lang="ru-RU" dirty="0" smtClean="0"/>
+              <a:t> </a:t>
+            </a:r>
+            <a:r>
+              <a:rPr lang="ru-RU" dirty="0" err="1" smtClean="0"/>
+              <a:t>надсилається</a:t>
+            </a:r>
+            <a:r>
+              <a:rPr lang="ru-RU" dirty="0" smtClean="0"/>
+              <a:t> </a:t>
+            </a:r>
+            <a:r>
+              <a:rPr lang="ru-RU" dirty="0" err="1" smtClean="0"/>
+              <a:t>саме</a:t>
+            </a:r>
+            <a:r>
+              <a:rPr lang="ru-RU" dirty="0" smtClean="0"/>
+              <a:t> на той сервер, </a:t>
+            </a:r>
+            <a:r>
+              <a:rPr lang="ru-RU" dirty="0" err="1" smtClean="0"/>
+              <a:t>що</a:t>
+            </a:r>
+            <a:r>
+              <a:rPr lang="ru-RU" dirty="0" smtClean="0"/>
+              <a:t> в </a:t>
+            </a:r>
+            <a:r>
+              <a:rPr lang="ru-RU" dirty="0" err="1" smtClean="0"/>
+              <a:t>конкретний</a:t>
+            </a:r>
+            <a:r>
+              <a:rPr lang="ru-RU" dirty="0" smtClean="0"/>
+              <a:t> момент </a:t>
+            </a:r>
+            <a:r>
+              <a:rPr lang="ru-RU" dirty="0" err="1" smtClean="0"/>
+              <a:t>має</a:t>
+            </a:r>
+            <a:r>
+              <a:rPr lang="ru-RU" dirty="0" smtClean="0"/>
+              <a:t> </a:t>
+            </a:r>
+            <a:r>
+              <a:rPr lang="ru-RU" dirty="0" err="1" smtClean="0"/>
+              <a:t>найкращі</a:t>
+            </a:r>
+            <a:r>
+              <a:rPr lang="ru-RU" dirty="0" smtClean="0"/>
+              <a:t> </a:t>
+            </a:r>
+            <a:r>
+              <a:rPr lang="ru-RU" dirty="0" err="1" smtClean="0"/>
+              <a:t>показники</a:t>
+            </a:r>
+            <a:r>
+              <a:rPr lang="ru-RU" dirty="0" smtClean="0"/>
+              <a:t>.</a:t>
+            </a:r>
+          </a:p>
+          <a:p>
+            <a:pPr marL="0" lvl="0" indent="0" algn="l" rtl="0">
+              <a:spcBef>
+                <a:spcPts val="0"/>
+              </a:spcBef>
+              <a:spcAft>
+                <a:spcPts val="0"/>
+              </a:spcAft>
+              <a:buNone/>
+            </a:pPr>
+            <a:r>
+              <a:rPr lang="ru-RU" dirty="0" err="1" smtClean="0"/>
+              <a:t>Важливо</a:t>
+            </a:r>
+            <a:r>
+              <a:rPr lang="ru-RU" dirty="0" smtClean="0"/>
+              <a:t>, </a:t>
+            </a:r>
+            <a:r>
+              <a:rPr lang="ru-RU" dirty="0" err="1" smtClean="0"/>
+              <a:t>що</a:t>
+            </a:r>
+            <a:r>
+              <a:rPr lang="ru-RU" dirty="0" smtClean="0"/>
+              <a:t> система не </a:t>
+            </a:r>
+            <a:r>
+              <a:rPr lang="ru-RU" dirty="0" err="1" smtClean="0"/>
+              <a:t>тільки</a:t>
+            </a:r>
+            <a:r>
+              <a:rPr lang="ru-RU" dirty="0" smtClean="0"/>
+              <a:t> </a:t>
+            </a:r>
+            <a:r>
+              <a:rPr lang="ru-RU" dirty="0" err="1" smtClean="0"/>
+              <a:t>реагує</a:t>
+            </a:r>
+            <a:r>
+              <a:rPr lang="ru-RU" dirty="0" smtClean="0"/>
+              <a:t> на </a:t>
+            </a:r>
+            <a:r>
+              <a:rPr lang="ru-RU" dirty="0" err="1" smtClean="0"/>
+              <a:t>поточний</a:t>
+            </a:r>
+            <a:r>
+              <a:rPr lang="ru-RU" dirty="0" smtClean="0"/>
+              <a:t> стан, а й регулярно </a:t>
+            </a:r>
+            <a:r>
+              <a:rPr lang="ru-RU" dirty="0" err="1" smtClean="0"/>
+              <a:t>переоцінює</a:t>
+            </a:r>
+            <a:r>
+              <a:rPr lang="ru-RU" dirty="0" smtClean="0"/>
+              <a:t> </a:t>
+            </a:r>
+            <a:r>
+              <a:rPr lang="ru-RU" dirty="0" err="1" smtClean="0"/>
+              <a:t>ситуацію</a:t>
+            </a:r>
+            <a:r>
+              <a:rPr lang="ru-RU" dirty="0" smtClean="0"/>
+              <a:t>, не </a:t>
+            </a:r>
+            <a:r>
+              <a:rPr lang="ru-RU" dirty="0" err="1" smtClean="0"/>
+              <a:t>допускаючи</a:t>
+            </a:r>
+            <a:r>
+              <a:rPr lang="ru-RU" dirty="0" smtClean="0"/>
+              <a:t> </a:t>
+            </a:r>
+            <a:r>
+              <a:rPr lang="ru-RU" dirty="0" err="1" smtClean="0"/>
+              <a:t>накопичення</a:t>
+            </a:r>
+            <a:r>
+              <a:rPr lang="ru-RU" dirty="0" smtClean="0"/>
+              <a:t> </a:t>
+            </a:r>
+            <a:r>
+              <a:rPr lang="ru-RU" dirty="0" err="1" smtClean="0"/>
+              <a:t>навантаження</a:t>
+            </a:r>
+            <a:r>
+              <a:rPr lang="ru-RU" dirty="0" smtClean="0"/>
+              <a:t> на </a:t>
+            </a:r>
+            <a:r>
+              <a:rPr lang="ru-RU" dirty="0" err="1" smtClean="0"/>
+              <a:t>слабших</a:t>
+            </a:r>
+            <a:r>
+              <a:rPr lang="ru-RU" dirty="0" smtClean="0"/>
+              <a:t> </a:t>
+            </a:r>
+            <a:r>
+              <a:rPr lang="ru-RU" dirty="0" err="1" smtClean="0"/>
+              <a:t>вузлах</a:t>
+            </a:r>
+            <a:r>
+              <a:rPr lang="ru-RU" dirty="0" smtClean="0"/>
+              <a:t>. </a:t>
+            </a:r>
+            <a:r>
+              <a:rPr lang="ru-RU" dirty="0" err="1" smtClean="0"/>
+              <a:t>Це</a:t>
+            </a:r>
+            <a:r>
+              <a:rPr lang="ru-RU" dirty="0" smtClean="0"/>
+              <a:t> </a:t>
+            </a:r>
+            <a:r>
+              <a:rPr lang="ru-RU" dirty="0" err="1" smtClean="0"/>
+              <a:t>забезпечує</a:t>
+            </a:r>
+            <a:r>
+              <a:rPr lang="ru-RU" dirty="0" smtClean="0"/>
+              <a:t> </a:t>
+            </a:r>
+            <a:r>
+              <a:rPr lang="ru-RU" dirty="0" err="1" smtClean="0"/>
+              <a:t>плавну</a:t>
+            </a:r>
+            <a:r>
+              <a:rPr lang="ru-RU" dirty="0" smtClean="0"/>
+              <a:t> і </a:t>
+            </a:r>
+            <a:r>
+              <a:rPr lang="ru-RU" dirty="0" err="1" smtClean="0"/>
+              <a:t>надійну</a:t>
+            </a:r>
+            <a:r>
+              <a:rPr lang="ru-RU" dirty="0" smtClean="0"/>
+              <a:t> роботу </a:t>
+            </a:r>
+            <a:r>
+              <a:rPr lang="ru-RU" dirty="0" err="1" smtClean="0"/>
+              <a:t>всієї</a:t>
+            </a:r>
+            <a:r>
+              <a:rPr lang="ru-RU" dirty="0" smtClean="0"/>
+              <a:t> </a:t>
+            </a:r>
+            <a:r>
+              <a:rPr lang="ru-RU" dirty="0" err="1" smtClean="0"/>
+              <a:t>архітектури</a:t>
+            </a:r>
+            <a:r>
+              <a:rPr lang="ru-RU" dirty="0" smtClean="0"/>
+              <a:t> без </a:t>
+            </a:r>
+            <a:r>
+              <a:rPr lang="ru-RU" dirty="0" err="1" smtClean="0"/>
+              <a:t>різких</a:t>
+            </a:r>
+            <a:r>
+              <a:rPr lang="ru-RU" dirty="0" smtClean="0"/>
+              <a:t> </a:t>
+            </a:r>
+            <a:r>
+              <a:rPr lang="ru-RU" dirty="0" err="1" smtClean="0"/>
+              <a:t>провалів</a:t>
+            </a:r>
+            <a:r>
+              <a:rPr lang="ru-RU" dirty="0" smtClean="0"/>
+              <a:t> у </a:t>
+            </a:r>
+            <a:r>
+              <a:rPr lang="ru-RU" dirty="0" err="1" smtClean="0"/>
+              <a:t>продуктивності</a:t>
+            </a:r>
+            <a:r>
+              <a:rPr lang="ru-RU" dirty="0" smtClean="0"/>
+              <a:t>.</a:t>
+            </a:r>
+            <a:endParaRPr dirty="0"/>
           </a:p>
         </p:txBody>
       </p:sp>
@@ -1494,7 +4460,147 @@
               </a:spcAft>
               <a:buNone/>
             </a:pPr>
-            <a:endParaRPr/>
+            <a:r>
+              <a:rPr lang="ru-RU" dirty="0" err="1" smtClean="0"/>
+              <a:t>Також</a:t>
+            </a:r>
+            <a:r>
+              <a:rPr lang="ru-RU" dirty="0" smtClean="0"/>
+              <a:t> </a:t>
+            </a:r>
+            <a:r>
+              <a:rPr lang="ru-RU" dirty="0" err="1" smtClean="0"/>
+              <a:t>результати</a:t>
+            </a:r>
+            <a:r>
+              <a:rPr lang="ru-RU" dirty="0" smtClean="0"/>
+              <a:t> </a:t>
+            </a:r>
+            <a:r>
+              <a:rPr lang="ru-RU" dirty="0" err="1" smtClean="0"/>
+              <a:t>дослідження</a:t>
+            </a:r>
+            <a:r>
+              <a:rPr lang="ru-RU" dirty="0" smtClean="0"/>
+              <a:t> </a:t>
+            </a:r>
+            <a:r>
+              <a:rPr lang="ru-RU" dirty="0" err="1" smtClean="0"/>
+              <a:t>були</a:t>
+            </a:r>
+            <a:r>
+              <a:rPr lang="ru-RU" dirty="0" smtClean="0"/>
+              <a:t> </a:t>
+            </a:r>
+            <a:r>
+              <a:rPr lang="ru-RU" dirty="0" err="1" smtClean="0"/>
+              <a:t>представлені</a:t>
+            </a:r>
+            <a:r>
+              <a:rPr lang="ru-RU" dirty="0" smtClean="0"/>
+              <a:t> на </a:t>
+            </a:r>
+            <a:r>
+              <a:rPr lang="ru-RU" dirty="0" err="1" smtClean="0"/>
+              <a:t>конференції</a:t>
+            </a:r>
+            <a:r>
+              <a:rPr lang="ru-RU" dirty="0" smtClean="0"/>
+              <a:t> «</a:t>
+            </a:r>
+            <a:r>
+              <a:rPr lang="ru-RU" dirty="0" err="1" smtClean="0"/>
+              <a:t>Сучасні</a:t>
+            </a:r>
+            <a:r>
+              <a:rPr lang="ru-RU" dirty="0" smtClean="0"/>
+              <a:t> </a:t>
+            </a:r>
+            <a:r>
+              <a:rPr lang="ru-RU" dirty="0" err="1" smtClean="0"/>
+              <a:t>інформаційні</a:t>
+            </a:r>
+            <a:r>
+              <a:rPr lang="ru-RU" dirty="0" smtClean="0"/>
+              <a:t> </a:t>
+            </a:r>
+            <a:r>
+              <a:rPr lang="ru-RU" dirty="0" err="1" smtClean="0"/>
+              <a:t>технології</a:t>
+            </a:r>
+            <a:r>
+              <a:rPr lang="ru-RU" dirty="0" smtClean="0"/>
+              <a:t> та </a:t>
+            </a:r>
+            <a:r>
+              <a:rPr lang="ru-RU" dirty="0" err="1" smtClean="0"/>
+              <a:t>системи</a:t>
+            </a:r>
+            <a:r>
+              <a:rPr lang="ru-RU" dirty="0" smtClean="0"/>
+              <a:t> штучного </a:t>
+            </a:r>
+            <a:r>
+              <a:rPr lang="ru-RU" dirty="0" err="1" smtClean="0"/>
+              <a:t>інтелекту</a:t>
+            </a:r>
+            <a:r>
+              <a:rPr lang="ru-RU" dirty="0" smtClean="0"/>
+              <a:t>». Участь дозволила </a:t>
+            </a:r>
+            <a:r>
+              <a:rPr lang="ru-RU" dirty="0" err="1" smtClean="0"/>
+              <a:t>продемонструвати</a:t>
+            </a:r>
+            <a:r>
+              <a:rPr lang="ru-RU" dirty="0" smtClean="0"/>
+              <a:t> </a:t>
+            </a:r>
+            <a:r>
+              <a:rPr lang="ru-RU" dirty="0" err="1" smtClean="0"/>
+              <a:t>розроблену</a:t>
+            </a:r>
+            <a:r>
+              <a:rPr lang="ru-RU" dirty="0" smtClean="0"/>
+              <a:t> систему та </a:t>
+            </a:r>
+            <a:r>
+              <a:rPr lang="ru-RU" dirty="0" err="1" smtClean="0"/>
+              <a:t>поділитися</a:t>
+            </a:r>
+            <a:r>
+              <a:rPr lang="ru-RU" dirty="0" smtClean="0"/>
+              <a:t> результатами </a:t>
+            </a:r>
+            <a:r>
+              <a:rPr lang="ru-RU" dirty="0" err="1" smtClean="0"/>
+              <a:t>експериментів</a:t>
+            </a:r>
+            <a:r>
+              <a:rPr lang="ru-RU" dirty="0" smtClean="0"/>
+              <a:t>. На </a:t>
+            </a:r>
+            <a:r>
+              <a:rPr lang="ru-RU" dirty="0" err="1" smtClean="0"/>
+              <a:t>слайді</a:t>
+            </a:r>
+            <a:r>
+              <a:rPr lang="ru-RU" dirty="0" smtClean="0"/>
+              <a:t> представлено </a:t>
+            </a:r>
+            <a:r>
+              <a:rPr lang="ru-RU" dirty="0" err="1" smtClean="0"/>
+              <a:t>отриманий</a:t>
+            </a:r>
+            <a:r>
+              <a:rPr lang="ru-RU" dirty="0" smtClean="0"/>
+              <a:t> мною </a:t>
+            </a:r>
+            <a:r>
+              <a:rPr lang="ru-RU" dirty="0" err="1" smtClean="0"/>
+              <a:t>сертифікат</a:t>
+            </a:r>
+            <a:endParaRPr dirty="0"/>
           </a:p>
         </p:txBody>
       </p:sp>
@@ -1603,6 +4709,517 @@
               </a:spcAft>
               <a:buNone/>
             </a:pPr>
+            <a:r>
+              <a:rPr lang="ru-RU" dirty="0" smtClean="0"/>
+              <a:t>На </a:t>
+            </a:r>
+            <a:r>
+              <a:rPr lang="ru-RU" dirty="0" err="1" smtClean="0"/>
+              <a:t>завершення</a:t>
+            </a:r>
+            <a:r>
+              <a:rPr lang="ru-RU" dirty="0" smtClean="0"/>
+              <a:t> </a:t>
+            </a:r>
+            <a:r>
+              <a:rPr lang="ru-RU" dirty="0" err="1" smtClean="0"/>
+              <a:t>можна</a:t>
+            </a:r>
+            <a:r>
+              <a:rPr lang="ru-RU" dirty="0" smtClean="0"/>
+              <a:t> </a:t>
+            </a:r>
+            <a:r>
+              <a:rPr lang="ru-RU" dirty="0" err="1" smtClean="0"/>
+              <a:t>сказати</a:t>
+            </a:r>
+            <a:r>
+              <a:rPr lang="ru-RU" dirty="0" smtClean="0"/>
+              <a:t>, </a:t>
+            </a:r>
+            <a:r>
+              <a:rPr lang="ru-RU" dirty="0" err="1" smtClean="0"/>
+              <a:t>що</a:t>
+            </a:r>
+            <a:r>
+              <a:rPr lang="ru-RU" dirty="0" smtClean="0"/>
+              <a:t> </a:t>
+            </a:r>
+            <a:r>
+              <a:rPr lang="ru-RU" dirty="0" err="1" smtClean="0"/>
+              <a:t>ця</a:t>
+            </a:r>
+            <a:r>
+              <a:rPr lang="ru-RU" dirty="0" smtClean="0"/>
+              <a:t> робота </a:t>
+            </a:r>
+            <a:r>
+              <a:rPr lang="ru-RU" dirty="0" err="1" smtClean="0"/>
+              <a:t>поєднала</a:t>
+            </a:r>
+            <a:r>
+              <a:rPr lang="ru-RU" dirty="0" smtClean="0"/>
+              <a:t> як </a:t>
+            </a:r>
+            <a:r>
+              <a:rPr lang="ru-RU" dirty="0" err="1" smtClean="0"/>
+              <a:t>теоретичний</a:t>
+            </a:r>
+            <a:r>
+              <a:rPr lang="ru-RU" dirty="0" smtClean="0"/>
+              <a:t> </a:t>
+            </a:r>
+            <a:r>
+              <a:rPr lang="ru-RU" dirty="0" err="1" smtClean="0"/>
+              <a:t>аналіз</a:t>
+            </a:r>
+            <a:r>
+              <a:rPr lang="ru-RU" dirty="0" smtClean="0"/>
+              <a:t> </a:t>
+            </a:r>
+            <a:r>
+              <a:rPr lang="ru-RU" dirty="0" err="1" smtClean="0"/>
+              <a:t>існуючих</a:t>
+            </a:r>
+            <a:r>
+              <a:rPr lang="ru-RU" dirty="0" smtClean="0"/>
+              <a:t> </a:t>
+            </a:r>
+            <a:r>
+              <a:rPr lang="ru-RU" dirty="0" err="1" smtClean="0"/>
+              <a:t>рішень</a:t>
+            </a:r>
+            <a:r>
+              <a:rPr lang="ru-RU" dirty="0" smtClean="0"/>
+              <a:t>, так і </a:t>
+            </a:r>
+            <a:r>
+              <a:rPr lang="ru-RU" dirty="0" err="1" smtClean="0"/>
+              <a:t>практичну</a:t>
+            </a:r>
+            <a:r>
+              <a:rPr lang="ru-RU" dirty="0" smtClean="0"/>
+              <a:t> </a:t>
+            </a:r>
+            <a:r>
+              <a:rPr lang="ru-RU" dirty="0" err="1" smtClean="0"/>
+              <a:t>реалізацію</a:t>
+            </a:r>
+            <a:r>
+              <a:rPr lang="ru-RU" dirty="0" smtClean="0"/>
+              <a:t> </a:t>
+            </a:r>
+            <a:r>
+              <a:rPr lang="ru-RU" dirty="0" err="1" smtClean="0"/>
+              <a:t>власного</a:t>
+            </a:r>
+            <a:r>
+              <a:rPr lang="ru-RU" dirty="0" smtClean="0"/>
+              <a:t> </a:t>
+            </a:r>
+            <a:r>
+              <a:rPr lang="ru-RU" dirty="0" err="1" smtClean="0"/>
+              <a:t>підходу</a:t>
+            </a:r>
+            <a:r>
+              <a:rPr lang="ru-RU" dirty="0" smtClean="0"/>
+              <a:t> до </a:t>
+            </a:r>
+            <a:r>
+              <a:rPr lang="ru-RU" dirty="0" err="1" smtClean="0"/>
+              <a:t>балансування</a:t>
+            </a:r>
+            <a:r>
+              <a:rPr lang="ru-RU" dirty="0" smtClean="0"/>
+              <a:t> </a:t>
+            </a:r>
+            <a:r>
+              <a:rPr lang="ru-RU" dirty="0" err="1" smtClean="0"/>
+              <a:t>навантаження</a:t>
+            </a:r>
+            <a:r>
+              <a:rPr lang="ru-RU" dirty="0" smtClean="0"/>
+              <a:t>. В </a:t>
+            </a:r>
+            <a:r>
+              <a:rPr lang="ru-RU" dirty="0" err="1" smtClean="0"/>
+              <a:t>процесі</a:t>
+            </a:r>
+            <a:r>
+              <a:rPr lang="ru-RU" dirty="0" smtClean="0"/>
+              <a:t> </a:t>
+            </a:r>
+            <a:r>
+              <a:rPr lang="ru-RU" dirty="0" err="1" smtClean="0"/>
+              <a:t>вдалося</a:t>
+            </a:r>
+            <a:r>
+              <a:rPr lang="ru-RU" dirty="0" smtClean="0"/>
+              <a:t> не </a:t>
+            </a:r>
+            <a:r>
+              <a:rPr lang="ru-RU" dirty="0" err="1" smtClean="0"/>
+              <a:t>лише</a:t>
+            </a:r>
+            <a:r>
+              <a:rPr lang="ru-RU" dirty="0" smtClean="0"/>
+              <a:t> </a:t>
+            </a:r>
+            <a:r>
+              <a:rPr lang="ru-RU" dirty="0" err="1" smtClean="0"/>
+              <a:t>відтворити</a:t>
+            </a:r>
+            <a:r>
+              <a:rPr lang="ru-RU" dirty="0" smtClean="0"/>
+              <a:t> </a:t>
+            </a:r>
+            <a:r>
+              <a:rPr lang="ru-RU" dirty="0" err="1" smtClean="0"/>
+              <a:t>класичні</a:t>
+            </a:r>
+            <a:r>
+              <a:rPr lang="ru-RU" dirty="0" smtClean="0"/>
+              <a:t> </a:t>
+            </a:r>
+            <a:r>
+              <a:rPr lang="ru-RU" dirty="0" err="1" smtClean="0"/>
+              <a:t>алгоритми</a:t>
+            </a:r>
+            <a:r>
+              <a:rPr lang="ru-RU" dirty="0" smtClean="0"/>
+              <a:t>, а й </a:t>
+            </a:r>
+            <a:r>
+              <a:rPr lang="ru-RU" dirty="0" err="1" smtClean="0"/>
+              <a:t>створити</a:t>
+            </a:r>
+            <a:r>
+              <a:rPr lang="ru-RU" dirty="0" smtClean="0"/>
+              <a:t> систему, яка </a:t>
+            </a:r>
+            <a:r>
+              <a:rPr lang="ru-RU" dirty="0" err="1" smtClean="0"/>
+              <a:t>дозволяє</a:t>
+            </a:r>
+            <a:r>
+              <a:rPr lang="ru-RU" dirty="0" smtClean="0"/>
+              <a:t> </a:t>
+            </a:r>
+            <a:r>
+              <a:rPr lang="ru-RU" dirty="0" err="1" smtClean="0"/>
+              <a:t>їх</a:t>
+            </a:r>
+            <a:r>
+              <a:rPr lang="ru-RU" dirty="0" smtClean="0"/>
+              <a:t> </a:t>
+            </a:r>
+            <a:r>
+              <a:rPr lang="ru-RU" dirty="0" err="1" smtClean="0"/>
+              <a:t>тестувати</a:t>
+            </a:r>
+            <a:r>
+              <a:rPr lang="ru-RU" dirty="0" smtClean="0"/>
+              <a:t>, </a:t>
+            </a:r>
+            <a:r>
+              <a:rPr lang="ru-RU" dirty="0" err="1" smtClean="0"/>
+              <a:t>порівнювати</a:t>
+            </a:r>
+            <a:r>
+              <a:rPr lang="ru-RU" dirty="0" smtClean="0"/>
+              <a:t> та </a:t>
+            </a:r>
+            <a:r>
+              <a:rPr lang="ru-RU" dirty="0" err="1" smtClean="0"/>
+              <a:t>адаптувати</a:t>
+            </a:r>
+            <a:r>
+              <a:rPr lang="ru-RU" dirty="0" smtClean="0"/>
+              <a:t> до </a:t>
+            </a:r>
+            <a:r>
+              <a:rPr lang="ru-RU" dirty="0" err="1" smtClean="0"/>
+              <a:t>реальних</a:t>
+            </a:r>
+            <a:r>
+              <a:rPr lang="ru-RU" dirty="0" smtClean="0"/>
+              <a:t> умов.</a:t>
+            </a:r>
+          </a:p>
+          <a:p>
+            <a:pPr marL="0" lvl="0" indent="0" algn="l" rtl="0">
+              <a:spcBef>
+                <a:spcPts val="0"/>
+              </a:spcBef>
+              <a:spcAft>
+                <a:spcPts val="0"/>
+              </a:spcAft>
+              <a:buNone/>
+            </a:pPr>
+            <a:r>
+              <a:rPr lang="ru-RU" dirty="0" err="1" smtClean="0"/>
+              <a:t>Особливу</a:t>
+            </a:r>
+            <a:r>
+              <a:rPr lang="ru-RU" dirty="0" smtClean="0"/>
+              <a:t> </a:t>
+            </a:r>
+            <a:r>
+              <a:rPr lang="ru-RU" dirty="0" err="1" smtClean="0"/>
+              <a:t>увагу</a:t>
+            </a:r>
+            <a:r>
+              <a:rPr lang="ru-RU" dirty="0" smtClean="0"/>
+              <a:t> </a:t>
+            </a:r>
+            <a:r>
+              <a:rPr lang="ru-RU" dirty="0" err="1" smtClean="0"/>
+              <a:t>було</a:t>
+            </a:r>
+            <a:r>
+              <a:rPr lang="ru-RU" dirty="0" smtClean="0"/>
+              <a:t> </a:t>
+            </a:r>
+            <a:r>
+              <a:rPr lang="ru-RU" dirty="0" err="1" smtClean="0"/>
+              <a:t>приділено</a:t>
+            </a:r>
+            <a:r>
+              <a:rPr lang="ru-RU" dirty="0" smtClean="0"/>
+              <a:t> тому, як система </a:t>
+            </a:r>
+            <a:r>
+              <a:rPr lang="ru-RU" dirty="0" err="1" smtClean="0"/>
+              <a:t>реагує</a:t>
+            </a:r>
+            <a:r>
+              <a:rPr lang="ru-RU" dirty="0" smtClean="0"/>
+              <a:t> на </a:t>
+            </a:r>
+            <a:r>
+              <a:rPr lang="ru-RU" dirty="0" err="1" smtClean="0"/>
+              <a:t>зміну</a:t>
+            </a:r>
+            <a:r>
+              <a:rPr lang="ru-RU" dirty="0" smtClean="0"/>
+              <a:t> </a:t>
+            </a:r>
+            <a:r>
+              <a:rPr lang="ru-RU" dirty="0" err="1" smtClean="0"/>
+              <a:t>навантаження</a:t>
+            </a:r>
+            <a:r>
+              <a:rPr lang="ru-RU" dirty="0" smtClean="0"/>
+              <a:t> в </a:t>
+            </a:r>
+            <a:r>
+              <a:rPr lang="ru-RU" dirty="0" err="1" smtClean="0"/>
+              <a:t>динаміці</a:t>
+            </a:r>
+            <a:r>
+              <a:rPr lang="ru-RU" dirty="0" smtClean="0"/>
+              <a:t>, </a:t>
+            </a:r>
+            <a:r>
+              <a:rPr lang="ru-RU" dirty="0" err="1" smtClean="0"/>
+              <a:t>що</a:t>
+            </a:r>
+            <a:r>
+              <a:rPr lang="ru-RU" dirty="0" smtClean="0"/>
+              <a:t> є </a:t>
+            </a:r>
+            <a:r>
+              <a:rPr lang="ru-RU" dirty="0" err="1" smtClean="0"/>
+              <a:t>критичним</a:t>
+            </a:r>
+            <a:r>
+              <a:rPr lang="ru-RU" dirty="0" smtClean="0"/>
+              <a:t> у </a:t>
+            </a:r>
+            <a:r>
+              <a:rPr lang="ru-RU" dirty="0" err="1" smtClean="0"/>
+              <a:t>сучасних</a:t>
+            </a:r>
+            <a:r>
+              <a:rPr lang="ru-RU" dirty="0" smtClean="0"/>
+              <a:t> веб-</a:t>
+            </a:r>
+            <a:r>
+              <a:rPr lang="ru-RU" dirty="0" err="1" smtClean="0"/>
+              <a:t>застосунках</a:t>
+            </a:r>
+            <a:r>
+              <a:rPr lang="ru-RU" dirty="0" smtClean="0"/>
+              <a:t>. </a:t>
+            </a:r>
+            <a:r>
+              <a:rPr lang="ru-RU" dirty="0" err="1" smtClean="0"/>
+              <a:t>Отримані</a:t>
+            </a:r>
+            <a:r>
+              <a:rPr lang="ru-RU" dirty="0" smtClean="0"/>
+              <a:t> </a:t>
+            </a:r>
+            <a:r>
+              <a:rPr lang="ru-RU" dirty="0" err="1" smtClean="0"/>
+              <a:t>результати</a:t>
+            </a:r>
+            <a:r>
+              <a:rPr lang="ru-RU" dirty="0" smtClean="0"/>
+              <a:t> </a:t>
+            </a:r>
+            <a:r>
+              <a:rPr lang="ru-RU" dirty="0" err="1" smtClean="0"/>
+              <a:t>демонструють</a:t>
+            </a:r>
+            <a:r>
+              <a:rPr lang="ru-RU" dirty="0" smtClean="0"/>
+              <a:t>, </a:t>
+            </a:r>
+            <a:r>
+              <a:rPr lang="ru-RU" dirty="0" err="1" smtClean="0"/>
+              <a:t>що</a:t>
+            </a:r>
+            <a:r>
+              <a:rPr lang="ru-RU" dirty="0" smtClean="0"/>
+              <a:t> </a:t>
+            </a:r>
+            <a:r>
+              <a:rPr lang="ru-RU" dirty="0" err="1" smtClean="0"/>
+              <a:t>використання</a:t>
+            </a:r>
+            <a:r>
+              <a:rPr lang="ru-RU" dirty="0" smtClean="0"/>
+              <a:t> </a:t>
+            </a:r>
+            <a:r>
+              <a:rPr lang="ru-RU" dirty="0" err="1" smtClean="0"/>
+              <a:t>адаптивних</a:t>
+            </a:r>
+            <a:r>
+              <a:rPr lang="ru-RU" dirty="0" smtClean="0"/>
+              <a:t> </a:t>
+            </a:r>
+            <a:r>
+              <a:rPr lang="ru-RU" dirty="0" err="1" smtClean="0"/>
+              <a:t>механізмів</a:t>
+            </a:r>
+            <a:r>
+              <a:rPr lang="ru-RU" dirty="0" smtClean="0"/>
+              <a:t> </a:t>
+            </a:r>
+            <a:r>
+              <a:rPr lang="ru-RU" dirty="0" err="1" smtClean="0"/>
+              <a:t>розподілу</a:t>
+            </a:r>
+            <a:r>
+              <a:rPr lang="ru-RU" dirty="0" smtClean="0"/>
+              <a:t> </a:t>
+            </a:r>
+            <a:r>
+              <a:rPr lang="ru-RU" dirty="0" err="1" smtClean="0"/>
+              <a:t>запитів</a:t>
+            </a:r>
+            <a:r>
+              <a:rPr lang="ru-RU" dirty="0" smtClean="0"/>
+              <a:t> — </a:t>
+            </a:r>
+            <a:r>
+              <a:rPr lang="ru-RU" dirty="0" err="1" smtClean="0"/>
+              <a:t>це</a:t>
+            </a:r>
+            <a:r>
+              <a:rPr lang="ru-RU" dirty="0" smtClean="0"/>
+              <a:t> не просто </a:t>
+            </a:r>
+            <a:r>
+              <a:rPr lang="ru-RU" dirty="0" err="1" smtClean="0"/>
+              <a:t>теоретичний</a:t>
+            </a:r>
+            <a:r>
+              <a:rPr lang="ru-RU" dirty="0" smtClean="0"/>
+              <a:t> </a:t>
+            </a:r>
+            <a:r>
+              <a:rPr lang="ru-RU" dirty="0" err="1" smtClean="0"/>
+              <a:t>підхід</a:t>
+            </a:r>
+            <a:r>
+              <a:rPr lang="ru-RU" dirty="0" smtClean="0"/>
+              <a:t>, а </a:t>
+            </a:r>
+            <a:r>
+              <a:rPr lang="ru-RU" dirty="0" err="1" smtClean="0"/>
+              <a:t>практичний</a:t>
+            </a:r>
+            <a:r>
+              <a:rPr lang="ru-RU" dirty="0" smtClean="0"/>
+              <a:t> </a:t>
+            </a:r>
+            <a:r>
+              <a:rPr lang="ru-RU" dirty="0" err="1" smtClean="0"/>
+              <a:t>інструмент</a:t>
+            </a:r>
+            <a:r>
+              <a:rPr lang="ru-RU" dirty="0" smtClean="0"/>
+              <a:t>, </a:t>
+            </a:r>
+            <a:r>
+              <a:rPr lang="ru-RU" dirty="0" err="1" smtClean="0"/>
+              <a:t>який</a:t>
+            </a:r>
+            <a:r>
+              <a:rPr lang="ru-RU" dirty="0" smtClean="0"/>
+              <a:t> </a:t>
+            </a:r>
+            <a:r>
+              <a:rPr lang="ru-RU" dirty="0" err="1" smtClean="0"/>
+              <a:t>може</a:t>
+            </a:r>
+            <a:r>
+              <a:rPr lang="ru-RU" dirty="0" smtClean="0"/>
+              <a:t> </a:t>
+            </a:r>
+            <a:r>
+              <a:rPr lang="ru-RU" dirty="0" err="1" smtClean="0"/>
+              <a:t>суттєво</a:t>
+            </a:r>
+            <a:r>
+              <a:rPr lang="ru-RU" dirty="0" smtClean="0"/>
+              <a:t> </a:t>
+            </a:r>
+            <a:r>
+              <a:rPr lang="ru-RU" dirty="0" err="1" smtClean="0"/>
+              <a:t>підвищити</a:t>
+            </a:r>
+            <a:r>
+              <a:rPr lang="ru-RU" dirty="0" smtClean="0"/>
+              <a:t> </a:t>
+            </a:r>
+            <a:r>
+              <a:rPr lang="ru-RU" dirty="0" err="1" smtClean="0"/>
+              <a:t>надійність</a:t>
+            </a:r>
+            <a:r>
+              <a:rPr lang="ru-RU" dirty="0" smtClean="0"/>
+              <a:t> і </a:t>
+            </a:r>
+            <a:r>
+              <a:rPr lang="ru-RU" dirty="0" err="1" smtClean="0"/>
+              <a:t>продуктивність</a:t>
+            </a:r>
+            <a:r>
+              <a:rPr lang="ru-RU" dirty="0" smtClean="0"/>
+              <a:t> </a:t>
+            </a:r>
+            <a:r>
+              <a:rPr lang="ru-RU" dirty="0" err="1" smtClean="0"/>
+              <a:t>серверних</a:t>
+            </a:r>
+            <a:r>
+              <a:rPr lang="ru-RU" smtClean="0"/>
+              <a:t> систем.</a:t>
+            </a:r>
             <a:endParaRPr/>
           </a:p>
         </p:txBody>
@@ -1712,7 +5329,534 @@
               </a:spcAft>
               <a:buNone/>
             </a:pPr>
-            <a:endParaRPr/>
+            <a:r>
+              <a:rPr lang="ru-RU" dirty="0" err="1" smtClean="0"/>
+              <a:t>Сучасні</a:t>
+            </a:r>
+            <a:r>
+              <a:rPr lang="ru-RU" dirty="0" smtClean="0"/>
+              <a:t> веб-</a:t>
+            </a:r>
+            <a:r>
+              <a:rPr lang="ru-RU" dirty="0" err="1" smtClean="0"/>
+              <a:t>застосунки</a:t>
+            </a:r>
+            <a:r>
+              <a:rPr lang="ru-RU" dirty="0" smtClean="0"/>
+              <a:t> </a:t>
+            </a:r>
+            <a:r>
+              <a:rPr lang="ru-RU" dirty="0" err="1" smtClean="0"/>
+              <a:t>працюють</a:t>
+            </a:r>
+            <a:r>
+              <a:rPr lang="ru-RU" dirty="0" smtClean="0"/>
+              <a:t> в </a:t>
+            </a:r>
+            <a:r>
+              <a:rPr lang="ru-RU" dirty="0" err="1" smtClean="0"/>
+              <a:t>умовах</a:t>
+            </a:r>
+            <a:r>
+              <a:rPr lang="ru-RU" dirty="0" smtClean="0"/>
+              <a:t> </a:t>
+            </a:r>
+            <a:r>
+              <a:rPr lang="ru-RU" dirty="0" err="1" smtClean="0"/>
+              <a:t>постійного</a:t>
+            </a:r>
+            <a:r>
+              <a:rPr lang="ru-RU" dirty="0" smtClean="0"/>
+              <a:t> </a:t>
+            </a:r>
+            <a:r>
+              <a:rPr lang="ru-RU" dirty="0" err="1" smtClean="0"/>
+              <a:t>зростання</a:t>
+            </a:r>
+            <a:r>
+              <a:rPr lang="ru-RU" dirty="0" smtClean="0"/>
+              <a:t> </a:t>
+            </a:r>
+            <a:r>
+              <a:rPr lang="ru-RU" dirty="0" err="1" smtClean="0"/>
+              <a:t>кількості</a:t>
+            </a:r>
+            <a:r>
+              <a:rPr lang="ru-RU" dirty="0" smtClean="0"/>
+              <a:t> </a:t>
+            </a:r>
+            <a:r>
+              <a:rPr lang="ru-RU" dirty="0" err="1" smtClean="0"/>
+              <a:t>користувачів</a:t>
+            </a:r>
+            <a:r>
+              <a:rPr lang="ru-RU" dirty="0" smtClean="0"/>
+              <a:t> і </a:t>
+            </a:r>
+            <a:r>
+              <a:rPr lang="ru-RU" dirty="0" err="1" smtClean="0"/>
+              <a:t>динамічних</a:t>
+            </a:r>
+            <a:r>
+              <a:rPr lang="ru-RU" dirty="0" smtClean="0"/>
+              <a:t> </a:t>
+            </a:r>
+            <a:r>
+              <a:rPr lang="ru-RU" dirty="0" err="1" smtClean="0"/>
+              <a:t>змін</a:t>
+            </a:r>
+            <a:r>
+              <a:rPr lang="ru-RU" dirty="0" smtClean="0"/>
+              <a:t> </a:t>
+            </a:r>
+            <a:r>
+              <a:rPr lang="ru-RU" dirty="0" err="1" smtClean="0"/>
+              <a:t>навантаження</a:t>
+            </a:r>
+            <a:r>
+              <a:rPr lang="ru-RU" dirty="0" smtClean="0"/>
+              <a:t>. У таких </a:t>
+            </a:r>
+            <a:r>
+              <a:rPr lang="ru-RU" dirty="0" err="1" smtClean="0"/>
+              <a:t>умовах</a:t>
+            </a:r>
+            <a:r>
+              <a:rPr lang="ru-RU" dirty="0" smtClean="0"/>
+              <a:t> </a:t>
+            </a:r>
+            <a:r>
+              <a:rPr lang="ru-RU" dirty="0" err="1" smtClean="0"/>
+              <a:t>надзвичайно</a:t>
+            </a:r>
+            <a:r>
+              <a:rPr lang="ru-RU" dirty="0" smtClean="0"/>
+              <a:t> </a:t>
+            </a:r>
+            <a:r>
+              <a:rPr lang="ru-RU" dirty="0" err="1" smtClean="0"/>
+              <a:t>важливою</a:t>
+            </a:r>
+            <a:r>
+              <a:rPr lang="ru-RU" dirty="0" smtClean="0"/>
+              <a:t> </a:t>
+            </a:r>
+            <a:r>
+              <a:rPr lang="ru-RU" dirty="0" err="1" smtClean="0"/>
+              <a:t>стає</a:t>
+            </a:r>
+            <a:r>
+              <a:rPr lang="ru-RU" dirty="0" smtClean="0"/>
+              <a:t> </a:t>
+            </a:r>
+            <a:r>
+              <a:rPr lang="ru-RU" dirty="0" err="1" smtClean="0"/>
+              <a:t>здатність</a:t>
+            </a:r>
+            <a:r>
+              <a:rPr lang="ru-RU" dirty="0" smtClean="0"/>
+              <a:t> </a:t>
+            </a:r>
+            <a:r>
+              <a:rPr lang="ru-RU" dirty="0" err="1" smtClean="0"/>
+              <a:t>системи</a:t>
+            </a:r>
+            <a:r>
+              <a:rPr lang="ru-RU" dirty="0" smtClean="0"/>
+              <a:t> </a:t>
+            </a:r>
+            <a:r>
+              <a:rPr lang="ru-RU" dirty="0" err="1" smtClean="0"/>
+              <a:t>швидко</a:t>
+            </a:r>
+            <a:r>
+              <a:rPr lang="ru-RU" dirty="0" smtClean="0"/>
+              <a:t> </a:t>
+            </a:r>
+            <a:r>
+              <a:rPr lang="ru-RU" dirty="0" err="1" smtClean="0"/>
+              <a:t>адаптуватися</a:t>
+            </a:r>
+            <a:r>
+              <a:rPr lang="ru-RU" dirty="0" smtClean="0"/>
+              <a:t> без </a:t>
+            </a:r>
+            <a:r>
+              <a:rPr lang="ru-RU" dirty="0" err="1" smtClean="0"/>
+              <a:t>втрати</a:t>
+            </a:r>
+            <a:r>
+              <a:rPr lang="ru-RU" dirty="0" smtClean="0"/>
+              <a:t> </a:t>
+            </a:r>
+            <a:r>
+              <a:rPr lang="ru-RU" dirty="0" err="1" smtClean="0"/>
+              <a:t>стабільності</a:t>
+            </a:r>
+            <a:r>
+              <a:rPr lang="ru-RU" dirty="0" smtClean="0"/>
+              <a:t> та </a:t>
+            </a:r>
+            <a:r>
+              <a:rPr lang="ru-RU" dirty="0" err="1" smtClean="0"/>
+              <a:t>швидкодії</a:t>
+            </a:r>
+            <a:r>
+              <a:rPr lang="ru-RU" dirty="0" smtClean="0"/>
+              <a:t>. </a:t>
+            </a:r>
+            <a:r>
+              <a:rPr lang="ru-RU" dirty="0" err="1" smtClean="0"/>
+              <a:t>Більшість</a:t>
+            </a:r>
+            <a:r>
+              <a:rPr lang="ru-RU" dirty="0" smtClean="0"/>
+              <a:t> </a:t>
+            </a:r>
+            <a:r>
+              <a:rPr lang="ru-RU" dirty="0" err="1" smtClean="0"/>
+              <a:t>готових</a:t>
+            </a:r>
+            <a:r>
+              <a:rPr lang="ru-RU" dirty="0" smtClean="0"/>
+              <a:t> </a:t>
+            </a:r>
+            <a:r>
+              <a:rPr lang="ru-RU" dirty="0" err="1" smtClean="0"/>
+              <a:t>рішень</a:t>
+            </a:r>
+            <a:r>
+              <a:rPr lang="ru-RU" dirty="0" smtClean="0"/>
+              <a:t> </a:t>
+            </a:r>
+            <a:r>
+              <a:rPr lang="ru-RU" dirty="0" err="1" smtClean="0"/>
+              <a:t>або</a:t>
+            </a:r>
+            <a:r>
+              <a:rPr lang="ru-RU" dirty="0" smtClean="0"/>
+              <a:t> </a:t>
+            </a:r>
+            <a:r>
+              <a:rPr lang="ru-RU" dirty="0" err="1" smtClean="0"/>
+              <a:t>надто</a:t>
+            </a:r>
+            <a:r>
+              <a:rPr lang="ru-RU" dirty="0" smtClean="0"/>
+              <a:t> </a:t>
+            </a:r>
+            <a:r>
+              <a:rPr lang="ru-RU" dirty="0" err="1" smtClean="0"/>
+              <a:t>складні</a:t>
+            </a:r>
+            <a:r>
+              <a:rPr lang="ru-RU" dirty="0" smtClean="0"/>
+              <a:t> у </a:t>
+            </a:r>
+            <a:r>
+              <a:rPr lang="ru-RU" dirty="0" err="1" smtClean="0"/>
+              <a:t>впровадженні</a:t>
+            </a:r>
+            <a:r>
+              <a:rPr lang="ru-RU" dirty="0" smtClean="0"/>
+              <a:t>, </a:t>
+            </a:r>
+            <a:r>
+              <a:rPr lang="ru-RU" dirty="0" err="1" smtClean="0"/>
+              <a:t>або</a:t>
+            </a:r>
+            <a:r>
+              <a:rPr lang="ru-RU" dirty="0" smtClean="0"/>
+              <a:t> не </a:t>
+            </a:r>
+            <a:r>
+              <a:rPr lang="ru-RU" dirty="0" err="1" smtClean="0"/>
+              <a:t>дають</a:t>
+            </a:r>
+            <a:r>
+              <a:rPr lang="ru-RU" dirty="0" smtClean="0"/>
+              <a:t> </a:t>
+            </a:r>
+            <a:r>
+              <a:rPr lang="ru-RU" dirty="0" err="1" smtClean="0"/>
+              <a:t>змоги</a:t>
+            </a:r>
+            <a:r>
+              <a:rPr lang="ru-RU" dirty="0" smtClean="0"/>
+              <a:t> </a:t>
+            </a:r>
+            <a:r>
+              <a:rPr lang="ru-RU" dirty="0" err="1" smtClean="0"/>
+              <a:t>гнучко</a:t>
+            </a:r>
+            <a:r>
+              <a:rPr lang="ru-RU" dirty="0" smtClean="0"/>
+              <a:t> </a:t>
+            </a:r>
+            <a:r>
+              <a:rPr lang="ru-RU" dirty="0" err="1" smtClean="0"/>
+              <a:t>тестувати</a:t>
+            </a:r>
+            <a:r>
+              <a:rPr lang="ru-RU" dirty="0" smtClean="0"/>
+              <a:t> </a:t>
+            </a:r>
+            <a:r>
+              <a:rPr lang="ru-RU" dirty="0" err="1" smtClean="0"/>
+              <a:t>конкретні</a:t>
+            </a:r>
+            <a:r>
+              <a:rPr lang="ru-RU" dirty="0" smtClean="0"/>
+              <a:t> </a:t>
+            </a:r>
+            <a:r>
+              <a:rPr lang="ru-RU" dirty="0" err="1" smtClean="0"/>
+              <a:t>сценарії</a:t>
+            </a:r>
+            <a:r>
+              <a:rPr lang="ru-RU" dirty="0" smtClean="0"/>
+              <a:t> </a:t>
+            </a:r>
+            <a:r>
+              <a:rPr lang="ru-RU" dirty="0" err="1" smtClean="0"/>
+              <a:t>під</a:t>
+            </a:r>
+            <a:r>
+              <a:rPr lang="ru-RU" dirty="0" smtClean="0"/>
+              <a:t> потреби </a:t>
+            </a:r>
+            <a:r>
+              <a:rPr lang="ru-RU" dirty="0" err="1" smtClean="0"/>
+              <a:t>власного</a:t>
+            </a:r>
+            <a:r>
+              <a:rPr lang="ru-RU" dirty="0" smtClean="0"/>
+              <a:t> </a:t>
+            </a:r>
+            <a:r>
+              <a:rPr lang="ru-RU" dirty="0" err="1" smtClean="0"/>
+              <a:t>застосунку</a:t>
+            </a:r>
+            <a:r>
+              <a:rPr lang="ru-RU" dirty="0" smtClean="0"/>
+              <a:t>.</a:t>
+            </a:r>
+          </a:p>
+          <a:p>
+            <a:pPr marL="0" lvl="0" indent="0" algn="l" rtl="0">
+              <a:spcBef>
+                <a:spcPts val="0"/>
+              </a:spcBef>
+              <a:spcAft>
+                <a:spcPts val="0"/>
+              </a:spcAft>
+              <a:buNone/>
+            </a:pPr>
+            <a:r>
+              <a:rPr lang="ru-RU" dirty="0" smtClean="0"/>
+              <a:t>Тому в межах </a:t>
+            </a:r>
+            <a:r>
+              <a:rPr lang="ru-RU" dirty="0" err="1" smtClean="0"/>
+              <a:t>роботи</a:t>
+            </a:r>
+            <a:r>
+              <a:rPr lang="ru-RU" dirty="0" smtClean="0"/>
+              <a:t> </a:t>
+            </a:r>
+            <a:r>
+              <a:rPr lang="ru-RU" dirty="0" err="1" smtClean="0"/>
+              <a:t>розглядається</a:t>
+            </a:r>
+            <a:r>
+              <a:rPr lang="ru-RU" dirty="0" smtClean="0"/>
+              <a:t> </a:t>
+            </a:r>
+            <a:r>
+              <a:rPr lang="ru-RU" dirty="0" err="1" smtClean="0"/>
+              <a:t>створення</a:t>
+            </a:r>
+            <a:r>
+              <a:rPr lang="ru-RU" dirty="0" smtClean="0"/>
+              <a:t> </a:t>
+            </a:r>
+            <a:r>
+              <a:rPr lang="ru-RU" dirty="0" err="1" smtClean="0"/>
+              <a:t>невеликої</a:t>
+            </a:r>
+            <a:r>
+              <a:rPr lang="ru-RU" dirty="0" smtClean="0"/>
+              <a:t>, але </a:t>
+            </a:r>
+            <a:r>
+              <a:rPr lang="ru-RU" dirty="0" err="1" smtClean="0"/>
+              <a:t>функціональної</a:t>
+            </a:r>
+            <a:r>
+              <a:rPr lang="ru-RU" dirty="0" smtClean="0"/>
+              <a:t> </a:t>
+            </a:r>
+            <a:r>
+              <a:rPr lang="ru-RU" dirty="0" err="1" smtClean="0"/>
+              <a:t>системи</a:t>
+            </a:r>
+            <a:r>
+              <a:rPr lang="ru-RU" dirty="0" smtClean="0"/>
+              <a:t>, яка б дозволила не </a:t>
+            </a:r>
+            <a:r>
+              <a:rPr lang="ru-RU" dirty="0" err="1" smtClean="0"/>
+              <a:t>лише</a:t>
+            </a:r>
+            <a:r>
+              <a:rPr lang="ru-RU" dirty="0" smtClean="0"/>
+              <a:t> </a:t>
+            </a:r>
+            <a:r>
+              <a:rPr lang="ru-RU" dirty="0" err="1" smtClean="0"/>
+              <a:t>балансувати</a:t>
+            </a:r>
+            <a:r>
+              <a:rPr lang="ru-RU" dirty="0" smtClean="0"/>
+              <a:t> </a:t>
+            </a:r>
+            <a:r>
+              <a:rPr lang="ru-RU" dirty="0" err="1" smtClean="0"/>
+              <a:t>трафік</a:t>
+            </a:r>
+            <a:r>
+              <a:rPr lang="ru-RU" dirty="0" smtClean="0"/>
+              <a:t> у </a:t>
+            </a:r>
+            <a:r>
+              <a:rPr lang="ru-RU" dirty="0" err="1" smtClean="0"/>
+              <a:t>режимі</a:t>
+            </a:r>
+            <a:r>
+              <a:rPr lang="ru-RU" dirty="0" smtClean="0"/>
+              <a:t> реального часу, а й </a:t>
+            </a:r>
+            <a:r>
+              <a:rPr lang="ru-RU" dirty="0" err="1" smtClean="0"/>
+              <a:t>досліджувати</a:t>
+            </a:r>
+            <a:r>
+              <a:rPr lang="ru-RU" dirty="0" smtClean="0"/>
+              <a:t> </a:t>
+            </a:r>
+            <a:r>
+              <a:rPr lang="ru-RU" dirty="0" err="1" smtClean="0"/>
+              <a:t>ефективність</a:t>
+            </a:r>
+            <a:r>
+              <a:rPr lang="ru-RU" dirty="0" smtClean="0"/>
+              <a:t> </a:t>
+            </a:r>
+            <a:r>
+              <a:rPr lang="ru-RU" dirty="0" err="1" smtClean="0"/>
+              <a:t>різних</a:t>
+            </a:r>
+            <a:r>
+              <a:rPr lang="ru-RU" dirty="0" smtClean="0"/>
+              <a:t> </a:t>
+            </a:r>
+            <a:r>
+              <a:rPr lang="ru-RU" dirty="0" err="1" smtClean="0"/>
+              <a:t>підходів</a:t>
+            </a:r>
+            <a:r>
+              <a:rPr lang="ru-RU" dirty="0" smtClean="0"/>
+              <a:t> на </a:t>
+            </a:r>
+            <a:r>
+              <a:rPr lang="ru-RU" dirty="0" err="1" smtClean="0"/>
+              <a:t>практиці</a:t>
+            </a:r>
+            <a:r>
+              <a:rPr lang="ru-RU" dirty="0" smtClean="0"/>
+              <a:t>. </a:t>
+            </a:r>
+            <a:r>
+              <a:rPr lang="ru-RU" dirty="0" err="1" smtClean="0"/>
+              <a:t>Основний</a:t>
+            </a:r>
+            <a:r>
+              <a:rPr lang="ru-RU" dirty="0" smtClean="0"/>
+              <a:t> акцент </a:t>
+            </a:r>
+            <a:r>
+              <a:rPr lang="ru-RU" dirty="0" err="1" smtClean="0"/>
+              <a:t>зроблено</a:t>
+            </a:r>
+            <a:r>
+              <a:rPr lang="ru-RU" dirty="0" smtClean="0"/>
+              <a:t> на </a:t>
+            </a:r>
+            <a:r>
+              <a:rPr lang="ru-RU" dirty="0" err="1" smtClean="0"/>
+              <a:t>поєднанні</a:t>
+            </a:r>
+            <a:r>
+              <a:rPr lang="ru-RU" dirty="0" smtClean="0"/>
+              <a:t> </a:t>
+            </a:r>
+            <a:r>
+              <a:rPr lang="ru-RU" dirty="0" err="1" smtClean="0"/>
+              <a:t>простоти</a:t>
+            </a:r>
+            <a:r>
+              <a:rPr lang="ru-RU" dirty="0" smtClean="0"/>
+              <a:t> </a:t>
+            </a:r>
+            <a:r>
+              <a:rPr lang="ru-RU" dirty="0" err="1" smtClean="0"/>
+              <a:t>інтеграції</a:t>
+            </a:r>
+            <a:r>
+              <a:rPr lang="ru-RU" dirty="0" smtClean="0"/>
+              <a:t> з </a:t>
+            </a:r>
+            <a:r>
+              <a:rPr lang="ru-RU" dirty="0" err="1" smtClean="0"/>
+              <a:t>можливістю</a:t>
+            </a:r>
+            <a:r>
+              <a:rPr lang="ru-RU" dirty="0" smtClean="0"/>
+              <a:t> </a:t>
+            </a:r>
+            <a:r>
+              <a:rPr lang="ru-RU" dirty="0" err="1" smtClean="0"/>
+              <a:t>адаптивної</a:t>
+            </a:r>
+            <a:r>
+              <a:rPr lang="ru-RU" dirty="0" smtClean="0"/>
+              <a:t> </a:t>
+            </a:r>
+            <a:r>
+              <a:rPr lang="ru-RU" dirty="0" err="1" smtClean="0"/>
+              <a:t>реакції</a:t>
+            </a:r>
+            <a:r>
+              <a:rPr lang="ru-RU" dirty="0" smtClean="0"/>
+              <a:t> на </a:t>
+            </a:r>
+            <a:r>
+              <a:rPr lang="ru-RU" dirty="0" err="1" smtClean="0"/>
+              <a:t>зміну</a:t>
+            </a:r>
+            <a:r>
+              <a:rPr lang="ru-RU" dirty="0" smtClean="0"/>
+              <a:t> </a:t>
+            </a:r>
+            <a:r>
+              <a:rPr lang="ru-RU" dirty="0" err="1" smtClean="0"/>
+              <a:t>навантаження</a:t>
+            </a:r>
+            <a:r>
+              <a:rPr lang="ru-RU" dirty="0" smtClean="0"/>
+              <a:t>.</a:t>
+            </a:r>
+            <a:endParaRPr dirty="0"/>
           </a:p>
         </p:txBody>
       </p:sp>
@@ -1821,7 +5965,566 @@
               </a:spcAft>
               <a:buNone/>
             </a:pPr>
-            <a:endParaRPr/>
+            <a:r>
+              <a:rPr lang="ru-RU" dirty="0" smtClean="0"/>
+              <a:t>У </a:t>
+            </a:r>
+            <a:r>
+              <a:rPr lang="ru-RU" dirty="0" err="1" smtClean="0"/>
+              <a:t>процесі</a:t>
+            </a:r>
+            <a:r>
+              <a:rPr lang="ru-RU" dirty="0" smtClean="0"/>
+              <a:t> </a:t>
+            </a:r>
+            <a:r>
+              <a:rPr lang="ru-RU" dirty="0" err="1" smtClean="0"/>
+              <a:t>аналізу</a:t>
+            </a:r>
+            <a:r>
+              <a:rPr lang="ru-RU" dirty="0" smtClean="0"/>
+              <a:t> </a:t>
+            </a:r>
+            <a:r>
+              <a:rPr lang="ru-RU" dirty="0" err="1" smtClean="0"/>
+              <a:t>було</a:t>
+            </a:r>
+            <a:r>
+              <a:rPr lang="ru-RU" dirty="0" smtClean="0"/>
+              <a:t> </a:t>
+            </a:r>
+            <a:r>
+              <a:rPr lang="ru-RU" dirty="0" err="1" smtClean="0"/>
+              <a:t>звернено</a:t>
+            </a:r>
+            <a:r>
+              <a:rPr lang="ru-RU" dirty="0" smtClean="0"/>
+              <a:t> </a:t>
+            </a:r>
+            <a:r>
+              <a:rPr lang="ru-RU" dirty="0" err="1" smtClean="0"/>
+              <a:t>увагу</a:t>
+            </a:r>
+            <a:r>
+              <a:rPr lang="ru-RU" dirty="0" smtClean="0"/>
+              <a:t> на </a:t>
+            </a:r>
+            <a:r>
+              <a:rPr lang="ru-RU" dirty="0" err="1" smtClean="0"/>
+              <a:t>вже</a:t>
+            </a:r>
+            <a:r>
+              <a:rPr lang="ru-RU" dirty="0" smtClean="0"/>
+              <a:t> </a:t>
+            </a:r>
+            <a:r>
+              <a:rPr lang="ru-RU" dirty="0" err="1" smtClean="0"/>
+              <a:t>існуючі</a:t>
+            </a:r>
+            <a:r>
+              <a:rPr lang="ru-RU" dirty="0" smtClean="0"/>
+              <a:t> </a:t>
+            </a:r>
+            <a:r>
+              <a:rPr lang="ru-RU" dirty="0" err="1" smtClean="0"/>
+              <a:t>інструменти</a:t>
+            </a:r>
+            <a:r>
+              <a:rPr lang="ru-RU" dirty="0" smtClean="0"/>
+              <a:t>, </a:t>
+            </a:r>
+            <a:r>
+              <a:rPr lang="ru-RU" dirty="0" err="1" smtClean="0"/>
+              <a:t>які</a:t>
+            </a:r>
+            <a:r>
+              <a:rPr lang="ru-RU" dirty="0" smtClean="0"/>
+              <a:t> </a:t>
+            </a:r>
+            <a:r>
+              <a:rPr lang="ru-RU" dirty="0" err="1" smtClean="0"/>
+              <a:t>частково</a:t>
+            </a:r>
+            <a:r>
+              <a:rPr lang="ru-RU" dirty="0" smtClean="0"/>
+              <a:t> </a:t>
+            </a:r>
+            <a:r>
+              <a:rPr lang="ru-RU" dirty="0" err="1" smtClean="0"/>
+              <a:t>вирішують</a:t>
+            </a:r>
+            <a:r>
+              <a:rPr lang="ru-RU" dirty="0" smtClean="0"/>
+              <a:t> </a:t>
+            </a:r>
+            <a:r>
+              <a:rPr lang="ru-RU" dirty="0" err="1" smtClean="0"/>
+              <a:t>подібні</a:t>
+            </a:r>
+            <a:r>
+              <a:rPr lang="ru-RU" dirty="0" smtClean="0"/>
+              <a:t> </a:t>
+            </a:r>
+            <a:r>
+              <a:rPr lang="ru-RU" dirty="0" err="1" smtClean="0"/>
+              <a:t>задачі</a:t>
+            </a:r>
+            <a:r>
+              <a:rPr lang="ru-RU" dirty="0" smtClean="0"/>
+              <a:t>. </a:t>
+            </a:r>
+            <a:r>
+              <a:rPr lang="ru-RU" dirty="0" err="1" smtClean="0"/>
+              <a:t>Зокрема</a:t>
+            </a:r>
+            <a:r>
+              <a:rPr lang="ru-RU" dirty="0" smtClean="0"/>
+              <a:t>, </a:t>
+            </a:r>
+            <a:r>
+              <a:rPr lang="en-GB" dirty="0" smtClean="0"/>
+              <a:t>YARP </a:t>
+            </a:r>
+            <a:r>
+              <a:rPr lang="ru-RU" dirty="0" smtClean="0"/>
+              <a:t>та </a:t>
+            </a:r>
+            <a:r>
+              <a:rPr lang="en-GB" dirty="0" smtClean="0"/>
+              <a:t>Ocelot — </a:t>
+            </a:r>
+            <a:r>
+              <a:rPr lang="ru-RU" dirty="0" err="1" smtClean="0"/>
+              <a:t>це</a:t>
+            </a:r>
+            <a:r>
+              <a:rPr lang="ru-RU" dirty="0" smtClean="0"/>
+              <a:t> два </a:t>
+            </a:r>
+            <a:r>
+              <a:rPr lang="ru-RU" dirty="0" err="1" smtClean="0"/>
+              <a:t>найбільш</a:t>
+            </a:r>
+            <a:r>
+              <a:rPr lang="ru-RU" dirty="0" smtClean="0"/>
+              <a:t> </a:t>
+            </a:r>
+            <a:r>
+              <a:rPr lang="ru-RU" dirty="0" err="1" smtClean="0"/>
+              <a:t>відомі</a:t>
+            </a:r>
+            <a:r>
+              <a:rPr lang="ru-RU" dirty="0" smtClean="0"/>
+              <a:t> </a:t>
+            </a:r>
+            <a:r>
+              <a:rPr lang="en-GB" dirty="0" smtClean="0"/>
+              <a:t>open-source </a:t>
+            </a:r>
+            <a:r>
+              <a:rPr lang="ru-RU" dirty="0" err="1" smtClean="0"/>
+              <a:t>рішення</a:t>
+            </a:r>
+            <a:r>
+              <a:rPr lang="ru-RU" dirty="0" smtClean="0"/>
+              <a:t> в </a:t>
+            </a:r>
+            <a:r>
+              <a:rPr lang="ru-RU" dirty="0" err="1" smtClean="0"/>
+              <a:t>екосистемі</a:t>
+            </a:r>
+            <a:r>
+              <a:rPr lang="ru-RU" dirty="0" smtClean="0"/>
+              <a:t> .</a:t>
+            </a:r>
+            <a:r>
+              <a:rPr lang="en-GB" dirty="0" smtClean="0"/>
+              <a:t>NET, </a:t>
+            </a:r>
+            <a:r>
+              <a:rPr lang="ru-RU" dirty="0" err="1" smtClean="0"/>
+              <a:t>що</a:t>
+            </a:r>
+            <a:r>
+              <a:rPr lang="ru-RU" dirty="0" smtClean="0"/>
+              <a:t> </a:t>
+            </a:r>
+            <a:r>
+              <a:rPr lang="ru-RU" dirty="0" err="1" smtClean="0"/>
+              <a:t>дозволяють</a:t>
+            </a:r>
+            <a:r>
+              <a:rPr lang="ru-RU" dirty="0" smtClean="0"/>
+              <a:t> </a:t>
+            </a:r>
+            <a:r>
+              <a:rPr lang="ru-RU" dirty="0" err="1" smtClean="0"/>
+              <a:t>організовувати</a:t>
+            </a:r>
+            <a:r>
+              <a:rPr lang="ru-RU" dirty="0" smtClean="0"/>
+              <a:t> </a:t>
+            </a:r>
+            <a:r>
+              <a:rPr lang="ru-RU" dirty="0" err="1" smtClean="0"/>
+              <a:t>проксіювання</a:t>
+            </a:r>
+            <a:r>
+              <a:rPr lang="ru-RU" dirty="0" smtClean="0"/>
+              <a:t> та </a:t>
+            </a:r>
+            <a:r>
+              <a:rPr lang="ru-RU" dirty="0" err="1" smtClean="0"/>
+              <a:t>балансування</a:t>
+            </a:r>
+            <a:r>
+              <a:rPr lang="ru-RU" dirty="0" smtClean="0"/>
+              <a:t> </a:t>
+            </a:r>
+            <a:r>
+              <a:rPr lang="ru-RU" dirty="0" err="1" smtClean="0"/>
+              <a:t>запитів</a:t>
+            </a:r>
+            <a:r>
+              <a:rPr lang="ru-RU" dirty="0" smtClean="0"/>
+              <a:t>. </a:t>
+            </a:r>
+            <a:r>
+              <a:rPr lang="ru-RU" dirty="0" err="1" smtClean="0"/>
+              <a:t>Однак</a:t>
+            </a:r>
+            <a:r>
+              <a:rPr lang="ru-RU" dirty="0" smtClean="0"/>
+              <a:t> вони </a:t>
+            </a:r>
+            <a:r>
+              <a:rPr lang="ru-RU" dirty="0" err="1" smtClean="0"/>
+              <a:t>орієнтовані</a:t>
+            </a:r>
+            <a:r>
+              <a:rPr lang="ru-RU" dirty="0" smtClean="0"/>
+              <a:t> </a:t>
+            </a:r>
+            <a:r>
+              <a:rPr lang="ru-RU" dirty="0" err="1" smtClean="0"/>
+              <a:t>переважно</a:t>
+            </a:r>
+            <a:r>
+              <a:rPr lang="ru-RU" dirty="0" smtClean="0"/>
+              <a:t> на </a:t>
+            </a:r>
+            <a:r>
+              <a:rPr lang="en-GB" dirty="0" smtClean="0"/>
+              <a:t>production-</a:t>
+            </a:r>
+            <a:r>
+              <a:rPr lang="ru-RU" dirty="0" err="1" smtClean="0"/>
+              <a:t>застосування</a:t>
+            </a:r>
+            <a:r>
+              <a:rPr lang="ru-RU" dirty="0" smtClean="0"/>
+              <a:t>, а не на </a:t>
+            </a:r>
+            <a:r>
+              <a:rPr lang="ru-RU" dirty="0" err="1" smtClean="0"/>
+              <a:t>дослідження</a:t>
+            </a:r>
+            <a:r>
+              <a:rPr lang="ru-RU" dirty="0" smtClean="0"/>
+              <a:t> </a:t>
+            </a:r>
+            <a:r>
+              <a:rPr lang="ru-RU" dirty="0" err="1" smtClean="0"/>
+              <a:t>чи</a:t>
+            </a:r>
+            <a:r>
+              <a:rPr lang="ru-RU" dirty="0" smtClean="0"/>
+              <a:t> </a:t>
+            </a:r>
+            <a:r>
+              <a:rPr lang="ru-RU" dirty="0" err="1" smtClean="0"/>
+              <a:t>експерименти</a:t>
+            </a:r>
+            <a:r>
+              <a:rPr lang="ru-RU" dirty="0" smtClean="0"/>
+              <a:t>.</a:t>
+            </a:r>
+          </a:p>
+          <a:p>
+            <a:pPr marL="0" lvl="0" indent="0" algn="l" rtl="0">
+              <a:spcBef>
+                <a:spcPts val="0"/>
+              </a:spcBef>
+              <a:spcAft>
+                <a:spcPts val="0"/>
+              </a:spcAft>
+              <a:buNone/>
+            </a:pPr>
+            <a:r>
+              <a:rPr lang="ru-RU" dirty="0" err="1" smtClean="0"/>
+              <a:t>Також</a:t>
+            </a:r>
+            <a:r>
+              <a:rPr lang="ru-RU" dirty="0" smtClean="0"/>
+              <a:t> </a:t>
+            </a:r>
+            <a:r>
+              <a:rPr lang="ru-RU" dirty="0" err="1" smtClean="0"/>
+              <a:t>було</a:t>
+            </a:r>
+            <a:r>
+              <a:rPr lang="ru-RU" dirty="0" smtClean="0"/>
+              <a:t> </a:t>
+            </a:r>
+            <a:r>
+              <a:rPr lang="ru-RU" dirty="0" err="1" smtClean="0"/>
+              <a:t>помітно</a:t>
+            </a:r>
+            <a:r>
+              <a:rPr lang="ru-RU" dirty="0" smtClean="0"/>
+              <a:t>, </a:t>
+            </a:r>
+            <a:r>
+              <a:rPr lang="ru-RU" dirty="0" err="1" smtClean="0"/>
+              <a:t>що</a:t>
+            </a:r>
+            <a:r>
+              <a:rPr lang="ru-RU" dirty="0" smtClean="0"/>
+              <a:t> </a:t>
+            </a:r>
+            <a:r>
+              <a:rPr lang="ru-RU" dirty="0" err="1" smtClean="0"/>
+              <a:t>більшість</a:t>
+            </a:r>
+            <a:r>
+              <a:rPr lang="ru-RU" dirty="0" smtClean="0"/>
+              <a:t> </a:t>
+            </a:r>
+            <a:r>
+              <a:rPr lang="ru-RU" dirty="0" err="1" smtClean="0"/>
+              <a:t>доступних</a:t>
+            </a:r>
+            <a:r>
+              <a:rPr lang="ru-RU" dirty="0" smtClean="0"/>
+              <a:t> </a:t>
+            </a:r>
+            <a:r>
+              <a:rPr lang="ru-RU" dirty="0" err="1" smtClean="0"/>
+              <a:t>рішень</a:t>
+            </a:r>
+            <a:r>
+              <a:rPr lang="ru-RU" dirty="0" smtClean="0"/>
+              <a:t> </a:t>
+            </a:r>
+            <a:r>
+              <a:rPr lang="ru-RU" dirty="0" err="1" smtClean="0"/>
+              <a:t>реалізують</a:t>
+            </a:r>
+            <a:r>
+              <a:rPr lang="ru-RU" dirty="0" smtClean="0"/>
+              <a:t> </a:t>
+            </a:r>
+            <a:r>
+              <a:rPr lang="ru-RU" dirty="0" err="1" smtClean="0"/>
+              <a:t>лише</a:t>
+            </a:r>
+            <a:r>
+              <a:rPr lang="ru-RU" dirty="0" smtClean="0"/>
+              <a:t> </a:t>
+            </a:r>
+            <a:r>
+              <a:rPr lang="ru-RU" dirty="0" err="1" smtClean="0"/>
+              <a:t>базову</a:t>
+            </a:r>
+            <a:r>
+              <a:rPr lang="ru-RU" dirty="0" smtClean="0"/>
+              <a:t> </a:t>
+            </a:r>
+            <a:r>
+              <a:rPr lang="ru-RU" dirty="0" err="1" smtClean="0"/>
+              <a:t>логіку</a:t>
+            </a:r>
+            <a:r>
+              <a:rPr lang="ru-RU" dirty="0" smtClean="0"/>
+              <a:t> </a:t>
+            </a:r>
+            <a:r>
+              <a:rPr lang="ru-RU" dirty="0" err="1" smtClean="0"/>
+              <a:t>розподілу</a:t>
+            </a:r>
+            <a:r>
+              <a:rPr lang="ru-RU" dirty="0" smtClean="0"/>
+              <a:t> </a:t>
+            </a:r>
+            <a:r>
+              <a:rPr lang="ru-RU" dirty="0" err="1" smtClean="0"/>
+              <a:t>навантаження</a:t>
+            </a:r>
+            <a:r>
+              <a:rPr lang="ru-RU" dirty="0" smtClean="0"/>
+              <a:t> та не </a:t>
+            </a:r>
+            <a:r>
+              <a:rPr lang="ru-RU" dirty="0" err="1" smtClean="0"/>
+              <a:t>мають</a:t>
+            </a:r>
+            <a:r>
+              <a:rPr lang="ru-RU" dirty="0" smtClean="0"/>
+              <a:t> </a:t>
+            </a:r>
+            <a:r>
+              <a:rPr lang="ru-RU" dirty="0" err="1" smtClean="0"/>
+              <a:t>вбудованих</a:t>
+            </a:r>
+            <a:r>
+              <a:rPr lang="ru-RU" dirty="0" smtClean="0"/>
+              <a:t> </a:t>
+            </a:r>
+            <a:r>
+              <a:rPr lang="ru-RU" dirty="0" err="1" smtClean="0"/>
+              <a:t>засобів</a:t>
+            </a:r>
+            <a:r>
+              <a:rPr lang="ru-RU" dirty="0" smtClean="0"/>
+              <a:t> для </a:t>
+            </a:r>
+            <a:r>
+              <a:rPr lang="ru-RU" dirty="0" err="1" smtClean="0"/>
+              <a:t>аналізу</a:t>
+            </a:r>
+            <a:r>
+              <a:rPr lang="ru-RU" dirty="0" smtClean="0"/>
+              <a:t> </a:t>
+            </a:r>
+            <a:r>
+              <a:rPr lang="ru-RU" dirty="0" err="1" smtClean="0"/>
+              <a:t>чи</a:t>
+            </a:r>
+            <a:r>
+              <a:rPr lang="ru-RU" dirty="0" smtClean="0"/>
+              <a:t> </a:t>
+            </a:r>
+            <a:r>
+              <a:rPr lang="ru-RU" dirty="0" err="1" smtClean="0"/>
+              <a:t>адаптації</a:t>
+            </a:r>
+            <a:r>
+              <a:rPr lang="ru-RU" dirty="0" smtClean="0"/>
+              <a:t> до </a:t>
+            </a:r>
+            <a:r>
+              <a:rPr lang="ru-RU" dirty="0" err="1" smtClean="0"/>
+              <a:t>зміни</a:t>
+            </a:r>
+            <a:r>
+              <a:rPr lang="ru-RU" dirty="0" smtClean="0"/>
+              <a:t> </a:t>
+            </a:r>
+            <a:r>
+              <a:rPr lang="ru-RU" dirty="0" err="1" smtClean="0"/>
+              <a:t>навантаження</a:t>
+            </a:r>
+            <a:r>
+              <a:rPr lang="ru-RU" dirty="0" smtClean="0"/>
+              <a:t> в реальному </a:t>
+            </a:r>
+            <a:r>
+              <a:rPr lang="ru-RU" dirty="0" err="1" smtClean="0"/>
+              <a:t>часі</a:t>
+            </a:r>
+            <a:r>
+              <a:rPr lang="ru-RU" dirty="0" smtClean="0"/>
+              <a:t>. </a:t>
+            </a:r>
+            <a:r>
+              <a:rPr lang="ru-RU" dirty="0" err="1" smtClean="0"/>
+              <a:t>Це</a:t>
+            </a:r>
+            <a:r>
+              <a:rPr lang="ru-RU" dirty="0" smtClean="0"/>
+              <a:t> </a:t>
+            </a:r>
+            <a:r>
+              <a:rPr lang="ru-RU" dirty="0" err="1" smtClean="0"/>
+              <a:t>створює</a:t>
+            </a:r>
+            <a:r>
+              <a:rPr lang="ru-RU" dirty="0" smtClean="0"/>
+              <a:t> </a:t>
+            </a:r>
+            <a:r>
+              <a:rPr lang="ru-RU" dirty="0" err="1" smtClean="0"/>
+              <a:t>певну</a:t>
+            </a:r>
+            <a:r>
+              <a:rPr lang="ru-RU" dirty="0" smtClean="0"/>
+              <a:t> </a:t>
+            </a:r>
+            <a:r>
+              <a:rPr lang="ru-RU" dirty="0" err="1" smtClean="0"/>
+              <a:t>нішу</a:t>
+            </a:r>
+            <a:r>
+              <a:rPr lang="ru-RU" dirty="0" smtClean="0"/>
+              <a:t>, яку й покликана </a:t>
+            </a:r>
+            <a:r>
+              <a:rPr lang="ru-RU" dirty="0" err="1" smtClean="0"/>
+              <a:t>заповнити</a:t>
+            </a:r>
+            <a:r>
+              <a:rPr lang="ru-RU" dirty="0" smtClean="0"/>
+              <a:t> </a:t>
+            </a:r>
+            <a:r>
+              <a:rPr lang="ru-RU" dirty="0" err="1" smtClean="0"/>
+              <a:t>розроблена</a:t>
+            </a:r>
+            <a:r>
+              <a:rPr lang="ru-RU" dirty="0" smtClean="0"/>
+              <a:t> в межах </a:t>
+            </a:r>
+            <a:r>
+              <a:rPr lang="ru-RU" dirty="0" err="1" smtClean="0"/>
+              <a:t>дослідження</a:t>
+            </a:r>
+            <a:r>
+              <a:rPr lang="ru-RU" dirty="0" smtClean="0"/>
+              <a:t> система — </a:t>
+            </a:r>
+            <a:r>
+              <a:rPr lang="ru-RU" dirty="0" err="1" smtClean="0"/>
+              <a:t>гнучка</a:t>
+            </a:r>
+            <a:r>
+              <a:rPr lang="ru-RU" dirty="0" smtClean="0"/>
+              <a:t>, легка і </a:t>
+            </a:r>
+            <a:r>
+              <a:rPr lang="ru-RU" dirty="0" err="1" smtClean="0"/>
+              <a:t>орієнтована</a:t>
+            </a:r>
+            <a:r>
+              <a:rPr lang="ru-RU" dirty="0" smtClean="0"/>
+              <a:t> </a:t>
+            </a:r>
+            <a:r>
+              <a:rPr lang="ru-RU" dirty="0" err="1" smtClean="0"/>
+              <a:t>саме</a:t>
+            </a:r>
+            <a:r>
+              <a:rPr lang="ru-RU" dirty="0" smtClean="0"/>
+              <a:t> на </a:t>
+            </a:r>
+            <a:r>
+              <a:rPr lang="ru-RU" dirty="0" err="1" smtClean="0"/>
+              <a:t>експерименти</a:t>
+            </a:r>
+            <a:r>
+              <a:rPr lang="ru-RU" dirty="0" smtClean="0"/>
+              <a:t> з алгоритмами.</a:t>
+            </a:r>
+            <a:endParaRPr dirty="0"/>
           </a:p>
         </p:txBody>
       </p:sp>
@@ -1930,7 +6633,542 @@
               </a:spcAft>
               <a:buNone/>
             </a:pPr>
-            <a:endParaRPr/>
+            <a:r>
+              <a:rPr lang="ru-RU" dirty="0" err="1" smtClean="0"/>
+              <a:t>Під</a:t>
+            </a:r>
+            <a:r>
+              <a:rPr lang="ru-RU" dirty="0" smtClean="0"/>
+              <a:t> час постановки </a:t>
+            </a:r>
+            <a:r>
+              <a:rPr lang="ru-RU" dirty="0" err="1" smtClean="0"/>
+              <a:t>задачі</a:t>
+            </a:r>
+            <a:r>
+              <a:rPr lang="ru-RU" dirty="0" smtClean="0"/>
+              <a:t> </a:t>
+            </a:r>
+            <a:r>
+              <a:rPr lang="ru-RU" dirty="0" err="1" smtClean="0"/>
+              <a:t>були</a:t>
+            </a:r>
+            <a:r>
+              <a:rPr lang="ru-RU" dirty="0" smtClean="0"/>
+              <a:t> </a:t>
+            </a:r>
+            <a:r>
+              <a:rPr lang="ru-RU" dirty="0" err="1" smtClean="0"/>
+              <a:t>чітко</a:t>
+            </a:r>
+            <a:r>
+              <a:rPr lang="ru-RU" dirty="0" smtClean="0"/>
+              <a:t> </a:t>
+            </a:r>
+            <a:r>
+              <a:rPr lang="ru-RU" dirty="0" err="1" smtClean="0"/>
+              <a:t>сформульовані</a:t>
+            </a:r>
+            <a:r>
+              <a:rPr lang="ru-RU" dirty="0" smtClean="0"/>
+              <a:t> </a:t>
+            </a:r>
+            <a:r>
+              <a:rPr lang="ru-RU" dirty="0" err="1" smtClean="0"/>
+              <a:t>проблеми</a:t>
+            </a:r>
+            <a:r>
+              <a:rPr lang="ru-RU" dirty="0" smtClean="0"/>
+              <a:t>, </a:t>
+            </a:r>
+            <a:r>
+              <a:rPr lang="ru-RU" dirty="0" err="1" smtClean="0"/>
+              <a:t>які</a:t>
+            </a:r>
+            <a:r>
+              <a:rPr lang="ru-RU" dirty="0" smtClean="0"/>
+              <a:t> </a:t>
+            </a:r>
+            <a:r>
+              <a:rPr lang="ru-RU" dirty="0" err="1" smtClean="0"/>
+              <a:t>потребують</a:t>
+            </a:r>
+            <a:r>
+              <a:rPr lang="ru-RU" dirty="0" smtClean="0"/>
+              <a:t> </a:t>
+            </a:r>
+            <a:r>
+              <a:rPr lang="ru-RU" dirty="0" err="1" smtClean="0"/>
+              <a:t>вирішення</a:t>
+            </a:r>
+            <a:r>
+              <a:rPr lang="ru-RU" dirty="0" smtClean="0"/>
+              <a:t>. Головна з них — </a:t>
+            </a:r>
+            <a:r>
+              <a:rPr lang="ru-RU" dirty="0" err="1" smtClean="0"/>
+              <a:t>відсутність</a:t>
+            </a:r>
+            <a:r>
+              <a:rPr lang="ru-RU" dirty="0" smtClean="0"/>
+              <a:t> у .NET-</a:t>
+            </a:r>
+            <a:r>
+              <a:rPr lang="ru-RU" dirty="0" err="1" smtClean="0"/>
+              <a:t>середовищі</a:t>
+            </a:r>
+            <a:r>
+              <a:rPr lang="ru-RU" dirty="0" smtClean="0"/>
+              <a:t> простого </a:t>
+            </a:r>
+            <a:r>
+              <a:rPr lang="ru-RU" dirty="0" err="1" smtClean="0"/>
+              <a:t>інструменту</a:t>
+            </a:r>
+            <a:r>
+              <a:rPr lang="ru-RU" dirty="0" smtClean="0"/>
+              <a:t>, </a:t>
+            </a:r>
+            <a:r>
+              <a:rPr lang="ru-RU" dirty="0" err="1" smtClean="0"/>
+              <a:t>що</a:t>
+            </a:r>
+            <a:r>
+              <a:rPr lang="ru-RU" dirty="0" smtClean="0"/>
+              <a:t> </a:t>
+            </a:r>
+            <a:r>
+              <a:rPr lang="ru-RU" dirty="0" err="1" smtClean="0"/>
+              <a:t>дозволяє</a:t>
+            </a:r>
+            <a:r>
+              <a:rPr lang="ru-RU" dirty="0" smtClean="0"/>
+              <a:t> як </a:t>
+            </a:r>
+            <a:r>
+              <a:rPr lang="ru-RU" dirty="0" err="1" smtClean="0"/>
+              <a:t>ефективно</a:t>
+            </a:r>
+            <a:r>
+              <a:rPr lang="ru-RU" dirty="0" smtClean="0"/>
+              <a:t> </a:t>
+            </a:r>
+            <a:r>
+              <a:rPr lang="ru-RU" dirty="0" err="1" smtClean="0"/>
+              <a:t>балансувати</a:t>
+            </a:r>
+            <a:r>
+              <a:rPr lang="ru-RU" dirty="0" smtClean="0"/>
+              <a:t> </a:t>
+            </a:r>
+            <a:r>
+              <a:rPr lang="ru-RU" dirty="0" err="1" smtClean="0"/>
+              <a:t>запити</a:t>
+            </a:r>
+            <a:r>
+              <a:rPr lang="ru-RU" dirty="0" smtClean="0"/>
+              <a:t>, так і </a:t>
+            </a:r>
+            <a:r>
+              <a:rPr lang="ru-RU" dirty="0" err="1" smtClean="0"/>
+              <a:t>проводити</a:t>
+            </a:r>
+            <a:r>
+              <a:rPr lang="ru-RU" dirty="0" smtClean="0"/>
+              <a:t> </a:t>
+            </a:r>
+            <a:r>
+              <a:rPr lang="ru-RU" dirty="0" err="1" smtClean="0"/>
+              <a:t>експерименти</a:t>
+            </a:r>
+            <a:r>
+              <a:rPr lang="ru-RU" dirty="0" smtClean="0"/>
+              <a:t> з </a:t>
+            </a:r>
+            <a:r>
+              <a:rPr lang="ru-RU" dirty="0" err="1" smtClean="0"/>
+              <a:t>різними</a:t>
+            </a:r>
+            <a:r>
+              <a:rPr lang="ru-RU" dirty="0" smtClean="0"/>
+              <a:t> </a:t>
+            </a:r>
+            <a:r>
+              <a:rPr lang="ru-RU" dirty="0" err="1" smtClean="0"/>
+              <a:t>підходами</a:t>
+            </a:r>
+            <a:r>
+              <a:rPr lang="ru-RU" dirty="0" smtClean="0"/>
+              <a:t>. </a:t>
+            </a:r>
+            <a:r>
+              <a:rPr lang="ru-RU" dirty="0" err="1" smtClean="0"/>
+              <a:t>Існуючі</a:t>
+            </a:r>
+            <a:r>
+              <a:rPr lang="ru-RU" dirty="0" smtClean="0"/>
+              <a:t> </a:t>
+            </a:r>
+            <a:r>
+              <a:rPr lang="ru-RU" dirty="0" err="1" smtClean="0"/>
+              <a:t>рішення</a:t>
+            </a:r>
+            <a:r>
+              <a:rPr lang="ru-RU" dirty="0" smtClean="0"/>
+              <a:t>, </a:t>
+            </a:r>
+            <a:r>
+              <a:rPr lang="ru-RU" dirty="0" err="1" smtClean="0"/>
+              <a:t>хоча</a:t>
+            </a:r>
+            <a:r>
+              <a:rPr lang="ru-RU" dirty="0" smtClean="0"/>
+              <a:t> й </a:t>
+            </a:r>
+            <a:r>
+              <a:rPr lang="ru-RU" dirty="0" err="1" smtClean="0"/>
+              <a:t>потужні</a:t>
+            </a:r>
+            <a:r>
+              <a:rPr lang="ru-RU" dirty="0" smtClean="0"/>
+              <a:t>, не </a:t>
+            </a:r>
+            <a:r>
+              <a:rPr lang="ru-RU" dirty="0" err="1" smtClean="0"/>
+              <a:t>призначені</a:t>
+            </a:r>
+            <a:r>
+              <a:rPr lang="ru-RU" dirty="0" smtClean="0"/>
+              <a:t> для </a:t>
+            </a:r>
+            <a:r>
+              <a:rPr lang="ru-RU" dirty="0" err="1" smtClean="0"/>
+              <a:t>швидкої</a:t>
+            </a:r>
+            <a:r>
+              <a:rPr lang="ru-RU" dirty="0" smtClean="0"/>
+              <a:t> </a:t>
+            </a:r>
+            <a:r>
+              <a:rPr lang="ru-RU" dirty="0" err="1" smtClean="0"/>
+              <a:t>інтеграції</a:t>
+            </a:r>
+            <a:r>
+              <a:rPr lang="ru-RU" dirty="0" smtClean="0"/>
+              <a:t> </a:t>
+            </a:r>
+            <a:r>
+              <a:rPr lang="ru-RU" dirty="0" err="1" smtClean="0"/>
+              <a:t>або</a:t>
+            </a:r>
+            <a:r>
+              <a:rPr lang="ru-RU" dirty="0" smtClean="0"/>
+              <a:t> </a:t>
+            </a:r>
+            <a:r>
+              <a:rPr lang="ru-RU" dirty="0" err="1" smtClean="0"/>
+              <a:t>гнучкого</a:t>
+            </a:r>
+            <a:r>
+              <a:rPr lang="ru-RU" dirty="0" smtClean="0"/>
+              <a:t> </a:t>
+            </a:r>
+            <a:r>
+              <a:rPr lang="ru-RU" dirty="0" err="1" smtClean="0"/>
+              <a:t>дослідження</a:t>
+            </a:r>
+            <a:r>
+              <a:rPr lang="ru-RU" dirty="0" smtClean="0"/>
+              <a:t> </a:t>
+            </a:r>
+            <a:r>
+              <a:rPr lang="ru-RU" dirty="0" err="1" smtClean="0"/>
+              <a:t>алгоритмів</a:t>
+            </a:r>
+            <a:r>
+              <a:rPr lang="ru-RU" dirty="0" smtClean="0"/>
+              <a:t> у </a:t>
+            </a:r>
+            <a:r>
+              <a:rPr lang="ru-RU" dirty="0" err="1" smtClean="0"/>
+              <a:t>реальних</a:t>
+            </a:r>
+            <a:r>
+              <a:rPr lang="ru-RU" dirty="0" smtClean="0"/>
+              <a:t> </a:t>
+            </a:r>
+            <a:r>
+              <a:rPr lang="ru-RU" dirty="0" err="1" smtClean="0"/>
+              <a:t>умовах</a:t>
+            </a:r>
+            <a:r>
+              <a:rPr lang="ru-RU" dirty="0" smtClean="0"/>
+              <a:t>.</a:t>
+            </a:r>
+          </a:p>
+          <a:p>
+            <a:pPr marL="0" lvl="0" indent="0" algn="l" rtl="0">
+              <a:spcBef>
+                <a:spcPts val="0"/>
+              </a:spcBef>
+              <a:spcAft>
+                <a:spcPts val="0"/>
+              </a:spcAft>
+              <a:buNone/>
+            </a:pPr>
+            <a:r>
+              <a:rPr lang="ru-RU" dirty="0" smtClean="0"/>
+              <a:t>Тому </a:t>
+            </a:r>
+            <a:r>
+              <a:rPr lang="ru-RU" dirty="0" err="1" smtClean="0"/>
+              <a:t>основна</a:t>
+            </a:r>
+            <a:r>
+              <a:rPr lang="ru-RU" dirty="0" smtClean="0"/>
+              <a:t> мета </a:t>
+            </a:r>
+            <a:r>
+              <a:rPr lang="ru-RU" dirty="0" err="1" smtClean="0"/>
+              <a:t>полягала</a:t>
+            </a:r>
+            <a:r>
+              <a:rPr lang="ru-RU" dirty="0" smtClean="0"/>
+              <a:t> не </a:t>
+            </a:r>
+            <a:r>
+              <a:rPr lang="ru-RU" dirty="0" err="1" smtClean="0"/>
+              <a:t>лише</a:t>
+            </a:r>
+            <a:r>
+              <a:rPr lang="ru-RU" dirty="0" smtClean="0"/>
+              <a:t> в </a:t>
+            </a:r>
+            <a:r>
+              <a:rPr lang="ru-RU" dirty="0" err="1" smtClean="0"/>
+              <a:t>реалізації</a:t>
+            </a:r>
+            <a:r>
+              <a:rPr lang="ru-RU" dirty="0" smtClean="0"/>
+              <a:t> готового </a:t>
+            </a:r>
+            <a:r>
+              <a:rPr lang="ru-RU" dirty="0" err="1" smtClean="0"/>
+              <a:t>балансувальника</a:t>
+            </a:r>
+            <a:r>
+              <a:rPr lang="ru-RU" dirty="0" smtClean="0"/>
+              <a:t>, а й у </a:t>
+            </a:r>
+            <a:r>
+              <a:rPr lang="ru-RU" dirty="0" err="1" smtClean="0"/>
+              <a:t>створенні</a:t>
+            </a:r>
+            <a:r>
+              <a:rPr lang="ru-RU" dirty="0" smtClean="0"/>
+              <a:t> </a:t>
+            </a:r>
+            <a:r>
+              <a:rPr lang="ru-RU" dirty="0" err="1" smtClean="0"/>
+              <a:t>платформи</a:t>
+            </a:r>
+            <a:r>
+              <a:rPr lang="ru-RU" dirty="0" smtClean="0"/>
+              <a:t> для </a:t>
+            </a:r>
+            <a:r>
+              <a:rPr lang="ru-RU" dirty="0" err="1" smtClean="0"/>
+              <a:t>дослідження</a:t>
+            </a:r>
+            <a:r>
+              <a:rPr lang="ru-RU" dirty="0" smtClean="0"/>
+              <a:t> — </a:t>
+            </a:r>
+            <a:r>
+              <a:rPr lang="ru-RU" dirty="0" err="1" smtClean="0"/>
+              <a:t>тобто</a:t>
+            </a:r>
+            <a:r>
+              <a:rPr lang="ru-RU" dirty="0" smtClean="0"/>
+              <a:t> </a:t>
+            </a:r>
+            <a:r>
+              <a:rPr lang="ru-RU" dirty="0" err="1" smtClean="0"/>
+              <a:t>інструменту</a:t>
+            </a:r>
+            <a:r>
+              <a:rPr lang="ru-RU" dirty="0" smtClean="0"/>
+              <a:t>, з </a:t>
+            </a:r>
+            <a:r>
+              <a:rPr lang="ru-RU" dirty="0" err="1" smtClean="0"/>
+              <a:t>яким</a:t>
+            </a:r>
+            <a:r>
+              <a:rPr lang="ru-RU" dirty="0" smtClean="0"/>
+              <a:t> </a:t>
+            </a:r>
+            <a:r>
+              <a:rPr lang="ru-RU" dirty="0" err="1" smtClean="0"/>
+              <a:t>можна</a:t>
+            </a:r>
+            <a:r>
+              <a:rPr lang="ru-RU" dirty="0" smtClean="0"/>
+              <a:t> </a:t>
+            </a:r>
+            <a:r>
+              <a:rPr lang="ru-RU" dirty="0" err="1" smtClean="0"/>
+              <a:t>експериментувати</a:t>
+            </a:r>
+            <a:r>
+              <a:rPr lang="ru-RU" dirty="0" smtClean="0"/>
+              <a:t>, </a:t>
+            </a:r>
+            <a:r>
+              <a:rPr lang="ru-RU" dirty="0" err="1" smtClean="0"/>
+              <a:t>переключатися</a:t>
+            </a:r>
+            <a:r>
+              <a:rPr lang="ru-RU" dirty="0" smtClean="0"/>
+              <a:t> </a:t>
+            </a:r>
+            <a:r>
+              <a:rPr lang="ru-RU" dirty="0" err="1" smtClean="0"/>
+              <a:t>між</a:t>
+            </a:r>
+            <a:r>
+              <a:rPr lang="ru-RU" dirty="0" smtClean="0"/>
+              <a:t> </a:t>
+            </a:r>
+            <a:r>
+              <a:rPr lang="ru-RU" dirty="0" err="1" smtClean="0"/>
+              <a:t>підходами</a:t>
+            </a:r>
+            <a:r>
+              <a:rPr lang="ru-RU" dirty="0" smtClean="0"/>
+              <a:t> та </a:t>
+            </a:r>
+            <a:r>
+              <a:rPr lang="ru-RU" dirty="0" err="1" smtClean="0"/>
+              <a:t>спостерігати</a:t>
+            </a:r>
+            <a:r>
+              <a:rPr lang="ru-RU" dirty="0" smtClean="0"/>
+              <a:t>, як </a:t>
+            </a:r>
+            <a:r>
+              <a:rPr lang="ru-RU" dirty="0" err="1" smtClean="0"/>
+              <a:t>змінюється</a:t>
+            </a:r>
+            <a:r>
+              <a:rPr lang="ru-RU" dirty="0" smtClean="0"/>
+              <a:t> </a:t>
+            </a:r>
+            <a:r>
+              <a:rPr lang="ru-RU" dirty="0" err="1" smtClean="0"/>
+              <a:t>поведінка</a:t>
+            </a:r>
+            <a:r>
+              <a:rPr lang="ru-RU" dirty="0" smtClean="0"/>
+              <a:t> </a:t>
+            </a:r>
+            <a:r>
+              <a:rPr lang="ru-RU" dirty="0" err="1" smtClean="0"/>
+              <a:t>системи</a:t>
+            </a:r>
+            <a:r>
+              <a:rPr lang="ru-RU" dirty="0" smtClean="0"/>
+              <a:t>. </a:t>
+            </a:r>
+            <a:r>
+              <a:rPr lang="ru-RU" dirty="0" err="1" smtClean="0"/>
+              <a:t>Окрему</a:t>
+            </a:r>
+            <a:r>
+              <a:rPr lang="ru-RU" dirty="0" smtClean="0"/>
+              <a:t> </a:t>
+            </a:r>
+            <a:r>
+              <a:rPr lang="ru-RU" dirty="0" err="1" smtClean="0"/>
+              <a:t>увагу</a:t>
+            </a:r>
+            <a:r>
+              <a:rPr lang="ru-RU" dirty="0" smtClean="0"/>
+              <a:t> </a:t>
+            </a:r>
+            <a:r>
+              <a:rPr lang="ru-RU" dirty="0" err="1" smtClean="0"/>
+              <a:t>приділено</a:t>
+            </a:r>
+            <a:r>
+              <a:rPr lang="ru-RU" dirty="0" smtClean="0"/>
+              <a:t> </a:t>
+            </a:r>
+            <a:r>
+              <a:rPr lang="ru-RU" dirty="0" err="1" smtClean="0"/>
+              <a:t>адаптивності</a:t>
+            </a:r>
+            <a:r>
+              <a:rPr lang="ru-RU" dirty="0" smtClean="0"/>
+              <a:t> — система повинна </a:t>
+            </a:r>
+            <a:r>
+              <a:rPr lang="ru-RU" dirty="0" err="1" smtClean="0"/>
+              <a:t>реагувати</a:t>
+            </a:r>
+            <a:r>
+              <a:rPr lang="ru-RU" dirty="0" smtClean="0"/>
+              <a:t> на </a:t>
+            </a:r>
+            <a:r>
+              <a:rPr lang="ru-RU" dirty="0" err="1" smtClean="0"/>
+              <a:t>зміни</a:t>
+            </a:r>
+            <a:r>
+              <a:rPr lang="ru-RU" dirty="0" smtClean="0"/>
+              <a:t> </a:t>
+            </a:r>
+            <a:r>
+              <a:rPr lang="ru-RU" dirty="0" err="1" smtClean="0"/>
+              <a:t>навантаження</a:t>
+            </a:r>
+            <a:r>
+              <a:rPr lang="ru-RU" dirty="0" smtClean="0"/>
+              <a:t> в </a:t>
+            </a:r>
+            <a:r>
+              <a:rPr lang="ru-RU" dirty="0" err="1" smtClean="0"/>
+              <a:t>режимі</a:t>
+            </a:r>
+            <a:r>
+              <a:rPr lang="ru-RU" dirty="0" smtClean="0"/>
+              <a:t> реального часу та автоматично </a:t>
+            </a:r>
+            <a:r>
+              <a:rPr lang="ru-RU" dirty="0" err="1" smtClean="0"/>
+              <a:t>коригувати</a:t>
+            </a:r>
+            <a:r>
+              <a:rPr lang="ru-RU" dirty="0" smtClean="0"/>
+              <a:t> </a:t>
+            </a:r>
+            <a:r>
+              <a:rPr lang="ru-RU" dirty="0" err="1" smtClean="0"/>
+              <a:t>свої</a:t>
+            </a:r>
+            <a:r>
+              <a:rPr lang="ru-RU" dirty="0" smtClean="0"/>
+              <a:t> </a:t>
+            </a:r>
+            <a:r>
+              <a:rPr lang="ru-RU" dirty="0" err="1" smtClean="0"/>
+              <a:t>рішення</a:t>
+            </a:r>
+            <a:r>
+              <a:rPr lang="ru-RU" dirty="0" smtClean="0"/>
+              <a:t>.</a:t>
+            </a:r>
+            <a:endParaRPr dirty="0"/>
           </a:p>
         </p:txBody>
       </p:sp>
@@ -2039,7 +7277,382 @@
               </a:spcAft>
               <a:buNone/>
             </a:pPr>
-            <a:endParaRPr/>
+            <a:r>
+              <a:rPr lang="ru-RU" dirty="0" smtClean="0"/>
+              <a:t>У </a:t>
+            </a:r>
+            <a:r>
+              <a:rPr lang="ru-RU" dirty="0" err="1" smtClean="0"/>
+              <a:t>процесі</a:t>
+            </a:r>
+            <a:r>
+              <a:rPr lang="ru-RU" dirty="0" smtClean="0"/>
+              <a:t> </a:t>
+            </a:r>
+            <a:r>
+              <a:rPr lang="ru-RU" dirty="0" err="1" smtClean="0"/>
+              <a:t>дослідження</a:t>
+            </a:r>
+            <a:r>
+              <a:rPr lang="ru-RU" dirty="0" smtClean="0"/>
+              <a:t> </a:t>
+            </a:r>
+            <a:r>
+              <a:rPr lang="ru-RU" dirty="0" err="1" smtClean="0"/>
+              <a:t>було</a:t>
+            </a:r>
+            <a:r>
+              <a:rPr lang="ru-RU" dirty="0" smtClean="0"/>
+              <a:t> </a:t>
+            </a:r>
+            <a:r>
+              <a:rPr lang="ru-RU" dirty="0" err="1" smtClean="0"/>
+              <a:t>застосовано</a:t>
+            </a:r>
+            <a:r>
+              <a:rPr lang="ru-RU" dirty="0" smtClean="0"/>
+              <a:t> </a:t>
+            </a:r>
+            <a:r>
+              <a:rPr lang="ru-RU" dirty="0" err="1" smtClean="0"/>
+              <a:t>декілька</a:t>
+            </a:r>
+            <a:r>
+              <a:rPr lang="ru-RU" dirty="0" smtClean="0"/>
+              <a:t> </a:t>
+            </a:r>
+            <a:r>
+              <a:rPr lang="ru-RU" dirty="0" err="1" smtClean="0"/>
+              <a:t>взаємопов’язаних</a:t>
+            </a:r>
+            <a:r>
+              <a:rPr lang="ru-RU" dirty="0" smtClean="0"/>
+              <a:t> </a:t>
+            </a:r>
+            <a:r>
+              <a:rPr lang="ru-RU" dirty="0" err="1" smtClean="0"/>
+              <a:t>підходів</a:t>
+            </a:r>
+            <a:r>
+              <a:rPr lang="ru-RU" dirty="0" smtClean="0"/>
+              <a:t>. </a:t>
+            </a:r>
+            <a:r>
+              <a:rPr lang="ru-RU" dirty="0" err="1" smtClean="0"/>
+              <a:t>Насамперед</a:t>
+            </a:r>
+            <a:r>
+              <a:rPr lang="ru-RU" dirty="0" smtClean="0"/>
+              <a:t>, я не </a:t>
+            </a:r>
+            <a:r>
+              <a:rPr lang="ru-RU" dirty="0" err="1" smtClean="0"/>
+              <a:t>обмежувався</a:t>
+            </a:r>
+            <a:r>
+              <a:rPr lang="ru-RU" dirty="0" smtClean="0"/>
+              <a:t> </a:t>
+            </a:r>
+            <a:r>
+              <a:rPr lang="ru-RU" dirty="0" err="1" smtClean="0"/>
+              <a:t>теоретичним</a:t>
+            </a:r>
+            <a:r>
+              <a:rPr lang="ru-RU" dirty="0" smtClean="0"/>
+              <a:t> </a:t>
+            </a:r>
+            <a:r>
+              <a:rPr lang="ru-RU" dirty="0" err="1" smtClean="0"/>
+              <a:t>описом</a:t>
+            </a:r>
+            <a:r>
+              <a:rPr lang="ru-RU" dirty="0" smtClean="0"/>
+              <a:t> </a:t>
+            </a:r>
+            <a:r>
+              <a:rPr lang="ru-RU" dirty="0" err="1" smtClean="0"/>
+              <a:t>алгоритмів</a:t>
+            </a:r>
+            <a:r>
+              <a:rPr lang="ru-RU" dirty="0" smtClean="0"/>
+              <a:t> — </a:t>
+            </a:r>
+            <a:r>
+              <a:rPr lang="ru-RU" dirty="0" err="1" smtClean="0"/>
+              <a:t>кожен</a:t>
+            </a:r>
+            <a:r>
+              <a:rPr lang="ru-RU" dirty="0" smtClean="0"/>
+              <a:t> з них </a:t>
+            </a:r>
+            <a:r>
+              <a:rPr lang="ru-RU" dirty="0" err="1" smtClean="0"/>
+              <a:t>було</a:t>
+            </a:r>
+            <a:r>
+              <a:rPr lang="ru-RU" dirty="0" smtClean="0"/>
+              <a:t> </a:t>
+            </a:r>
+            <a:r>
+              <a:rPr lang="ru-RU" dirty="0" err="1" smtClean="0"/>
+              <a:t>реалізовано</a:t>
+            </a:r>
+            <a:r>
+              <a:rPr lang="ru-RU" dirty="0" smtClean="0"/>
+              <a:t> і протестовано в </a:t>
+            </a:r>
+            <a:r>
+              <a:rPr lang="ru-RU" dirty="0" err="1" smtClean="0"/>
+              <a:t>однакових</a:t>
+            </a:r>
+            <a:r>
+              <a:rPr lang="ru-RU" dirty="0" smtClean="0"/>
+              <a:t> </a:t>
+            </a:r>
+            <a:r>
+              <a:rPr lang="ru-RU" dirty="0" err="1" smtClean="0"/>
+              <a:t>умовах</a:t>
+            </a:r>
+            <a:r>
+              <a:rPr lang="ru-RU" dirty="0" smtClean="0"/>
+              <a:t>.</a:t>
+            </a:r>
+          </a:p>
+          <a:p>
+            <a:pPr marL="0" lvl="0" indent="0" algn="l" rtl="0">
+              <a:spcBef>
+                <a:spcPts val="0"/>
+              </a:spcBef>
+              <a:spcAft>
+                <a:spcPts val="0"/>
+              </a:spcAft>
+              <a:buNone/>
+            </a:pPr>
+            <a:r>
+              <a:rPr lang="ru-RU" dirty="0" smtClean="0"/>
+              <a:t>Для </a:t>
+            </a:r>
+            <a:r>
+              <a:rPr lang="ru-RU" dirty="0" err="1" smtClean="0"/>
+              <a:t>цього</a:t>
+            </a:r>
+            <a:r>
+              <a:rPr lang="ru-RU" dirty="0" smtClean="0"/>
+              <a:t> </a:t>
+            </a:r>
+            <a:r>
+              <a:rPr lang="ru-RU" dirty="0" err="1" smtClean="0"/>
+              <a:t>проводився</a:t>
+            </a:r>
+            <a:r>
+              <a:rPr lang="ru-RU" dirty="0" smtClean="0"/>
+              <a:t> </a:t>
+            </a:r>
+            <a:r>
+              <a:rPr lang="ru-RU" dirty="0" err="1" smtClean="0"/>
+              <a:t>порівняльний</a:t>
+            </a:r>
+            <a:r>
+              <a:rPr lang="ru-RU" dirty="0" smtClean="0"/>
+              <a:t> </a:t>
+            </a:r>
+            <a:r>
+              <a:rPr lang="ru-RU" dirty="0" err="1" smtClean="0"/>
+              <a:t>аналіз</a:t>
+            </a:r>
+            <a:r>
+              <a:rPr lang="ru-RU" dirty="0" smtClean="0"/>
+              <a:t> за </a:t>
+            </a:r>
+            <a:r>
+              <a:rPr lang="ru-RU" dirty="0" err="1" smtClean="0"/>
+              <a:t>ключовими</a:t>
+            </a:r>
+            <a:r>
+              <a:rPr lang="ru-RU" dirty="0" smtClean="0"/>
+              <a:t> метриками, такими як </a:t>
+            </a:r>
+            <a:r>
+              <a:rPr lang="ru-RU" dirty="0" err="1" smtClean="0"/>
+              <a:t>середня</a:t>
+            </a:r>
+            <a:r>
+              <a:rPr lang="ru-RU" dirty="0" smtClean="0"/>
+              <a:t> </a:t>
+            </a:r>
+            <a:r>
+              <a:rPr lang="ru-RU" dirty="0" err="1" smtClean="0"/>
+              <a:t>затримка</a:t>
+            </a:r>
+            <a:r>
+              <a:rPr lang="ru-RU" dirty="0" smtClean="0"/>
+              <a:t> </a:t>
+            </a:r>
+            <a:r>
+              <a:rPr lang="ru-RU" dirty="0" err="1" smtClean="0"/>
+              <a:t>відповіді</a:t>
+            </a:r>
+            <a:r>
+              <a:rPr lang="ru-RU" dirty="0" smtClean="0"/>
+              <a:t>, </a:t>
+            </a:r>
+            <a:r>
+              <a:rPr lang="ru-RU" dirty="0" err="1" smtClean="0"/>
+              <a:t>кількість</a:t>
+            </a:r>
+            <a:r>
+              <a:rPr lang="ru-RU" dirty="0" smtClean="0"/>
+              <a:t> </a:t>
+            </a:r>
+            <a:r>
+              <a:rPr lang="ru-RU" dirty="0" err="1" smtClean="0"/>
+              <a:t>помилок</a:t>
+            </a:r>
+            <a:r>
+              <a:rPr lang="ru-RU" dirty="0" smtClean="0"/>
+              <a:t> і </a:t>
+            </a:r>
+            <a:r>
+              <a:rPr lang="ru-RU" dirty="0" err="1" smtClean="0"/>
+              <a:t>рівномірність</a:t>
+            </a:r>
+            <a:r>
+              <a:rPr lang="ru-RU" dirty="0" smtClean="0"/>
+              <a:t> </a:t>
+            </a:r>
+            <a:r>
+              <a:rPr lang="ru-RU" dirty="0" err="1" smtClean="0"/>
+              <a:t>розподілу</a:t>
+            </a:r>
+            <a:r>
+              <a:rPr lang="ru-RU" dirty="0" smtClean="0"/>
+              <a:t> </a:t>
+            </a:r>
+            <a:r>
+              <a:rPr lang="ru-RU" dirty="0" err="1" smtClean="0"/>
+              <a:t>навантаження</a:t>
+            </a:r>
+            <a:r>
+              <a:rPr lang="ru-RU" dirty="0" smtClean="0"/>
+              <a:t>. </a:t>
+            </a:r>
+            <a:r>
+              <a:rPr lang="ru-RU" dirty="0" err="1" smtClean="0"/>
+              <a:t>Щоб</a:t>
+            </a:r>
+            <a:r>
+              <a:rPr lang="ru-RU" dirty="0" smtClean="0"/>
+              <a:t> </a:t>
+            </a:r>
+            <a:r>
+              <a:rPr lang="ru-RU" dirty="0" err="1" smtClean="0"/>
+              <a:t>зробити</a:t>
+            </a:r>
+            <a:r>
+              <a:rPr lang="ru-RU" dirty="0" smtClean="0"/>
+              <a:t> </a:t>
+            </a:r>
+            <a:r>
+              <a:rPr lang="ru-RU" dirty="0" err="1" smtClean="0"/>
+              <a:t>оцінку</a:t>
+            </a:r>
+            <a:r>
+              <a:rPr lang="ru-RU" dirty="0" smtClean="0"/>
+              <a:t> максимально </a:t>
+            </a:r>
+            <a:r>
+              <a:rPr lang="ru-RU" dirty="0" err="1" smtClean="0"/>
+              <a:t>об’єктивною</a:t>
+            </a:r>
+            <a:r>
+              <a:rPr lang="ru-RU" dirty="0" smtClean="0"/>
+              <a:t>, </a:t>
+            </a:r>
+            <a:r>
+              <a:rPr lang="ru-RU" dirty="0" err="1" smtClean="0"/>
+              <a:t>було</a:t>
+            </a:r>
+            <a:r>
+              <a:rPr lang="ru-RU" dirty="0" smtClean="0"/>
+              <a:t> </a:t>
+            </a:r>
+            <a:r>
+              <a:rPr lang="ru-RU" dirty="0" err="1" smtClean="0"/>
+              <a:t>використане</a:t>
+            </a:r>
+            <a:r>
+              <a:rPr lang="ru-RU" dirty="0" smtClean="0"/>
+              <a:t> </a:t>
+            </a:r>
+            <a:r>
+              <a:rPr lang="ru-RU" dirty="0" err="1" smtClean="0"/>
+              <a:t>емпіричне</a:t>
+            </a:r>
+            <a:r>
+              <a:rPr lang="ru-RU" dirty="0" smtClean="0"/>
+              <a:t> </a:t>
+            </a:r>
+            <a:r>
+              <a:rPr lang="ru-RU" dirty="0" err="1" smtClean="0"/>
+              <a:t>тестування</a:t>
+            </a:r>
+            <a:r>
+              <a:rPr lang="ru-RU" dirty="0" smtClean="0"/>
+              <a:t> — </a:t>
+            </a:r>
+            <a:r>
+              <a:rPr lang="ru-RU" dirty="0" err="1" smtClean="0"/>
+              <a:t>тобто</a:t>
+            </a:r>
+            <a:r>
+              <a:rPr lang="ru-RU" dirty="0" smtClean="0"/>
+              <a:t> </a:t>
+            </a:r>
+            <a:r>
+              <a:rPr lang="ru-RU" dirty="0" err="1" smtClean="0"/>
+              <a:t>створювалось</a:t>
+            </a:r>
+            <a:r>
+              <a:rPr lang="ru-RU" dirty="0" smtClean="0"/>
+              <a:t> </a:t>
+            </a:r>
+            <a:r>
+              <a:rPr lang="ru-RU" dirty="0" err="1" smtClean="0"/>
+              <a:t>реальне</a:t>
+            </a:r>
+            <a:r>
+              <a:rPr lang="ru-RU" dirty="0" smtClean="0"/>
+              <a:t> </a:t>
+            </a:r>
+            <a:r>
+              <a:rPr lang="ru-RU" dirty="0" err="1" smtClean="0"/>
+              <a:t>навантаження</a:t>
+            </a:r>
+            <a:r>
+              <a:rPr lang="ru-RU" dirty="0" smtClean="0"/>
+              <a:t> за </a:t>
+            </a:r>
+            <a:r>
+              <a:rPr lang="ru-RU" dirty="0" err="1" smtClean="0"/>
+              <a:t>допомогою</a:t>
+            </a:r>
+            <a:r>
+              <a:rPr lang="ru-RU" dirty="0" smtClean="0"/>
+              <a:t> </a:t>
+            </a:r>
+            <a:r>
+              <a:rPr lang="ru-RU" dirty="0" err="1" smtClean="0"/>
+              <a:t>інструмента</a:t>
+            </a:r>
+            <a:r>
+              <a:rPr lang="ru-RU" dirty="0" smtClean="0"/>
+              <a:t> </a:t>
+            </a:r>
+            <a:r>
+              <a:rPr lang="en-GB" dirty="0" smtClean="0"/>
+              <a:t>k6.</a:t>
+            </a:r>
+            <a:endParaRPr dirty="0"/>
           </a:p>
         </p:txBody>
       </p:sp>
@@ -2148,7 +7761,660 @@
               </a:spcAft>
               <a:buNone/>
             </a:pPr>
-            <a:endParaRPr/>
+            <a:r>
+              <a:rPr lang="ru-RU" dirty="0" smtClean="0"/>
+              <a:t>У межах </a:t>
+            </a:r>
+            <a:r>
+              <a:rPr lang="ru-RU" dirty="0" err="1" smtClean="0"/>
+              <a:t>дослідження</a:t>
+            </a:r>
+            <a:r>
+              <a:rPr lang="ru-RU" dirty="0" smtClean="0"/>
+              <a:t> </a:t>
+            </a:r>
+            <a:r>
+              <a:rPr lang="ru-RU" dirty="0" err="1" smtClean="0"/>
+              <a:t>було</a:t>
+            </a:r>
+            <a:r>
+              <a:rPr lang="ru-RU" dirty="0" smtClean="0"/>
+              <a:t> </a:t>
+            </a:r>
+            <a:r>
+              <a:rPr lang="ru-RU" dirty="0" err="1" smtClean="0"/>
+              <a:t>реалізовано</a:t>
+            </a:r>
+            <a:r>
+              <a:rPr lang="ru-RU" dirty="0" smtClean="0"/>
+              <a:t> та протестовано </a:t>
+            </a:r>
+            <a:r>
+              <a:rPr lang="ru-RU" dirty="0" err="1" smtClean="0"/>
+              <a:t>чотири</a:t>
+            </a:r>
+            <a:r>
+              <a:rPr lang="ru-RU" dirty="0" smtClean="0"/>
+              <a:t> </a:t>
+            </a:r>
+            <a:r>
+              <a:rPr lang="ru-RU" dirty="0" err="1" smtClean="0"/>
+              <a:t>основні</a:t>
+            </a:r>
+            <a:r>
+              <a:rPr lang="ru-RU" dirty="0" smtClean="0"/>
+              <a:t> </a:t>
+            </a:r>
+            <a:r>
+              <a:rPr lang="ru-RU" dirty="0" err="1" smtClean="0"/>
+              <a:t>алгоритми</a:t>
+            </a:r>
+            <a:r>
+              <a:rPr lang="ru-RU" dirty="0" smtClean="0"/>
+              <a:t>, </a:t>
+            </a:r>
+            <a:r>
+              <a:rPr lang="ru-RU" dirty="0" err="1" smtClean="0"/>
+              <a:t>які</a:t>
+            </a:r>
+            <a:r>
+              <a:rPr lang="ru-RU" dirty="0" smtClean="0"/>
+              <a:t> </a:t>
+            </a:r>
+            <a:r>
+              <a:rPr lang="ru-RU" dirty="0" err="1" smtClean="0"/>
+              <a:t>охоплюють</a:t>
+            </a:r>
+            <a:r>
+              <a:rPr lang="ru-RU" dirty="0" smtClean="0"/>
+              <a:t> як </a:t>
+            </a:r>
+            <a:r>
+              <a:rPr lang="ru-RU" dirty="0" err="1" smtClean="0"/>
+              <a:t>базові</a:t>
+            </a:r>
+            <a:r>
+              <a:rPr lang="ru-RU" dirty="0" smtClean="0"/>
+              <a:t>, так і </a:t>
+            </a:r>
+            <a:r>
+              <a:rPr lang="ru-RU" dirty="0" err="1" smtClean="0"/>
+              <a:t>адаптивні</a:t>
+            </a:r>
+            <a:r>
+              <a:rPr lang="ru-RU" dirty="0" smtClean="0"/>
+              <a:t> </a:t>
+            </a:r>
+            <a:r>
+              <a:rPr lang="ru-RU" dirty="0" err="1" smtClean="0"/>
+              <a:t>підходи</a:t>
+            </a:r>
+            <a:r>
+              <a:rPr lang="ru-RU" dirty="0" smtClean="0"/>
+              <a:t> до </a:t>
+            </a:r>
+            <a:r>
+              <a:rPr lang="ru-RU" dirty="0" err="1" smtClean="0"/>
+              <a:t>балансування</a:t>
+            </a:r>
+            <a:r>
+              <a:rPr lang="ru-RU" dirty="0" smtClean="0"/>
+              <a:t>. </a:t>
+            </a:r>
+            <a:r>
+              <a:rPr lang="ru-RU" dirty="0" err="1" smtClean="0"/>
+              <a:t>Перші</a:t>
+            </a:r>
+            <a:r>
+              <a:rPr lang="ru-RU" dirty="0" smtClean="0"/>
+              <a:t> два — </a:t>
+            </a:r>
+            <a:r>
+              <a:rPr lang="ru-RU" dirty="0" err="1" smtClean="0"/>
+              <a:t>це</a:t>
+            </a:r>
+            <a:r>
+              <a:rPr lang="ru-RU" dirty="0" smtClean="0"/>
+              <a:t> </a:t>
+            </a:r>
+            <a:r>
+              <a:rPr lang="ru-RU" dirty="0" err="1" smtClean="0"/>
+              <a:t>класичні</a:t>
+            </a:r>
+            <a:r>
+              <a:rPr lang="ru-RU" dirty="0" smtClean="0"/>
+              <a:t> </a:t>
+            </a:r>
+            <a:r>
+              <a:rPr lang="ru-RU" dirty="0" err="1" smtClean="0"/>
+              <a:t>методи</a:t>
+            </a:r>
+            <a:r>
+              <a:rPr lang="ru-RU" dirty="0" smtClean="0"/>
+              <a:t>, </a:t>
+            </a:r>
+            <a:r>
+              <a:rPr lang="ru-RU" dirty="0" err="1" smtClean="0"/>
+              <a:t>які</a:t>
+            </a:r>
+            <a:r>
+              <a:rPr lang="ru-RU" dirty="0" smtClean="0"/>
+              <a:t> не </a:t>
+            </a:r>
+            <a:r>
+              <a:rPr lang="ru-RU" dirty="0" err="1" smtClean="0"/>
+              <a:t>враховують</a:t>
+            </a:r>
+            <a:r>
+              <a:rPr lang="ru-RU" dirty="0" smtClean="0"/>
+              <a:t> </a:t>
+            </a:r>
+            <a:r>
+              <a:rPr lang="ru-RU" dirty="0" err="1" smtClean="0"/>
+              <a:t>поточний</a:t>
+            </a:r>
+            <a:r>
+              <a:rPr lang="ru-RU" dirty="0" smtClean="0"/>
+              <a:t> стан </a:t>
+            </a:r>
+            <a:r>
+              <a:rPr lang="ru-RU" dirty="0" err="1" smtClean="0"/>
+              <a:t>серверів</a:t>
+            </a:r>
+            <a:r>
+              <a:rPr lang="ru-RU" dirty="0" smtClean="0"/>
+              <a:t>: вони добре </a:t>
+            </a:r>
+            <a:r>
+              <a:rPr lang="ru-RU" dirty="0" err="1" smtClean="0"/>
+              <a:t>працюють</a:t>
+            </a:r>
+            <a:r>
+              <a:rPr lang="ru-RU" dirty="0" smtClean="0"/>
+              <a:t> у </a:t>
+            </a:r>
+            <a:r>
+              <a:rPr lang="ru-RU" dirty="0" err="1" smtClean="0"/>
+              <a:t>стабільному</a:t>
+            </a:r>
+            <a:r>
+              <a:rPr lang="ru-RU" dirty="0" smtClean="0"/>
+              <a:t> </a:t>
+            </a:r>
+            <a:r>
+              <a:rPr lang="ru-RU" dirty="0" err="1" smtClean="0"/>
+              <a:t>середовищі</a:t>
+            </a:r>
+            <a:r>
+              <a:rPr lang="ru-RU" dirty="0" smtClean="0"/>
+              <a:t>, але не </a:t>
+            </a:r>
+            <a:r>
+              <a:rPr lang="ru-RU" dirty="0" err="1" smtClean="0"/>
+              <a:t>здатні</a:t>
+            </a:r>
+            <a:r>
+              <a:rPr lang="ru-RU" dirty="0" smtClean="0"/>
+              <a:t> </a:t>
+            </a:r>
+            <a:r>
+              <a:rPr lang="ru-RU" dirty="0" err="1" smtClean="0"/>
+              <a:t>ефективно</a:t>
+            </a:r>
+            <a:r>
+              <a:rPr lang="ru-RU" dirty="0" smtClean="0"/>
+              <a:t> </a:t>
+            </a:r>
+            <a:r>
+              <a:rPr lang="ru-RU" dirty="0" err="1" smtClean="0"/>
+              <a:t>реагувати</a:t>
+            </a:r>
+            <a:r>
+              <a:rPr lang="ru-RU" dirty="0" smtClean="0"/>
+              <a:t> на </a:t>
+            </a:r>
+            <a:r>
+              <a:rPr lang="ru-RU" dirty="0" err="1" smtClean="0"/>
+              <a:t>зміну</a:t>
+            </a:r>
+            <a:r>
+              <a:rPr lang="ru-RU" dirty="0" smtClean="0"/>
+              <a:t> </a:t>
+            </a:r>
+            <a:r>
+              <a:rPr lang="ru-RU" dirty="0" err="1" smtClean="0"/>
+              <a:t>навантаження</a:t>
+            </a:r>
+            <a:r>
+              <a:rPr lang="ru-RU" dirty="0" smtClean="0"/>
+              <a:t>.</a:t>
+            </a:r>
+          </a:p>
+          <a:p>
+            <a:pPr marL="0" lvl="0" indent="0" algn="l" rtl="0">
+              <a:spcBef>
+                <a:spcPts val="0"/>
+              </a:spcBef>
+              <a:spcAft>
+                <a:spcPts val="0"/>
+              </a:spcAft>
+              <a:buNone/>
+            </a:pPr>
+            <a:r>
+              <a:rPr lang="en-GB" dirty="0" smtClean="0"/>
+              <a:t>Least Connections — </a:t>
+            </a:r>
+            <a:r>
+              <a:rPr lang="ru-RU" dirty="0" smtClean="0"/>
+              <a:t>уже </a:t>
+            </a:r>
+            <a:r>
+              <a:rPr lang="ru-RU" dirty="0" err="1" smtClean="0"/>
+              <a:t>динамічний</a:t>
+            </a:r>
+            <a:r>
+              <a:rPr lang="ru-RU" dirty="0" smtClean="0"/>
+              <a:t> </a:t>
+            </a:r>
+            <a:r>
+              <a:rPr lang="ru-RU" dirty="0" err="1" smtClean="0"/>
+              <a:t>варіант</a:t>
+            </a:r>
+            <a:r>
+              <a:rPr lang="ru-RU" dirty="0" smtClean="0"/>
+              <a:t>, </a:t>
+            </a:r>
+            <a:r>
+              <a:rPr lang="ru-RU" dirty="0" err="1" smtClean="0"/>
+              <a:t>який</a:t>
+            </a:r>
+            <a:r>
+              <a:rPr lang="ru-RU" dirty="0" smtClean="0"/>
+              <a:t> </a:t>
+            </a:r>
+            <a:r>
+              <a:rPr lang="ru-RU" dirty="0" err="1" smtClean="0"/>
+              <a:t>оцінює</a:t>
+            </a:r>
+            <a:r>
+              <a:rPr lang="ru-RU" dirty="0" smtClean="0"/>
+              <a:t> </a:t>
+            </a:r>
+            <a:r>
+              <a:rPr lang="ru-RU" dirty="0" err="1" smtClean="0"/>
+              <a:t>кількість</a:t>
+            </a:r>
+            <a:r>
+              <a:rPr lang="ru-RU" dirty="0" smtClean="0"/>
+              <a:t> </a:t>
+            </a:r>
+            <a:r>
+              <a:rPr lang="ru-RU" dirty="0" err="1" smtClean="0"/>
+              <a:t>активних</a:t>
+            </a:r>
+            <a:r>
+              <a:rPr lang="ru-RU" dirty="0" smtClean="0"/>
+              <a:t> </a:t>
+            </a:r>
+            <a:r>
+              <a:rPr lang="ru-RU" dirty="0" err="1" smtClean="0"/>
+              <a:t>з’єднань</a:t>
+            </a:r>
+            <a:r>
+              <a:rPr lang="ru-RU" dirty="0" smtClean="0"/>
+              <a:t>, але все </a:t>
+            </a:r>
+            <a:r>
+              <a:rPr lang="ru-RU" dirty="0" err="1" smtClean="0"/>
+              <a:t>ще</a:t>
+            </a:r>
+            <a:r>
+              <a:rPr lang="ru-RU" dirty="0" smtClean="0"/>
+              <a:t> не </a:t>
+            </a:r>
+            <a:r>
+              <a:rPr lang="ru-RU" dirty="0" err="1" smtClean="0"/>
+              <a:t>враховує</a:t>
+            </a:r>
+            <a:r>
+              <a:rPr lang="ru-RU" dirty="0" smtClean="0"/>
+              <a:t> </a:t>
+            </a:r>
+            <a:r>
+              <a:rPr lang="ru-RU" dirty="0" err="1" smtClean="0"/>
+              <a:t>глибші</a:t>
+            </a:r>
+            <a:r>
+              <a:rPr lang="ru-RU" dirty="0" smtClean="0"/>
+              <a:t> метрики, </a:t>
+            </a:r>
+            <a:r>
+              <a:rPr lang="ru-RU" dirty="0" err="1" smtClean="0"/>
+              <a:t>такі</a:t>
+            </a:r>
+            <a:r>
+              <a:rPr lang="ru-RU" dirty="0" smtClean="0"/>
+              <a:t> як </a:t>
+            </a:r>
+            <a:r>
+              <a:rPr lang="ru-RU" dirty="0" err="1" smtClean="0"/>
+              <a:t>завантаження</a:t>
+            </a:r>
+            <a:r>
+              <a:rPr lang="ru-RU" dirty="0" smtClean="0"/>
+              <a:t> </a:t>
+            </a:r>
+            <a:r>
+              <a:rPr lang="en-GB" dirty="0" smtClean="0"/>
+              <a:t>CPU </a:t>
+            </a:r>
+            <a:r>
+              <a:rPr lang="ru-RU" dirty="0" err="1" smtClean="0"/>
+              <a:t>або</a:t>
+            </a:r>
+            <a:r>
+              <a:rPr lang="ru-RU" dirty="0" smtClean="0"/>
+              <a:t> </a:t>
+            </a:r>
+            <a:r>
+              <a:rPr lang="ru-RU" dirty="0" err="1" smtClean="0"/>
+              <a:t>швидкість</a:t>
+            </a:r>
+            <a:r>
+              <a:rPr lang="ru-RU" dirty="0" smtClean="0"/>
+              <a:t> </a:t>
+            </a:r>
+            <a:r>
+              <a:rPr lang="ru-RU" dirty="0" err="1" smtClean="0"/>
+              <a:t>обробки</a:t>
+            </a:r>
+            <a:r>
+              <a:rPr lang="ru-RU" dirty="0" smtClean="0"/>
+              <a:t>.</a:t>
+            </a:r>
+          </a:p>
+          <a:p>
+            <a:pPr marL="0" lvl="0" indent="0" algn="l" rtl="0">
+              <a:spcBef>
+                <a:spcPts val="0"/>
+              </a:spcBef>
+              <a:spcAft>
+                <a:spcPts val="0"/>
+              </a:spcAft>
+              <a:buNone/>
+            </a:pPr>
+            <a:r>
+              <a:rPr lang="ru-RU" dirty="0" err="1" smtClean="0"/>
+              <a:t>Найбільший</a:t>
+            </a:r>
+            <a:r>
+              <a:rPr lang="ru-RU" dirty="0" smtClean="0"/>
+              <a:t> </a:t>
+            </a:r>
+            <a:r>
+              <a:rPr lang="ru-RU" dirty="0" err="1" smtClean="0"/>
+              <a:t>інтерес</a:t>
+            </a:r>
+            <a:r>
+              <a:rPr lang="ru-RU" dirty="0" smtClean="0"/>
+              <a:t> у межах </a:t>
+            </a:r>
+            <a:r>
+              <a:rPr lang="ru-RU" dirty="0" err="1" smtClean="0"/>
+              <a:t>дослідження</a:t>
+            </a:r>
+            <a:r>
+              <a:rPr lang="ru-RU" dirty="0" smtClean="0"/>
+              <a:t> </a:t>
+            </a:r>
+            <a:r>
+              <a:rPr lang="ru-RU" dirty="0" err="1" smtClean="0"/>
+              <a:t>викликав</a:t>
+            </a:r>
+            <a:r>
+              <a:rPr lang="ru-RU" dirty="0" smtClean="0"/>
+              <a:t> </a:t>
+            </a:r>
+            <a:r>
+              <a:rPr lang="ru-RU" dirty="0" err="1" smtClean="0"/>
+              <a:t>адаптивний</a:t>
+            </a:r>
+            <a:r>
+              <a:rPr lang="ru-RU" dirty="0" smtClean="0"/>
+              <a:t> алгоритм, </a:t>
+            </a:r>
+            <a:r>
+              <a:rPr lang="ru-RU" dirty="0" err="1" smtClean="0"/>
+              <a:t>який</a:t>
+            </a:r>
+            <a:r>
+              <a:rPr lang="ru-RU" dirty="0" smtClean="0"/>
+              <a:t> </a:t>
+            </a:r>
+            <a:r>
+              <a:rPr lang="ru-RU" dirty="0" err="1" smtClean="0"/>
+              <a:t>базується</a:t>
+            </a:r>
+            <a:r>
+              <a:rPr lang="ru-RU" dirty="0" smtClean="0"/>
+              <a:t> на </a:t>
+            </a:r>
+            <a:r>
+              <a:rPr lang="ru-RU" dirty="0" err="1" smtClean="0"/>
+              <a:t>аналізі</a:t>
+            </a:r>
+            <a:r>
+              <a:rPr lang="ru-RU" dirty="0" smtClean="0"/>
+              <a:t> реального стану кожного сервера. </a:t>
+            </a:r>
+            <a:r>
+              <a:rPr lang="ru-RU" dirty="0" err="1" smtClean="0"/>
+              <a:t>Він</a:t>
+            </a:r>
+            <a:r>
+              <a:rPr lang="ru-RU" dirty="0" smtClean="0"/>
+              <a:t> </a:t>
+            </a:r>
+            <a:r>
+              <a:rPr lang="ru-RU" dirty="0" err="1" smtClean="0"/>
+              <a:t>обробляє</a:t>
+            </a:r>
+            <a:r>
+              <a:rPr lang="ru-RU" dirty="0" smtClean="0"/>
+              <a:t> метрики в реальному </a:t>
+            </a:r>
+            <a:r>
+              <a:rPr lang="ru-RU" dirty="0" err="1" smtClean="0"/>
+              <a:t>часі</a:t>
+            </a:r>
+            <a:r>
+              <a:rPr lang="ru-RU" dirty="0" smtClean="0"/>
+              <a:t> й </a:t>
+            </a:r>
+            <a:r>
+              <a:rPr lang="ru-RU" dirty="0" err="1" smtClean="0"/>
+              <a:t>приймає</a:t>
+            </a:r>
+            <a:r>
+              <a:rPr lang="ru-RU" dirty="0" smtClean="0"/>
+              <a:t> </a:t>
+            </a:r>
+            <a:r>
+              <a:rPr lang="ru-RU" dirty="0" err="1" smtClean="0"/>
+              <a:t>рішення</a:t>
+            </a:r>
+            <a:r>
+              <a:rPr lang="ru-RU" dirty="0" smtClean="0"/>
+              <a:t>, </a:t>
+            </a:r>
+            <a:r>
+              <a:rPr lang="ru-RU" dirty="0" err="1" smtClean="0"/>
+              <a:t>спираючись</a:t>
+            </a:r>
+            <a:r>
+              <a:rPr lang="ru-RU" dirty="0" smtClean="0"/>
+              <a:t> на </a:t>
+            </a:r>
+            <a:r>
+              <a:rPr lang="ru-RU" dirty="0" err="1" smtClean="0"/>
+              <a:t>декілька</a:t>
+            </a:r>
+            <a:r>
+              <a:rPr lang="ru-RU" dirty="0" smtClean="0"/>
+              <a:t> </a:t>
+            </a:r>
+            <a:r>
+              <a:rPr lang="ru-RU" dirty="0" err="1" smtClean="0"/>
+              <a:t>параметрів</a:t>
+            </a:r>
+            <a:r>
+              <a:rPr lang="ru-RU" dirty="0" smtClean="0"/>
+              <a:t> </a:t>
+            </a:r>
+            <a:r>
+              <a:rPr lang="ru-RU" dirty="0" err="1" smtClean="0"/>
+              <a:t>одночасно</a:t>
+            </a:r>
+            <a:r>
+              <a:rPr lang="ru-RU" dirty="0" smtClean="0"/>
+              <a:t>. </a:t>
+            </a:r>
+            <a:r>
+              <a:rPr lang="ru-RU" dirty="0" err="1" smtClean="0"/>
+              <a:t>Саме</a:t>
+            </a:r>
+            <a:r>
+              <a:rPr lang="ru-RU" dirty="0" smtClean="0"/>
+              <a:t> </a:t>
+            </a:r>
+            <a:r>
+              <a:rPr lang="ru-RU" dirty="0" err="1" smtClean="0"/>
+              <a:t>це</a:t>
+            </a:r>
+            <a:r>
+              <a:rPr lang="ru-RU" dirty="0" smtClean="0"/>
+              <a:t> </a:t>
+            </a:r>
+            <a:r>
+              <a:rPr lang="ru-RU" dirty="0" err="1" smtClean="0"/>
+              <a:t>забезпечує</a:t>
+            </a:r>
+            <a:r>
+              <a:rPr lang="ru-RU" dirty="0" smtClean="0"/>
+              <a:t> </a:t>
+            </a:r>
+            <a:r>
+              <a:rPr lang="ru-RU" dirty="0" err="1" smtClean="0"/>
+              <a:t>більш</a:t>
+            </a:r>
+            <a:r>
+              <a:rPr lang="ru-RU" dirty="0" smtClean="0"/>
+              <a:t> </a:t>
+            </a:r>
+            <a:r>
+              <a:rPr lang="ru-RU" dirty="0" err="1" smtClean="0"/>
+              <a:t>точне</a:t>
+            </a:r>
+            <a:r>
+              <a:rPr lang="ru-RU" dirty="0" smtClean="0"/>
+              <a:t> та </a:t>
+            </a:r>
+            <a:r>
+              <a:rPr lang="ru-RU" dirty="0" err="1" smtClean="0"/>
+              <a:t>гнучке</a:t>
+            </a:r>
+            <a:r>
+              <a:rPr lang="ru-RU" dirty="0" smtClean="0"/>
+              <a:t> </a:t>
+            </a:r>
+            <a:r>
+              <a:rPr lang="ru-RU" dirty="0" err="1" smtClean="0"/>
+              <a:t>розподілення</a:t>
+            </a:r>
+            <a:r>
+              <a:rPr lang="ru-RU" dirty="0" smtClean="0"/>
+              <a:t> </a:t>
+            </a:r>
+            <a:r>
+              <a:rPr lang="ru-RU" dirty="0" err="1" smtClean="0"/>
+              <a:t>запитів</a:t>
+            </a:r>
+            <a:r>
+              <a:rPr lang="ru-RU" dirty="0" smtClean="0"/>
+              <a:t>.</a:t>
+            </a:r>
+          </a:p>
+          <a:p>
+            <a:pPr marL="0" lvl="0" indent="0" algn="l" rtl="0">
+              <a:spcBef>
+                <a:spcPts val="0"/>
+              </a:spcBef>
+              <a:spcAft>
+                <a:spcPts val="0"/>
+              </a:spcAft>
+              <a:buNone/>
+            </a:pPr>
+            <a:r>
+              <a:rPr lang="ru-RU" dirty="0" smtClean="0"/>
+              <a:t>На рисунку, </a:t>
+            </a:r>
+            <a:r>
+              <a:rPr lang="ru-RU" dirty="0" err="1" smtClean="0"/>
+              <a:t>що</a:t>
+            </a:r>
+            <a:r>
+              <a:rPr lang="ru-RU" dirty="0" smtClean="0"/>
+              <a:t> представлений на </a:t>
+            </a:r>
+            <a:r>
+              <a:rPr lang="ru-RU" dirty="0" err="1" smtClean="0"/>
+              <a:t>слайді</a:t>
+            </a:r>
+            <a:r>
+              <a:rPr lang="ru-RU" dirty="0" smtClean="0"/>
+              <a:t>, </a:t>
+            </a:r>
+            <a:r>
+              <a:rPr lang="ru-RU" dirty="0" err="1" smtClean="0"/>
+              <a:t>візуалізовано</a:t>
+            </a:r>
+            <a:r>
+              <a:rPr lang="ru-RU" dirty="0" smtClean="0"/>
+              <a:t> </a:t>
+            </a:r>
+            <a:r>
+              <a:rPr lang="ru-RU" dirty="0" err="1" smtClean="0"/>
+              <a:t>загальний</a:t>
+            </a:r>
+            <a:r>
+              <a:rPr lang="ru-RU" dirty="0" smtClean="0"/>
+              <a:t> принцип </a:t>
+            </a:r>
+            <a:r>
+              <a:rPr lang="ru-RU" dirty="0" err="1" smtClean="0"/>
+              <a:t>роботи</a:t>
+            </a:r>
+            <a:r>
+              <a:rPr lang="ru-RU" dirty="0" smtClean="0"/>
+              <a:t> </a:t>
+            </a:r>
+            <a:r>
+              <a:rPr lang="ru-RU" dirty="0" err="1" smtClean="0"/>
+              <a:t>цього</a:t>
+            </a:r>
+            <a:r>
+              <a:rPr lang="ru-RU" dirty="0" smtClean="0"/>
+              <a:t> адаптивного </a:t>
+            </a:r>
+            <a:r>
+              <a:rPr lang="ru-RU" dirty="0" err="1" smtClean="0"/>
+              <a:t>підходу</a:t>
+            </a:r>
+            <a:r>
+              <a:rPr lang="ru-RU" dirty="0" smtClean="0"/>
+              <a:t>:</a:t>
+            </a:r>
+            <a:endParaRPr dirty="0"/>
           </a:p>
         </p:txBody>
       </p:sp>
@@ -2257,7 +8523,437 @@
               </a:spcAft>
               <a:buNone/>
             </a:pPr>
-            <a:endParaRPr/>
+            <a:r>
+              <a:rPr lang="ru-RU" dirty="0" err="1" smtClean="0"/>
+              <a:t>Далі</a:t>
+            </a:r>
+            <a:r>
+              <a:rPr lang="ru-RU" dirty="0" smtClean="0"/>
+              <a:t> на </a:t>
+            </a:r>
+            <a:r>
+              <a:rPr lang="ru-RU" dirty="0" err="1" smtClean="0"/>
+              <a:t>слайді</a:t>
+            </a:r>
+            <a:r>
+              <a:rPr lang="ru-RU" dirty="0" smtClean="0"/>
+              <a:t> представлено </a:t>
+            </a:r>
+            <a:r>
+              <a:rPr lang="ru-RU" dirty="0" err="1" smtClean="0"/>
+              <a:t>загальну</a:t>
+            </a:r>
+            <a:r>
+              <a:rPr lang="ru-RU" dirty="0" smtClean="0"/>
+              <a:t> </a:t>
+            </a:r>
+            <a:r>
+              <a:rPr lang="ru-RU" dirty="0" err="1" smtClean="0"/>
+              <a:t>архітектуру</a:t>
+            </a:r>
+            <a:r>
+              <a:rPr lang="ru-RU" dirty="0" smtClean="0"/>
+              <a:t> </a:t>
+            </a:r>
+            <a:r>
+              <a:rPr lang="ru-RU" dirty="0" err="1" smtClean="0"/>
+              <a:t>реалізованої</a:t>
+            </a:r>
+            <a:r>
+              <a:rPr lang="ru-RU" dirty="0" smtClean="0"/>
+              <a:t> </a:t>
+            </a:r>
+            <a:r>
+              <a:rPr lang="ru-RU" dirty="0" err="1" smtClean="0"/>
+              <a:t>системи</a:t>
+            </a:r>
+            <a:r>
+              <a:rPr lang="ru-RU" dirty="0" smtClean="0"/>
+              <a:t>. Вона </a:t>
+            </a:r>
+            <a:r>
+              <a:rPr lang="ru-RU" dirty="0" err="1" smtClean="0"/>
+              <a:t>складається</a:t>
+            </a:r>
+            <a:r>
+              <a:rPr lang="ru-RU" dirty="0" smtClean="0"/>
+              <a:t> з </a:t>
+            </a:r>
+            <a:r>
+              <a:rPr lang="ru-RU" dirty="0" err="1" smtClean="0"/>
+              <a:t>окремого</a:t>
+            </a:r>
+            <a:r>
+              <a:rPr lang="ru-RU" dirty="0" smtClean="0"/>
+              <a:t> компонента </a:t>
+            </a:r>
+            <a:r>
+              <a:rPr lang="en-GB" dirty="0" err="1" smtClean="0"/>
+              <a:t>DistLoad</a:t>
+            </a:r>
+            <a:r>
+              <a:rPr lang="en-GB" dirty="0" smtClean="0"/>
+              <a:t>, </a:t>
+            </a:r>
+            <a:r>
+              <a:rPr lang="ru-RU" dirty="0" err="1" smtClean="0"/>
+              <a:t>який</a:t>
+            </a:r>
+            <a:r>
+              <a:rPr lang="ru-RU" dirty="0" smtClean="0"/>
+              <a:t> </a:t>
+            </a:r>
+            <a:r>
+              <a:rPr lang="ru-RU" dirty="0" err="1" smtClean="0"/>
+              <a:t>виконує</a:t>
+            </a:r>
+            <a:r>
+              <a:rPr lang="ru-RU" dirty="0" smtClean="0"/>
+              <a:t> роль </a:t>
+            </a:r>
+            <a:r>
+              <a:rPr lang="ru-RU" dirty="0" err="1" smtClean="0"/>
+              <a:t>балансувальника</a:t>
+            </a:r>
+            <a:r>
+              <a:rPr lang="ru-RU" dirty="0" smtClean="0"/>
+              <a:t>, та </a:t>
+            </a:r>
+            <a:r>
+              <a:rPr lang="ru-RU" dirty="0" err="1" smtClean="0"/>
+              <a:t>трьох</a:t>
+            </a:r>
+            <a:r>
+              <a:rPr lang="ru-RU" dirty="0" smtClean="0"/>
+              <a:t> </a:t>
+            </a:r>
+            <a:r>
+              <a:rPr lang="ru-RU" dirty="0" err="1" smtClean="0"/>
+              <a:t>серверів</a:t>
+            </a:r>
+            <a:r>
+              <a:rPr lang="ru-RU" dirty="0" smtClean="0"/>
+              <a:t> — </a:t>
+            </a:r>
+            <a:r>
+              <a:rPr lang="en-GB" dirty="0" smtClean="0"/>
+              <a:t>Server1, Server2, Server3, </a:t>
+            </a:r>
+            <a:r>
+              <a:rPr lang="ru-RU" dirty="0" err="1" smtClean="0"/>
+              <a:t>які</a:t>
+            </a:r>
+            <a:r>
+              <a:rPr lang="ru-RU" dirty="0" smtClean="0"/>
+              <a:t> </a:t>
+            </a:r>
+            <a:r>
+              <a:rPr lang="ru-RU" dirty="0" err="1" smtClean="0"/>
+              <a:t>обробляють</a:t>
+            </a:r>
+            <a:r>
+              <a:rPr lang="ru-RU" dirty="0" smtClean="0"/>
+              <a:t> </a:t>
+            </a:r>
+            <a:r>
+              <a:rPr lang="ru-RU" dirty="0" err="1" smtClean="0"/>
+              <a:t>запити</a:t>
+            </a:r>
+            <a:r>
+              <a:rPr lang="ru-RU" dirty="0" smtClean="0"/>
+              <a:t>.</a:t>
+            </a:r>
+          </a:p>
+          <a:p>
+            <a:pPr marL="0" lvl="0" indent="0" algn="l" rtl="0">
+              <a:spcBef>
+                <a:spcPts val="0"/>
+              </a:spcBef>
+              <a:spcAft>
+                <a:spcPts val="0"/>
+              </a:spcAft>
+              <a:buNone/>
+            </a:pPr>
+            <a:r>
+              <a:rPr lang="ru-RU" dirty="0" err="1" smtClean="0"/>
+              <a:t>Усі</a:t>
+            </a:r>
+            <a:r>
+              <a:rPr lang="ru-RU" dirty="0" smtClean="0"/>
+              <a:t> </a:t>
+            </a:r>
+            <a:r>
+              <a:rPr lang="ru-RU" dirty="0" err="1" smtClean="0"/>
+              <a:t>взаємодії</a:t>
+            </a:r>
+            <a:r>
+              <a:rPr lang="ru-RU" dirty="0" smtClean="0"/>
+              <a:t> </a:t>
+            </a:r>
+            <a:r>
+              <a:rPr lang="ru-RU" dirty="0" err="1" smtClean="0"/>
+              <a:t>між</a:t>
+            </a:r>
+            <a:r>
+              <a:rPr lang="ru-RU" dirty="0" smtClean="0"/>
+              <a:t> </a:t>
+            </a:r>
+            <a:r>
+              <a:rPr lang="en-GB" dirty="0" err="1" smtClean="0"/>
+              <a:t>DistLoad</a:t>
+            </a:r>
+            <a:r>
+              <a:rPr lang="en-GB" dirty="0" smtClean="0"/>
+              <a:t> </a:t>
+            </a:r>
+            <a:r>
+              <a:rPr lang="ru-RU" dirty="0" smtClean="0"/>
+              <a:t>і серверами </a:t>
+            </a:r>
+            <a:r>
+              <a:rPr lang="ru-RU" dirty="0" err="1" smtClean="0"/>
+              <a:t>відбуваються</a:t>
+            </a:r>
+            <a:r>
+              <a:rPr lang="ru-RU" dirty="0" smtClean="0"/>
+              <a:t> через </a:t>
+            </a:r>
+            <a:r>
+              <a:rPr lang="en-GB" dirty="0" smtClean="0"/>
+              <a:t>HTTP-</a:t>
+            </a:r>
+            <a:r>
+              <a:rPr lang="ru-RU" dirty="0" smtClean="0"/>
+              <a:t>протокол, </a:t>
+            </a:r>
+            <a:r>
+              <a:rPr lang="ru-RU" dirty="0" err="1" smtClean="0"/>
+              <a:t>що</a:t>
+            </a:r>
+            <a:r>
+              <a:rPr lang="ru-RU" dirty="0" smtClean="0"/>
+              <a:t> </a:t>
+            </a:r>
+            <a:r>
+              <a:rPr lang="ru-RU" dirty="0" err="1" smtClean="0"/>
+              <a:t>робить</a:t>
+            </a:r>
+            <a:r>
+              <a:rPr lang="ru-RU" dirty="0" smtClean="0"/>
+              <a:t> систему простою в </a:t>
+            </a:r>
+            <a:r>
+              <a:rPr lang="ru-RU" dirty="0" err="1" smtClean="0"/>
+              <a:t>налаштуванні</a:t>
+            </a:r>
+            <a:r>
+              <a:rPr lang="ru-RU" dirty="0" smtClean="0"/>
+              <a:t> та </a:t>
+            </a:r>
+            <a:r>
+              <a:rPr lang="ru-RU" dirty="0" err="1" smtClean="0"/>
+              <a:t>розширенні</a:t>
+            </a:r>
+            <a:r>
+              <a:rPr lang="ru-RU" dirty="0" smtClean="0"/>
+              <a:t>.</a:t>
+            </a:r>
+          </a:p>
+          <a:p>
+            <a:pPr marL="0" lvl="0" indent="0" algn="l" rtl="0">
+              <a:spcBef>
+                <a:spcPts val="0"/>
+              </a:spcBef>
+              <a:spcAft>
+                <a:spcPts val="0"/>
+              </a:spcAft>
+              <a:buNone/>
+            </a:pPr>
+            <a:r>
+              <a:rPr lang="ru-RU" dirty="0" smtClean="0"/>
+              <a:t>На </a:t>
+            </a:r>
+            <a:r>
+              <a:rPr lang="ru-RU" dirty="0" err="1" smtClean="0"/>
+              <a:t>другій</a:t>
+            </a:r>
+            <a:r>
+              <a:rPr lang="ru-RU" dirty="0" smtClean="0"/>
+              <a:t> </a:t>
+            </a:r>
+            <a:r>
+              <a:rPr lang="ru-RU" dirty="0" err="1" smtClean="0"/>
+              <a:t>схемі</a:t>
+            </a:r>
+            <a:r>
+              <a:rPr lang="ru-RU" dirty="0" smtClean="0"/>
+              <a:t> показано </a:t>
+            </a:r>
+            <a:r>
+              <a:rPr lang="ru-RU" dirty="0" err="1" smtClean="0"/>
+              <a:t>базовий</a:t>
+            </a:r>
+            <a:r>
+              <a:rPr lang="ru-RU" dirty="0" smtClean="0"/>
+              <a:t> </a:t>
+            </a:r>
+            <a:r>
+              <a:rPr lang="ru-RU" dirty="0" err="1" smtClean="0"/>
+              <a:t>потік</a:t>
+            </a:r>
+            <a:r>
+              <a:rPr lang="ru-RU" dirty="0" smtClean="0"/>
+              <a:t> </a:t>
+            </a:r>
+            <a:r>
+              <a:rPr lang="ru-RU" dirty="0" err="1" smtClean="0"/>
+              <a:t>обробки</a:t>
+            </a:r>
+            <a:r>
+              <a:rPr lang="ru-RU" dirty="0" smtClean="0"/>
+              <a:t> </a:t>
+            </a:r>
+            <a:r>
+              <a:rPr lang="ru-RU" dirty="0" err="1" smtClean="0"/>
+              <a:t>запиту</a:t>
+            </a:r>
+            <a:r>
+              <a:rPr lang="ru-RU" dirty="0" smtClean="0"/>
+              <a:t>: </a:t>
+            </a:r>
+            <a:r>
+              <a:rPr lang="ru-RU" dirty="0" err="1" smtClean="0"/>
+              <a:t>він</a:t>
+            </a:r>
+            <a:r>
+              <a:rPr lang="ru-RU" dirty="0" smtClean="0"/>
+              <a:t> проходить через </a:t>
+            </a:r>
+            <a:r>
+              <a:rPr lang="en-GB" dirty="0" smtClean="0"/>
+              <a:t>middleware, </a:t>
+            </a:r>
+            <a:r>
+              <a:rPr lang="ru-RU" dirty="0" err="1" smtClean="0"/>
+              <a:t>виконується</a:t>
+            </a:r>
+            <a:r>
+              <a:rPr lang="ru-RU" dirty="0" smtClean="0"/>
+              <a:t> </a:t>
+            </a:r>
+            <a:r>
+              <a:rPr lang="ru-RU" dirty="0" err="1" smtClean="0"/>
+              <a:t>вибір</a:t>
+            </a:r>
+            <a:r>
+              <a:rPr lang="ru-RU" dirty="0" smtClean="0"/>
+              <a:t> сервера на </a:t>
+            </a:r>
+            <a:r>
+              <a:rPr lang="ru-RU" dirty="0" err="1" smtClean="0"/>
+              <a:t>основі</a:t>
+            </a:r>
+            <a:r>
+              <a:rPr lang="ru-RU" dirty="0" smtClean="0"/>
+              <a:t> метрик, </a:t>
+            </a:r>
+            <a:r>
+              <a:rPr lang="ru-RU" dirty="0" err="1" smtClean="0"/>
+              <a:t>після</a:t>
+            </a:r>
+            <a:r>
+              <a:rPr lang="ru-RU" dirty="0" smtClean="0"/>
+              <a:t> </a:t>
+            </a:r>
+            <a:r>
+              <a:rPr lang="ru-RU" dirty="0" err="1" smtClean="0"/>
+              <a:t>чого</a:t>
+            </a:r>
+            <a:r>
+              <a:rPr lang="ru-RU" dirty="0" smtClean="0"/>
+              <a:t> запит </a:t>
+            </a:r>
+            <a:r>
+              <a:rPr lang="ru-RU" dirty="0" err="1" smtClean="0"/>
+              <a:t>надсилається</a:t>
+            </a:r>
+            <a:r>
+              <a:rPr lang="ru-RU" dirty="0" smtClean="0"/>
+              <a:t> на </a:t>
+            </a:r>
+            <a:r>
+              <a:rPr lang="ru-RU" dirty="0" err="1" smtClean="0"/>
+              <a:t>відповідний</a:t>
+            </a:r>
+            <a:r>
+              <a:rPr lang="ru-RU" dirty="0" smtClean="0"/>
+              <a:t> </a:t>
+            </a:r>
+            <a:r>
+              <a:rPr lang="ru-RU" dirty="0" err="1" smtClean="0"/>
+              <a:t>вузол</a:t>
+            </a:r>
+            <a:r>
+              <a:rPr lang="ru-RU" dirty="0" smtClean="0"/>
+              <a:t>. </a:t>
+            </a:r>
+            <a:r>
+              <a:rPr lang="ru-RU" dirty="0" err="1" smtClean="0"/>
+              <a:t>Така</a:t>
+            </a:r>
+            <a:r>
+              <a:rPr lang="ru-RU" dirty="0" smtClean="0"/>
+              <a:t> структура </a:t>
+            </a:r>
+            <a:r>
+              <a:rPr lang="ru-RU" dirty="0" err="1" smtClean="0"/>
+              <a:t>забезпечує</a:t>
+            </a:r>
+            <a:r>
+              <a:rPr lang="ru-RU" dirty="0" smtClean="0"/>
+              <a:t> </a:t>
+            </a:r>
+            <a:r>
+              <a:rPr lang="ru-RU" dirty="0" err="1" smtClean="0"/>
+              <a:t>гнучкість</a:t>
+            </a:r>
+            <a:r>
+              <a:rPr lang="ru-RU" dirty="0" smtClean="0"/>
+              <a:t> і </a:t>
+            </a:r>
+            <a:r>
+              <a:rPr lang="ru-RU" dirty="0" err="1" smtClean="0"/>
+              <a:t>дає</a:t>
+            </a:r>
+            <a:r>
+              <a:rPr lang="ru-RU" dirty="0" smtClean="0"/>
+              <a:t> </a:t>
+            </a:r>
+            <a:r>
+              <a:rPr lang="ru-RU" dirty="0" err="1" smtClean="0"/>
+              <a:t>змогу</a:t>
+            </a:r>
+            <a:r>
+              <a:rPr lang="ru-RU" dirty="0" smtClean="0"/>
+              <a:t> легко </a:t>
+            </a:r>
+            <a:r>
+              <a:rPr lang="ru-RU" dirty="0" err="1" smtClean="0"/>
+              <a:t>експериментувати</a:t>
+            </a:r>
+            <a:r>
+              <a:rPr lang="ru-RU" dirty="0" smtClean="0"/>
+              <a:t> з </a:t>
+            </a:r>
+            <a:r>
+              <a:rPr lang="ru-RU" dirty="0" err="1" smtClean="0"/>
+              <a:t>різними</a:t>
+            </a:r>
+            <a:r>
+              <a:rPr lang="ru-RU" dirty="0" smtClean="0"/>
+              <a:t> алгоритмами.</a:t>
+            </a:r>
+            <a:endParaRPr dirty="0"/>
           </a:p>
         </p:txBody>
       </p:sp>
@@ -2366,7 +9062,629 @@
               </a:spcAft>
               <a:buNone/>
             </a:pPr>
-            <a:endParaRPr/>
+            <a:r>
+              <a:rPr lang="ru-RU" dirty="0" err="1" smtClean="0"/>
+              <a:t>Файлова</a:t>
+            </a:r>
+            <a:r>
+              <a:rPr lang="ru-RU" dirty="0" smtClean="0"/>
+              <a:t> система </a:t>
+            </a:r>
+            <a:r>
+              <a:rPr lang="ru-RU" dirty="0" err="1" smtClean="0"/>
+              <a:t>побудована</a:t>
+            </a:r>
+            <a:r>
+              <a:rPr lang="ru-RU" dirty="0" smtClean="0"/>
+              <a:t> таким чином, </a:t>
+            </a:r>
+            <a:r>
+              <a:rPr lang="ru-RU" dirty="0" err="1" smtClean="0"/>
+              <a:t>щоб</a:t>
+            </a:r>
+            <a:r>
+              <a:rPr lang="ru-RU" dirty="0" smtClean="0"/>
+              <a:t> </a:t>
+            </a:r>
+            <a:r>
+              <a:rPr lang="ru-RU" dirty="0" err="1" smtClean="0"/>
+              <a:t>кожен</a:t>
+            </a:r>
+            <a:r>
+              <a:rPr lang="ru-RU" dirty="0" smtClean="0"/>
+              <a:t> компонент </a:t>
+            </a:r>
+            <a:r>
+              <a:rPr lang="ru-RU" dirty="0" err="1" smtClean="0"/>
+              <a:t>виконував</a:t>
+            </a:r>
+            <a:r>
+              <a:rPr lang="ru-RU" dirty="0" smtClean="0"/>
+              <a:t> </a:t>
+            </a:r>
+            <a:r>
+              <a:rPr lang="ru-RU" dirty="0" err="1" smtClean="0"/>
+              <a:t>чітко</a:t>
+            </a:r>
+            <a:r>
+              <a:rPr lang="ru-RU" dirty="0" smtClean="0"/>
+              <a:t> </a:t>
+            </a:r>
+            <a:r>
+              <a:rPr lang="ru-RU" dirty="0" err="1" smtClean="0"/>
+              <a:t>визначену</a:t>
+            </a:r>
+            <a:r>
+              <a:rPr lang="ru-RU" dirty="0" smtClean="0"/>
+              <a:t> роль і </a:t>
+            </a:r>
+            <a:r>
+              <a:rPr lang="ru-RU" dirty="0" err="1" smtClean="0"/>
+              <a:t>міг</a:t>
+            </a:r>
+            <a:r>
+              <a:rPr lang="ru-RU" dirty="0" smtClean="0"/>
+              <a:t> </a:t>
+            </a:r>
+            <a:r>
+              <a:rPr lang="ru-RU" dirty="0" err="1" smtClean="0"/>
+              <a:t>розвиватися</a:t>
+            </a:r>
+            <a:r>
+              <a:rPr lang="ru-RU" dirty="0" smtClean="0"/>
+              <a:t> </a:t>
+            </a:r>
+            <a:r>
+              <a:rPr lang="ru-RU" dirty="0" err="1" smtClean="0"/>
+              <a:t>незалежно</a:t>
+            </a:r>
+            <a:r>
+              <a:rPr lang="ru-RU" dirty="0" smtClean="0"/>
+              <a:t>. </a:t>
+            </a:r>
+            <a:r>
+              <a:rPr lang="ru-RU" dirty="0" err="1" smtClean="0"/>
+              <a:t>Основна</a:t>
+            </a:r>
+            <a:r>
+              <a:rPr lang="ru-RU" dirty="0" smtClean="0"/>
+              <a:t> </a:t>
+            </a:r>
+            <a:r>
+              <a:rPr lang="ru-RU" dirty="0" err="1" smtClean="0"/>
+              <a:t>частина</a:t>
+            </a:r>
+            <a:r>
+              <a:rPr lang="ru-RU" dirty="0" smtClean="0"/>
+              <a:t> </a:t>
+            </a:r>
+            <a:r>
+              <a:rPr lang="ru-RU" dirty="0" err="1" smtClean="0"/>
+              <a:t>логіки</a:t>
+            </a:r>
+            <a:r>
+              <a:rPr lang="ru-RU" dirty="0" smtClean="0"/>
+              <a:t> </a:t>
+            </a:r>
+            <a:r>
+              <a:rPr lang="ru-RU" dirty="0" err="1" smtClean="0"/>
+              <a:t>знаходиться</a:t>
+            </a:r>
+            <a:r>
+              <a:rPr lang="ru-RU" dirty="0" smtClean="0"/>
+              <a:t> в </a:t>
+            </a:r>
+            <a:r>
+              <a:rPr lang="ru-RU" dirty="0" err="1" smtClean="0"/>
+              <a:t>проєкті</a:t>
+            </a:r>
+            <a:r>
+              <a:rPr lang="ru-RU" dirty="0" smtClean="0"/>
+              <a:t> </a:t>
+            </a:r>
+            <a:r>
+              <a:rPr lang="ru-RU" dirty="0" err="1" smtClean="0"/>
+              <a:t>DistLoad</a:t>
+            </a:r>
+            <a:r>
+              <a:rPr lang="ru-RU" dirty="0" smtClean="0"/>
+              <a:t>, </a:t>
+            </a:r>
+            <a:r>
+              <a:rPr lang="ru-RU" dirty="0" err="1" smtClean="0"/>
+              <a:t>який</a:t>
+            </a:r>
+            <a:r>
+              <a:rPr lang="ru-RU" dirty="0" smtClean="0"/>
+              <a:t> </a:t>
+            </a:r>
+            <a:r>
+              <a:rPr lang="ru-RU" dirty="0" err="1" smtClean="0"/>
+              <a:t>відповідає</a:t>
+            </a:r>
+            <a:r>
+              <a:rPr lang="ru-RU" dirty="0" smtClean="0"/>
+              <a:t> за </a:t>
+            </a:r>
+            <a:r>
+              <a:rPr lang="ru-RU" dirty="0" err="1" smtClean="0"/>
+              <a:t>балансування</a:t>
+            </a:r>
+            <a:r>
+              <a:rPr lang="ru-RU" dirty="0" smtClean="0"/>
+              <a:t> </a:t>
+            </a:r>
+            <a:r>
+              <a:rPr lang="ru-RU" dirty="0" err="1" smtClean="0"/>
+              <a:t>запитів</a:t>
+            </a:r>
+            <a:r>
+              <a:rPr lang="ru-RU" dirty="0" smtClean="0"/>
+              <a:t>. </a:t>
+            </a:r>
+            <a:r>
+              <a:rPr lang="ru-RU" dirty="0" err="1" smtClean="0"/>
+              <a:t>Його</a:t>
+            </a:r>
+            <a:r>
+              <a:rPr lang="ru-RU" dirty="0" smtClean="0"/>
+              <a:t> структура </a:t>
+            </a:r>
+            <a:r>
+              <a:rPr lang="ru-RU" dirty="0" err="1" smtClean="0"/>
+              <a:t>поділена</a:t>
+            </a:r>
+            <a:r>
+              <a:rPr lang="ru-RU" dirty="0" smtClean="0"/>
+              <a:t> на </a:t>
+            </a:r>
+            <a:r>
+              <a:rPr lang="ru-RU" dirty="0" err="1" smtClean="0"/>
+              <a:t>окремі</a:t>
+            </a:r>
+            <a:r>
+              <a:rPr lang="ru-RU" dirty="0" smtClean="0"/>
+              <a:t> </a:t>
+            </a:r>
+            <a:r>
+              <a:rPr lang="ru-RU" dirty="0" err="1" smtClean="0"/>
+              <a:t>модулі</a:t>
+            </a:r>
+            <a:r>
+              <a:rPr lang="ru-RU" dirty="0" smtClean="0"/>
+              <a:t>: </a:t>
+            </a:r>
+            <a:r>
+              <a:rPr lang="ru-RU" dirty="0" err="1" smtClean="0"/>
+              <a:t>обробку</a:t>
+            </a:r>
+            <a:r>
+              <a:rPr lang="ru-RU" dirty="0" smtClean="0"/>
+              <a:t> </a:t>
+            </a:r>
+            <a:r>
+              <a:rPr lang="ru-RU" dirty="0" err="1" smtClean="0"/>
+              <a:t>запитів</a:t>
+            </a:r>
+            <a:r>
+              <a:rPr lang="ru-RU" dirty="0" smtClean="0"/>
+              <a:t>, </a:t>
+            </a:r>
+            <a:r>
+              <a:rPr lang="ru-RU" dirty="0" err="1" smtClean="0"/>
+              <a:t>реалізацію</a:t>
+            </a:r>
+            <a:r>
+              <a:rPr lang="ru-RU" dirty="0" smtClean="0"/>
+              <a:t> </a:t>
+            </a:r>
+            <a:r>
+              <a:rPr lang="ru-RU" dirty="0" err="1" smtClean="0"/>
+              <a:t>алгоритмів</a:t>
+            </a:r>
+            <a:r>
+              <a:rPr lang="ru-RU" dirty="0" smtClean="0"/>
+              <a:t>, роботу з метриками, </a:t>
+            </a:r>
+            <a:r>
+              <a:rPr lang="ru-RU" dirty="0" err="1" smtClean="0"/>
+              <a:t>контракти</a:t>
+            </a:r>
+            <a:r>
+              <a:rPr lang="ru-RU" dirty="0" smtClean="0"/>
+              <a:t> для </a:t>
+            </a:r>
+            <a:r>
+              <a:rPr lang="ru-RU" dirty="0" err="1" smtClean="0"/>
+              <a:t>розширення</a:t>
+            </a:r>
+            <a:r>
+              <a:rPr lang="ru-RU" dirty="0" smtClean="0"/>
+              <a:t> та </a:t>
+            </a:r>
+            <a:r>
+              <a:rPr lang="ru-RU" dirty="0" err="1" smtClean="0"/>
+              <a:t>окремий</a:t>
+            </a:r>
+            <a:r>
+              <a:rPr lang="ru-RU" dirty="0" smtClean="0"/>
+              <a:t> блок для </a:t>
+            </a:r>
+            <a:r>
+              <a:rPr lang="ru-RU" dirty="0" err="1" smtClean="0"/>
+              <a:t>тестування</a:t>
+            </a:r>
+            <a:r>
+              <a:rPr lang="ru-RU" dirty="0" smtClean="0"/>
+              <a:t> </a:t>
+            </a:r>
+            <a:r>
+              <a:rPr lang="ru-RU" dirty="0" err="1" smtClean="0"/>
+              <a:t>навантаження</a:t>
+            </a:r>
+            <a:r>
+              <a:rPr lang="ru-RU" dirty="0" smtClean="0"/>
+              <a:t>. </a:t>
+            </a:r>
+            <a:r>
+              <a:rPr lang="ru-RU" dirty="0" err="1" smtClean="0"/>
+              <a:t>Це</a:t>
+            </a:r>
+            <a:r>
+              <a:rPr lang="ru-RU" dirty="0" smtClean="0"/>
+              <a:t> </a:t>
+            </a:r>
+            <a:r>
+              <a:rPr lang="ru-RU" dirty="0" err="1" smtClean="0"/>
+              <a:t>дозволяє</a:t>
+            </a:r>
+            <a:r>
+              <a:rPr lang="ru-RU" dirty="0" smtClean="0"/>
+              <a:t> легко </a:t>
+            </a:r>
+            <a:r>
+              <a:rPr lang="ru-RU" dirty="0" err="1" smtClean="0"/>
+              <a:t>додавати</a:t>
+            </a:r>
+            <a:r>
+              <a:rPr lang="ru-RU" dirty="0" smtClean="0"/>
+              <a:t> </a:t>
+            </a:r>
+            <a:r>
+              <a:rPr lang="ru-RU" dirty="0" err="1" smtClean="0"/>
+              <a:t>нові</a:t>
+            </a:r>
+            <a:r>
+              <a:rPr lang="ru-RU" dirty="0" smtClean="0"/>
+              <a:t> </a:t>
+            </a:r>
+            <a:r>
+              <a:rPr lang="ru-RU" dirty="0" err="1" smtClean="0"/>
+              <a:t>алгоритми</a:t>
+            </a:r>
+            <a:r>
+              <a:rPr lang="ru-RU" dirty="0" smtClean="0"/>
+              <a:t> </a:t>
+            </a:r>
+            <a:r>
+              <a:rPr lang="ru-RU" dirty="0" err="1" smtClean="0"/>
+              <a:t>або</a:t>
+            </a:r>
+            <a:r>
+              <a:rPr lang="ru-RU" dirty="0" smtClean="0"/>
+              <a:t> </a:t>
+            </a:r>
+            <a:r>
+              <a:rPr lang="ru-RU" dirty="0" err="1" smtClean="0"/>
+              <a:t>змінювати</a:t>
+            </a:r>
+            <a:r>
+              <a:rPr lang="ru-RU" dirty="0" smtClean="0"/>
+              <a:t> </a:t>
+            </a:r>
+            <a:r>
+              <a:rPr lang="ru-RU" dirty="0" err="1" smtClean="0"/>
+              <a:t>логіку</a:t>
+            </a:r>
+            <a:r>
+              <a:rPr lang="ru-RU" dirty="0" smtClean="0"/>
+              <a:t> без </a:t>
+            </a:r>
+            <a:r>
+              <a:rPr lang="ru-RU" dirty="0" err="1" smtClean="0"/>
+              <a:t>ризику</a:t>
+            </a:r>
+            <a:r>
+              <a:rPr lang="ru-RU" dirty="0" smtClean="0"/>
+              <a:t> </a:t>
+            </a:r>
+            <a:r>
+              <a:rPr lang="ru-RU" dirty="0" err="1" smtClean="0"/>
+              <a:t>порушити</a:t>
+            </a:r>
+            <a:r>
+              <a:rPr lang="ru-RU" dirty="0" smtClean="0"/>
+              <a:t> </a:t>
+            </a:r>
+            <a:r>
+              <a:rPr lang="ru-RU" dirty="0" err="1" smtClean="0"/>
+              <a:t>інші</a:t>
+            </a:r>
+            <a:r>
+              <a:rPr lang="ru-RU" dirty="0" smtClean="0"/>
+              <a:t> </a:t>
+            </a:r>
+            <a:r>
+              <a:rPr lang="ru-RU" dirty="0" err="1" smtClean="0"/>
+              <a:t>частини</a:t>
+            </a:r>
+            <a:r>
+              <a:rPr lang="ru-RU" dirty="0" smtClean="0"/>
+              <a:t>.</a:t>
+            </a:r>
+          </a:p>
+          <a:p>
+            <a:pPr marL="0" lvl="0" indent="0" algn="l" rtl="0">
+              <a:spcBef>
+                <a:spcPts val="0"/>
+              </a:spcBef>
+              <a:spcAft>
+                <a:spcPts val="0"/>
+              </a:spcAft>
+              <a:buNone/>
+            </a:pPr>
+            <a:r>
+              <a:rPr lang="ru-RU" dirty="0" err="1" smtClean="0"/>
+              <a:t>Кожен</a:t>
+            </a:r>
+            <a:r>
+              <a:rPr lang="ru-RU" dirty="0" smtClean="0"/>
+              <a:t> сервер </a:t>
+            </a:r>
+            <a:r>
+              <a:rPr lang="ru-RU" dirty="0" err="1" smtClean="0"/>
+              <a:t>реалізований</a:t>
+            </a:r>
+            <a:r>
+              <a:rPr lang="ru-RU" dirty="0" smtClean="0"/>
+              <a:t> як </a:t>
+            </a:r>
+            <a:r>
+              <a:rPr lang="ru-RU" dirty="0" err="1" smtClean="0"/>
+              <a:t>окремий</a:t>
+            </a:r>
+            <a:r>
+              <a:rPr lang="ru-RU" dirty="0" smtClean="0"/>
+              <a:t> </a:t>
+            </a:r>
+            <a:r>
+              <a:rPr lang="ru-RU" dirty="0" err="1" smtClean="0"/>
+              <a:t>застосунок</a:t>
+            </a:r>
+            <a:r>
+              <a:rPr lang="ru-RU" dirty="0" smtClean="0"/>
+              <a:t> з </a:t>
+            </a:r>
+            <a:r>
+              <a:rPr lang="ru-RU" dirty="0" err="1" smtClean="0"/>
+              <a:t>уніфікованою</a:t>
+            </a:r>
+            <a:r>
+              <a:rPr lang="ru-RU" dirty="0" smtClean="0"/>
+              <a:t> структурою. Вони </a:t>
+            </a:r>
+            <a:r>
+              <a:rPr lang="ru-RU" dirty="0" err="1" smtClean="0"/>
+              <a:t>реагують</a:t>
+            </a:r>
+            <a:r>
+              <a:rPr lang="ru-RU" dirty="0" smtClean="0"/>
+              <a:t> на </a:t>
+            </a:r>
+            <a:r>
+              <a:rPr lang="ru-RU" dirty="0" err="1" smtClean="0"/>
+              <a:t>вхідні</a:t>
+            </a:r>
+            <a:r>
+              <a:rPr lang="ru-RU" dirty="0" smtClean="0"/>
+              <a:t> </a:t>
+            </a:r>
+            <a:r>
+              <a:rPr lang="ru-RU" dirty="0" err="1" smtClean="0"/>
+              <a:t>запити</a:t>
+            </a:r>
+            <a:r>
+              <a:rPr lang="ru-RU" dirty="0" smtClean="0"/>
+              <a:t>, </a:t>
+            </a:r>
+            <a:r>
+              <a:rPr lang="ru-RU" dirty="0" err="1" smtClean="0"/>
+              <a:t>імітують</a:t>
+            </a:r>
+            <a:r>
+              <a:rPr lang="ru-RU" dirty="0" smtClean="0"/>
+              <a:t> </a:t>
+            </a:r>
+            <a:r>
+              <a:rPr lang="ru-RU" dirty="0" err="1" smtClean="0"/>
+              <a:t>навантаження</a:t>
+            </a:r>
+            <a:r>
+              <a:rPr lang="ru-RU" dirty="0" smtClean="0"/>
+              <a:t> та </a:t>
+            </a:r>
+            <a:r>
+              <a:rPr lang="ru-RU" dirty="0" err="1" smtClean="0"/>
+              <a:t>передають</a:t>
+            </a:r>
+            <a:r>
+              <a:rPr lang="ru-RU" dirty="0" smtClean="0"/>
+              <a:t> </a:t>
+            </a:r>
+            <a:r>
+              <a:rPr lang="ru-RU" dirty="0" err="1" smtClean="0"/>
+              <a:t>свій</a:t>
+            </a:r>
+            <a:r>
+              <a:rPr lang="ru-RU" dirty="0" smtClean="0"/>
+              <a:t> </a:t>
+            </a:r>
+            <a:r>
+              <a:rPr lang="ru-RU" dirty="0" err="1" smtClean="0"/>
+              <a:t>поточний</a:t>
+            </a:r>
+            <a:r>
+              <a:rPr lang="ru-RU" dirty="0" smtClean="0"/>
+              <a:t> стан назад до </a:t>
+            </a:r>
+            <a:r>
+              <a:rPr lang="ru-RU" dirty="0" err="1" smtClean="0"/>
+              <a:t>балансувальника</a:t>
+            </a:r>
+            <a:r>
+              <a:rPr lang="ru-RU" dirty="0" smtClean="0"/>
+              <a:t>. </a:t>
+            </a:r>
+            <a:r>
+              <a:rPr lang="ru-RU" dirty="0" err="1" smtClean="0"/>
+              <a:t>Такий</a:t>
+            </a:r>
+            <a:r>
+              <a:rPr lang="ru-RU" dirty="0" smtClean="0"/>
+              <a:t> </a:t>
+            </a:r>
+            <a:r>
+              <a:rPr lang="ru-RU" dirty="0" err="1" smtClean="0"/>
+              <a:t>підхід</a:t>
+            </a:r>
+            <a:r>
+              <a:rPr lang="ru-RU" dirty="0" smtClean="0"/>
+              <a:t> </a:t>
+            </a:r>
+            <a:r>
+              <a:rPr lang="ru-RU" dirty="0" err="1" smtClean="0"/>
+              <a:t>забезпечує</a:t>
+            </a:r>
+            <a:r>
+              <a:rPr lang="ru-RU" dirty="0" smtClean="0"/>
+              <a:t> </a:t>
+            </a:r>
+            <a:r>
+              <a:rPr lang="ru-RU" dirty="0" err="1" smtClean="0"/>
+              <a:t>ізольоване</a:t>
+            </a:r>
+            <a:r>
+              <a:rPr lang="ru-RU" dirty="0" smtClean="0"/>
+              <a:t> </a:t>
+            </a:r>
+            <a:r>
+              <a:rPr lang="ru-RU" dirty="0" err="1" smtClean="0"/>
+              <a:t>тестування</a:t>
+            </a:r>
+            <a:r>
+              <a:rPr lang="ru-RU" dirty="0" smtClean="0"/>
+              <a:t> і </a:t>
+            </a:r>
+            <a:r>
+              <a:rPr lang="ru-RU" dirty="0" err="1" smtClean="0"/>
+              <a:t>дозволяє</a:t>
+            </a:r>
+            <a:r>
+              <a:rPr lang="ru-RU" dirty="0" smtClean="0"/>
+              <a:t> </a:t>
+            </a:r>
+            <a:r>
+              <a:rPr lang="ru-RU" dirty="0" err="1" smtClean="0"/>
+              <a:t>змінювати</a:t>
+            </a:r>
+            <a:r>
+              <a:rPr lang="ru-RU" dirty="0" smtClean="0"/>
+              <a:t> характеристики кожного </a:t>
+            </a:r>
+            <a:r>
+              <a:rPr lang="ru-RU" dirty="0" err="1" smtClean="0"/>
+              <a:t>вузла</a:t>
+            </a:r>
+            <a:r>
+              <a:rPr lang="ru-RU" dirty="0" smtClean="0"/>
+              <a:t> </a:t>
+            </a:r>
+            <a:r>
+              <a:rPr lang="ru-RU" dirty="0" err="1" smtClean="0"/>
+              <a:t>незалежно</a:t>
+            </a:r>
+            <a:r>
+              <a:rPr lang="ru-RU" dirty="0" smtClean="0"/>
+              <a:t>.</a:t>
+            </a:r>
+          </a:p>
+          <a:p>
+            <a:pPr marL="0" lvl="0" indent="0" algn="l" rtl="0">
+              <a:spcBef>
+                <a:spcPts val="0"/>
+              </a:spcBef>
+              <a:spcAft>
+                <a:spcPts val="0"/>
+              </a:spcAft>
+              <a:buNone/>
+            </a:pPr>
+            <a:r>
+              <a:rPr lang="ru-RU" dirty="0" err="1" smtClean="0"/>
+              <a:t>Загалом</a:t>
+            </a:r>
+            <a:r>
+              <a:rPr lang="ru-RU" dirty="0" smtClean="0"/>
+              <a:t> структура </a:t>
+            </a:r>
+            <a:r>
+              <a:rPr lang="ru-RU" dirty="0" err="1" smtClean="0"/>
+              <a:t>побудована</a:t>
+            </a:r>
+            <a:r>
+              <a:rPr lang="ru-RU" dirty="0" smtClean="0"/>
+              <a:t> з акцентом на </a:t>
+            </a:r>
+            <a:r>
+              <a:rPr lang="ru-RU" dirty="0" err="1" smtClean="0"/>
+              <a:t>прозорість</a:t>
+            </a:r>
+            <a:r>
+              <a:rPr lang="ru-RU" dirty="0" smtClean="0"/>
+              <a:t>, </a:t>
+            </a:r>
+            <a:r>
+              <a:rPr lang="ru-RU" dirty="0" err="1" smtClean="0"/>
+              <a:t>гнучкість</a:t>
+            </a:r>
+            <a:r>
+              <a:rPr lang="ru-RU" dirty="0" smtClean="0"/>
+              <a:t> і </a:t>
+            </a:r>
+            <a:r>
+              <a:rPr lang="ru-RU" dirty="0" err="1" smtClean="0"/>
+              <a:t>зручність</a:t>
+            </a:r>
+            <a:r>
+              <a:rPr lang="ru-RU" dirty="0" smtClean="0"/>
+              <a:t> у </a:t>
+            </a:r>
+            <a:r>
+              <a:rPr lang="ru-RU" dirty="0" err="1" smtClean="0"/>
+              <a:t>подальшому</a:t>
+            </a:r>
+            <a:r>
+              <a:rPr lang="ru-RU" dirty="0" smtClean="0"/>
+              <a:t> </a:t>
+            </a:r>
+            <a:r>
+              <a:rPr lang="ru-RU" dirty="0" err="1" smtClean="0"/>
+              <a:t>розширенні</a:t>
+            </a:r>
+            <a:r>
+              <a:rPr lang="ru-RU" dirty="0" smtClean="0"/>
+              <a:t>.</a:t>
+            </a:r>
+            <a:endParaRPr dirty="0"/>
           </a:p>
         </p:txBody>
       </p:sp>
@@ -2475,7 +9793,410 @@
               </a:spcAft>
               <a:buNone/>
             </a:pPr>
-            <a:endParaRPr/>
+            <a:r>
+              <a:rPr lang="ru-RU" dirty="0" smtClean="0"/>
+              <a:t>У </a:t>
+            </a:r>
+            <a:r>
+              <a:rPr lang="ru-RU" dirty="0" err="1" smtClean="0"/>
+              <a:t>реалізації</a:t>
+            </a:r>
+            <a:r>
+              <a:rPr lang="ru-RU" dirty="0" smtClean="0"/>
+              <a:t> </a:t>
+            </a:r>
+            <a:r>
+              <a:rPr lang="ru-RU" dirty="0" err="1" smtClean="0"/>
+              <a:t>системи</a:t>
+            </a:r>
+            <a:r>
+              <a:rPr lang="ru-RU" dirty="0" smtClean="0"/>
+              <a:t> </a:t>
+            </a:r>
+            <a:r>
+              <a:rPr lang="ru-RU" dirty="0" err="1" smtClean="0"/>
+              <a:t>використовувався</a:t>
+            </a:r>
+            <a:r>
+              <a:rPr lang="ru-RU" dirty="0" smtClean="0"/>
+              <a:t> стек </a:t>
+            </a:r>
+            <a:r>
+              <a:rPr lang="ru-RU" dirty="0" err="1" smtClean="0"/>
+              <a:t>сучасних</a:t>
+            </a:r>
+            <a:r>
+              <a:rPr lang="ru-RU" dirty="0" smtClean="0"/>
+              <a:t> </a:t>
+            </a:r>
+            <a:r>
+              <a:rPr lang="ru-RU" dirty="0" err="1" smtClean="0"/>
+              <a:t>інструментів</a:t>
+            </a:r>
+            <a:r>
+              <a:rPr lang="ru-RU" dirty="0" smtClean="0"/>
+              <a:t>. </a:t>
+            </a:r>
+            <a:r>
+              <a:rPr lang="ru-RU" dirty="0" err="1" smtClean="0"/>
+              <a:t>Основна</a:t>
+            </a:r>
+            <a:r>
+              <a:rPr lang="ru-RU" dirty="0" smtClean="0"/>
+              <a:t> </a:t>
+            </a:r>
+            <a:r>
+              <a:rPr lang="ru-RU" dirty="0" err="1" smtClean="0"/>
+              <a:t>логіка</a:t>
+            </a:r>
+            <a:r>
+              <a:rPr lang="ru-RU" dirty="0" smtClean="0"/>
+              <a:t> написана на </a:t>
+            </a:r>
+            <a:r>
+              <a:rPr lang="en-GB" dirty="0" smtClean="0"/>
+              <a:t>C# </a:t>
+            </a:r>
+            <a:r>
+              <a:rPr lang="ru-RU" dirty="0" smtClean="0"/>
+              <a:t>з </a:t>
+            </a:r>
+            <a:r>
+              <a:rPr lang="ru-RU" dirty="0" err="1" smtClean="0"/>
+              <a:t>використанням</a:t>
+            </a:r>
+            <a:r>
+              <a:rPr lang="ru-RU" dirty="0" smtClean="0"/>
+              <a:t> .</a:t>
+            </a:r>
+            <a:r>
+              <a:rPr lang="en-GB" dirty="0" smtClean="0"/>
+              <a:t>NET 8 </a:t>
+            </a:r>
+            <a:r>
+              <a:rPr lang="ru-RU" dirty="0" smtClean="0"/>
+              <a:t>та </a:t>
+            </a:r>
+            <a:r>
+              <a:rPr lang="en-GB" dirty="0" smtClean="0"/>
+              <a:t>ASP.NET Core Web API </a:t>
+            </a:r>
+            <a:r>
+              <a:rPr lang="ru-RU" dirty="0" smtClean="0"/>
+              <a:t>для </a:t>
+            </a:r>
+            <a:r>
+              <a:rPr lang="ru-RU" dirty="0" err="1" smtClean="0"/>
+              <a:t>створення</a:t>
+            </a:r>
+            <a:r>
+              <a:rPr lang="ru-RU" dirty="0" smtClean="0"/>
+              <a:t> </a:t>
+            </a:r>
+            <a:r>
+              <a:rPr lang="en-GB" dirty="0" smtClean="0"/>
+              <a:t>REST-</a:t>
+            </a:r>
+            <a:r>
+              <a:rPr lang="ru-RU" dirty="0" err="1" smtClean="0"/>
+              <a:t>інтерфейсів</a:t>
+            </a:r>
+            <a:r>
+              <a:rPr lang="ru-RU" dirty="0" smtClean="0"/>
+              <a:t>. Для </a:t>
+            </a:r>
+            <a:r>
+              <a:rPr lang="ru-RU" dirty="0" err="1" smtClean="0"/>
+              <a:t>навантажувального</a:t>
+            </a:r>
+            <a:r>
+              <a:rPr lang="ru-RU" dirty="0" smtClean="0"/>
+              <a:t> </a:t>
+            </a:r>
+            <a:r>
+              <a:rPr lang="ru-RU" dirty="0" err="1" smtClean="0"/>
+              <a:t>тестування</a:t>
+            </a:r>
+            <a:r>
+              <a:rPr lang="ru-RU" dirty="0" smtClean="0"/>
+              <a:t> </a:t>
+            </a:r>
+            <a:r>
+              <a:rPr lang="ru-RU" dirty="0" err="1" smtClean="0"/>
+              <a:t>застосовано</a:t>
+            </a:r>
+            <a:r>
+              <a:rPr lang="ru-RU" dirty="0" smtClean="0"/>
+              <a:t> </a:t>
+            </a:r>
+            <a:r>
+              <a:rPr lang="en-GB" dirty="0" smtClean="0"/>
+              <a:t>K6, </a:t>
+            </a:r>
+            <a:r>
+              <a:rPr lang="ru-RU" dirty="0" err="1" smtClean="0"/>
+              <a:t>який</a:t>
+            </a:r>
+            <a:r>
+              <a:rPr lang="ru-RU" dirty="0" smtClean="0"/>
+              <a:t> </a:t>
+            </a:r>
+            <a:r>
+              <a:rPr lang="ru-RU" dirty="0" err="1" smtClean="0"/>
+              <a:t>дозволяє</a:t>
+            </a:r>
+            <a:r>
+              <a:rPr lang="ru-RU" dirty="0" smtClean="0"/>
+              <a:t> </a:t>
+            </a:r>
+            <a:r>
+              <a:rPr lang="ru-RU" dirty="0" err="1" smtClean="0"/>
+              <a:t>моделювати</a:t>
+            </a:r>
+            <a:r>
+              <a:rPr lang="ru-RU" dirty="0" smtClean="0"/>
+              <a:t> </a:t>
+            </a:r>
+            <a:r>
+              <a:rPr lang="ru-RU" dirty="0" err="1" smtClean="0"/>
+              <a:t>різні</a:t>
+            </a:r>
+            <a:r>
+              <a:rPr lang="ru-RU" dirty="0" smtClean="0"/>
+              <a:t> </a:t>
+            </a:r>
+            <a:r>
+              <a:rPr lang="ru-RU" dirty="0" err="1" smtClean="0"/>
+              <a:t>сценарії</a:t>
+            </a:r>
+            <a:r>
+              <a:rPr lang="ru-RU" dirty="0" smtClean="0"/>
+              <a:t> </a:t>
+            </a:r>
+            <a:r>
+              <a:rPr lang="ru-RU" dirty="0" err="1" smtClean="0"/>
+              <a:t>трафіку</a:t>
+            </a:r>
+            <a:r>
+              <a:rPr lang="ru-RU" dirty="0" smtClean="0"/>
+              <a:t>.</a:t>
+            </a:r>
+          </a:p>
+          <a:p>
+            <a:pPr marL="0" lvl="0" indent="0" algn="l" rtl="0">
+              <a:spcBef>
+                <a:spcPts val="0"/>
+              </a:spcBef>
+              <a:spcAft>
+                <a:spcPts val="0"/>
+              </a:spcAft>
+              <a:buNone/>
+            </a:pPr>
+            <a:r>
+              <a:rPr lang="ru-RU" dirty="0" smtClean="0"/>
+              <a:t>Структура </a:t>
+            </a:r>
+            <a:r>
+              <a:rPr lang="ru-RU" dirty="0" err="1" smtClean="0"/>
+              <a:t>проєкту</a:t>
+            </a:r>
+            <a:r>
+              <a:rPr lang="ru-RU" dirty="0" smtClean="0"/>
+              <a:t> </a:t>
+            </a:r>
+            <a:r>
+              <a:rPr lang="ru-RU" dirty="0" err="1" smtClean="0"/>
+              <a:t>побудована</a:t>
+            </a:r>
+            <a:r>
+              <a:rPr lang="ru-RU" dirty="0" smtClean="0"/>
+              <a:t> модульно: </a:t>
+            </a:r>
+            <a:r>
+              <a:rPr lang="ru-RU" dirty="0" err="1" smtClean="0"/>
+              <a:t>окремо</a:t>
+            </a:r>
+            <a:r>
+              <a:rPr lang="ru-RU" dirty="0" smtClean="0"/>
+              <a:t> </a:t>
+            </a:r>
+            <a:r>
+              <a:rPr lang="ru-RU" dirty="0" err="1" smtClean="0"/>
+              <a:t>контролери</a:t>
+            </a:r>
+            <a:r>
+              <a:rPr lang="ru-RU" dirty="0" smtClean="0"/>
+              <a:t>, </a:t>
+            </a:r>
+            <a:r>
+              <a:rPr lang="ru-RU" dirty="0" err="1" smtClean="0"/>
+              <a:t>сервіси</a:t>
+            </a:r>
+            <a:r>
+              <a:rPr lang="ru-RU" dirty="0" smtClean="0"/>
+              <a:t>, </a:t>
+            </a:r>
+            <a:r>
+              <a:rPr lang="ru-RU" dirty="0" err="1" smtClean="0"/>
+              <a:t>моделі</a:t>
+            </a:r>
+            <a:r>
+              <a:rPr lang="ru-RU" dirty="0" smtClean="0"/>
+              <a:t> та </a:t>
+            </a:r>
+            <a:r>
+              <a:rPr lang="ru-RU" dirty="0" err="1" smtClean="0"/>
+              <a:t>інтерфейси</a:t>
+            </a:r>
+            <a:r>
+              <a:rPr lang="ru-RU" dirty="0" smtClean="0"/>
+              <a:t>. </a:t>
+            </a:r>
+            <a:r>
+              <a:rPr lang="ru-RU" dirty="0" err="1" smtClean="0"/>
+              <a:t>Було</a:t>
+            </a:r>
+            <a:r>
+              <a:rPr lang="ru-RU" dirty="0" smtClean="0"/>
+              <a:t> </a:t>
+            </a:r>
+            <a:r>
+              <a:rPr lang="ru-RU" dirty="0" err="1" smtClean="0"/>
+              <a:t>реалізовано</a:t>
+            </a:r>
+            <a:r>
+              <a:rPr lang="ru-RU" dirty="0" smtClean="0"/>
+              <a:t> три </a:t>
+            </a:r>
+            <a:r>
+              <a:rPr lang="ru-RU" dirty="0" err="1" smtClean="0"/>
+              <a:t>алгоритми</a:t>
+            </a:r>
+            <a:r>
+              <a:rPr lang="ru-RU" dirty="0" smtClean="0"/>
+              <a:t> </a:t>
+            </a:r>
+            <a:r>
+              <a:rPr lang="ru-RU" dirty="0" err="1" smtClean="0"/>
+              <a:t>балансування</a:t>
+            </a:r>
+            <a:r>
+              <a:rPr lang="ru-RU" dirty="0" smtClean="0"/>
+              <a:t>, а </a:t>
+            </a:r>
+            <a:r>
+              <a:rPr lang="ru-RU" dirty="0" err="1" smtClean="0"/>
+              <a:t>також</a:t>
+            </a:r>
+            <a:r>
+              <a:rPr lang="ru-RU" dirty="0" smtClean="0"/>
+              <a:t> </a:t>
+            </a:r>
+            <a:r>
+              <a:rPr lang="ru-RU" dirty="0" err="1" smtClean="0"/>
+              <a:t>механізм</a:t>
+            </a:r>
+            <a:r>
+              <a:rPr lang="ru-RU" dirty="0" smtClean="0"/>
+              <a:t> </a:t>
+            </a:r>
+            <a:r>
+              <a:rPr lang="ru-RU" dirty="0" err="1" smtClean="0"/>
+              <a:t>збору</a:t>
+            </a:r>
+            <a:r>
+              <a:rPr lang="ru-RU" dirty="0" smtClean="0"/>
+              <a:t> метрик </a:t>
+            </a:r>
+            <a:r>
+              <a:rPr lang="ru-RU" dirty="0" err="1" smtClean="0"/>
+              <a:t>від</a:t>
+            </a:r>
+            <a:r>
+              <a:rPr lang="ru-RU" dirty="0" smtClean="0"/>
+              <a:t> </a:t>
+            </a:r>
+            <a:r>
+              <a:rPr lang="ru-RU" dirty="0" err="1" smtClean="0"/>
+              <a:t>серверів</a:t>
+            </a:r>
+            <a:r>
+              <a:rPr lang="ru-RU" dirty="0" smtClean="0"/>
+              <a:t> через /</a:t>
+            </a:r>
+            <a:r>
+              <a:rPr lang="en-GB" dirty="0" err="1" smtClean="0"/>
+              <a:t>api</a:t>
+            </a:r>
+            <a:r>
+              <a:rPr lang="en-GB" dirty="0" smtClean="0"/>
+              <a:t>/status </a:t>
+            </a:r>
+            <a:r>
+              <a:rPr lang="ru-RU" dirty="0" err="1" smtClean="0"/>
+              <a:t>єндпоінт</a:t>
+            </a:r>
+            <a:r>
+              <a:rPr lang="ru-RU" dirty="0" smtClean="0"/>
+              <a:t>. </a:t>
+            </a:r>
+            <a:r>
+              <a:rPr lang="ru-RU" dirty="0" err="1" smtClean="0"/>
+              <a:t>Це</a:t>
+            </a:r>
+            <a:r>
+              <a:rPr lang="ru-RU" dirty="0" smtClean="0"/>
+              <a:t> </a:t>
+            </a:r>
+            <a:r>
+              <a:rPr lang="ru-RU" dirty="0" err="1" smtClean="0"/>
+              <a:t>забезпечило</a:t>
+            </a:r>
+            <a:r>
+              <a:rPr lang="ru-RU" dirty="0" smtClean="0"/>
+              <a:t> </a:t>
+            </a:r>
+            <a:r>
+              <a:rPr lang="ru-RU" dirty="0" err="1" smtClean="0"/>
+              <a:t>можливість</a:t>
+            </a:r>
+            <a:r>
+              <a:rPr lang="ru-RU" dirty="0" smtClean="0"/>
+              <a:t> адаптивного </a:t>
+            </a:r>
+            <a:r>
+              <a:rPr lang="ru-RU" dirty="0" err="1" smtClean="0"/>
+              <a:t>реагування</a:t>
+            </a:r>
+            <a:r>
+              <a:rPr lang="ru-RU" dirty="0" smtClean="0"/>
+              <a:t> </a:t>
+            </a:r>
+            <a:r>
+              <a:rPr lang="ru-RU" dirty="0" err="1" smtClean="0"/>
+              <a:t>системи</a:t>
+            </a:r>
+            <a:r>
+              <a:rPr lang="ru-RU" dirty="0" smtClean="0"/>
+              <a:t> </a:t>
+            </a:r>
+            <a:r>
+              <a:rPr lang="ru-RU" dirty="0" err="1" smtClean="0"/>
+              <a:t>під</a:t>
+            </a:r>
+            <a:r>
+              <a:rPr lang="ru-RU" dirty="0" smtClean="0"/>
+              <a:t> час </a:t>
+            </a:r>
+            <a:r>
+              <a:rPr lang="ru-RU" dirty="0" err="1" smtClean="0"/>
+              <a:t>тестування</a:t>
+            </a:r>
+            <a:r>
+              <a:rPr lang="ru-RU" dirty="0" smtClean="0"/>
+              <a:t>.</a:t>
+            </a:r>
+            <a:endParaRPr dirty="0"/>
           </a:p>
         </p:txBody>
       </p:sp>
@@ -8121,7 +15842,7 @@
         </p:nvSpPr>
         <p:spPr>
           <a:xfrm>
-            <a:off x="2805449" y="821299"/>
+            <a:off x="2841544" y="1134120"/>
             <a:ext cx="4980805" cy="1222245"/>
           </a:xfrm>
           <a:prstGeom prst="rect">
@@ -8165,45 +15886,34 @@
             </a:r>
             <a:r>
               <a:rPr lang="ru-RU" sz="2400" dirty="0"/>
-              <a:t/>
-            </a:r>
-            <a:br>
+              <a:t> для </a:t>
+            </a:r>
+            <a:r>
+              <a:rPr lang="ru-RU" sz="2400" dirty="0" err="1"/>
+              <a:t>підвищення</a:t>
+            </a:r>
+            <a:r>
               <a:rPr lang="ru-RU" sz="2400" dirty="0"/>
-            </a:br>
+              <a:t> </a:t>
+            </a:r>
+            <a:r>
+              <a:rPr lang="ru-RU" sz="2400" dirty="0" err="1"/>
+              <a:t>продуктивності</a:t>
+            </a:r>
+            <a:r>
+              <a:rPr lang="ru-RU" sz="2400" dirty="0"/>
+              <a:t> </a:t>
+            </a:r>
             <a:r>
               <a:rPr lang="ru-RU" sz="2400" dirty="0" err="1"/>
               <a:t>програмних</a:t>
             </a:r>
             <a:r>
               <a:rPr lang="ru-RU" sz="2400" dirty="0"/>
-              <a:t> систем на </a:t>
-            </a:r>
-            <a:r>
-              <a:rPr lang="ru-RU" sz="2400" dirty="0">
-                <a:latin typeface="Times New Roman" panose="02020603050405020304" pitchFamily="18" charset="0"/>
-                <a:cs typeface="Times New Roman" panose="02020603050405020304" pitchFamily="18" charset="0"/>
-              </a:rPr>
-              <a:t>.</a:t>
-            </a:r>
-            <a:r>
-              <a:rPr lang="ru-RU" sz="2400" dirty="0" err="1">
-                <a:latin typeface="Times New Roman" panose="02020603050405020304" pitchFamily="18" charset="0"/>
-                <a:cs typeface="Times New Roman" panose="02020603050405020304" pitchFamily="18" charset="0"/>
-              </a:rPr>
-              <a:t>Net</a:t>
-            </a:r>
-            <a:r>
-              <a:rPr lang="ru-RU" sz="2400" dirty="0">
-                <a:latin typeface="Times New Roman" panose="02020603050405020304" pitchFamily="18" charset="0"/>
-                <a:cs typeface="Times New Roman" panose="02020603050405020304" pitchFamily="18" charset="0"/>
-              </a:rPr>
-              <a:t> </a:t>
-            </a:r>
-            <a:r>
-              <a:rPr lang="ru-RU" sz="2400" dirty="0" err="1">
-                <a:latin typeface="Times New Roman" panose="02020603050405020304" pitchFamily="18" charset="0"/>
-                <a:cs typeface="Times New Roman" panose="02020603050405020304" pitchFamily="18" charset="0"/>
-              </a:rPr>
+              <a:t> систем на .NET </a:t>
+            </a:r>
+            <a:r>
+              <a:rPr lang="ru-RU" sz="2400" dirty="0" err="1"/>
               <a:t>Core</a:t>
             </a:r>
             <a:endParaRPr sz="2400" dirty="0">
@@ -8301,7 +16011,6 @@
               <a:rPr lang="ru-RU" dirty="0"/>
               <a:t> 2025</a:t>
             </a:r>
-            <a:endParaRPr lang="ru-RU" dirty="0"/>
           </a:p>
         </p:txBody>
       </p:sp>
@@ -9886,7 +17595,7 @@
         <p:spPr>
           <a:xfrm>
             <a:off x="2105891" y="4418030"/>
-            <a:ext cx="4590472" cy="523220"/>
+            <a:ext cx="4590472" cy="307777"/>
           </a:xfrm>
           <a:prstGeom prst="rect">
             <a:avLst/>
@@ -9906,23 +17615,15 @@
                 <a:latin typeface="Times New Roman" panose="02020603050405020304" pitchFamily="18" charset="0"/>
                 <a:ea typeface="Calibri" panose="020F0502020204030204" pitchFamily="34" charset="0"/>
               </a:rPr>
-              <a:t>Консольний вивід результатів відпрацювання </a:t>
-            </a:r>
-            <a:r>
-              <a:rPr lang="uk-UA" sz="1400" dirty="0" err="1">
+              <a:t>Консольний вивід результатів </a:t>
+            </a:r>
+            <a:r>
+              <a:rPr lang="uk-UA" sz="1400" dirty="0" smtClean="0">
                 <a:effectLst/>
                 <a:latin typeface="Times New Roman" panose="02020603050405020304" pitchFamily="18" charset="0"/>
                 <a:ea typeface="Calibri" panose="020F0502020204030204" pitchFamily="34" charset="0"/>
               </a:rPr>
-              <a:t>LogMixAdaptiveBalancer</a:t>
-            </a:r>
-            <a:r>
-              <a:rPr lang="uk-UA" sz="1400" dirty="0">
-                <a:effectLst/>
-                <a:latin typeface="Times New Roman" panose="02020603050405020304" pitchFamily="18" charset="0"/>
-                <a:ea typeface="Calibri" panose="020F0502020204030204" pitchFamily="34" charset="0"/>
-              </a:rPr>
-              <a:t> </a:t>
+              <a:t>відпрацювання</a:t>
             </a:r>
             <a:endParaRPr lang="uk-UA" dirty="0"/>
           </a:p>
@@ -10203,13 +17904,21 @@
               <a:t> коригує розподіл: частка запитів, що надсилається на Server 2 і 3, трохи зростає в останніх циклах, однак основне навантаження залишається за Server 1, допоки його показники залишаються найменш критичними. Саме така стратегія забезпечує найстійкішу та найефективнішу роботу всієї системи навіть у випадку довготривалого або несиметричного навантаження, оскільки </a:t>
             </a:r>
             <a:r>
-              <a:rPr lang="uk-UA" dirty="0" err="1">
+              <a:rPr lang="uk-UA" dirty="0" smtClean="0">
+                <a:latin typeface="Open Sans" panose="020B0606030504020204" pitchFamily="34" charset="0"/>
+                <a:ea typeface="Open Sans" panose="020B0606030504020204" pitchFamily="34" charset="0"/>
+                <a:cs typeface="Open Sans" panose="020B0606030504020204" pitchFamily="34" charset="0"/>
+              </a:rPr>
+              <a:t>алгоритм </a:t>
+            </a:r>
+            <a:r>
+              <a:rPr lang="uk-UA" dirty="0" smtClean="0">
                 <a:effectLst/>
                 <a:latin typeface="Open Sans" panose="020B0606030504020204" pitchFamily="34" charset="0"/>
                 <a:ea typeface="Open Sans" panose="020B0606030504020204" pitchFamily="34" charset="0"/>
                 <a:cs typeface="Open Sans" panose="020B0606030504020204" pitchFamily="34" charset="0"/>
               </a:rPr>
-              <a:t>LogMixAdaptiveBalancer</a:t>
+              <a:t>постійно </a:t>
             </a:r>
             <a:r>
               <a:rPr lang="uk-UA" dirty="0">
@@ -10218,11 +17927,11 @@
                 <a:ea typeface="Open Sans" panose="020B0606030504020204" pitchFamily="34" charset="0"/>
                 <a:cs typeface="Open Sans" panose="020B0606030504020204" pitchFamily="34" charset="0"/>
               </a:rPr>
-              <a:t> постійно переоцінює метрики в реальному часі, мінімізує вплив вузлів з високою часткою збоїв і не допускає різких провалів у доступності жодного з активних серверів.</a:t>
+              <a:t>переоцінює метрики в реальному часі, мінімізує вплив вузлів з високою часткою збоїв і не допускає різких провалів у доступності жодного з активних серверів.</a:t>
             </a:r>
           </a:p>
           <a:p>
-            <a:pPr indent="449263"/>
+            <a:pPr indent="449263" algn="just"/>
             <a:r>
               <a:rPr lang="uk-UA" dirty="0">
                 <a:effectLst/>
@@ -10233,13 +17942,13 @@
               <a:t>У підсумку, результати експерименту демонструють, що запропонований алгоритм </a:t>
             </a:r>
             <a:r>
-              <a:rPr lang="uk-UA" dirty="0" err="1">
+              <a:rPr lang="uk-UA" dirty="0" smtClean="0">
                 <a:effectLst/>
                 <a:latin typeface="Open Sans" panose="020B0606030504020204" pitchFamily="34" charset="0"/>
                 <a:ea typeface="Open Sans" panose="020B0606030504020204" pitchFamily="34" charset="0"/>
                 <a:cs typeface="Open Sans" panose="020B0606030504020204" pitchFamily="34" charset="0"/>
               </a:rPr>
-              <a:t>LogMixAdaptiveBalancer</a:t>
+              <a:t>здатний </a:t>
             </a:r>
             <a:r>
               <a:rPr lang="uk-UA" dirty="0">
@@ -10248,7 +17957,7 @@
                 <a:ea typeface="Open Sans" panose="020B0606030504020204" pitchFamily="34" charset="0"/>
                 <a:cs typeface="Open Sans" panose="020B0606030504020204" pitchFamily="34" charset="0"/>
               </a:rPr>
-              <a:t> здатний ефективно й </a:t>
+              <a:t>ефективно й </a:t>
             </a:r>
             <a:r>
               <a:rPr lang="uk-UA" dirty="0" err="1">
@@ -10284,7 +17993,7 @@
                 <a:ea typeface="Open Sans" panose="020B0606030504020204" pitchFamily="34" charset="0"/>
                 <a:cs typeface="Open Sans" panose="020B0606030504020204" pitchFamily="34" charset="0"/>
               </a:rPr>
-              <a:t>, кількість активних запитів і частка збоїв. На відміну від класичних підходів</a:t>
+              <a:t>, кількість активних запитів і частка збоїв. </a:t>
             </a:r>
             <a:endParaRPr lang="uk-UA" dirty="0">
               <a:latin typeface="Open Sans" panose="020B0606030504020204" pitchFamily="34" charset="0"/>
@@ -12854,7 +20563,7 @@
         <p:spPr>
           <a:xfrm>
             <a:off x="4572000" y="878274"/>
-            <a:ext cx="4024745" cy="3728075"/>
+            <a:ext cx="3918155" cy="3403674"/>
           </a:xfrm>
           <a:prstGeom prst="rect">
             <a:avLst/>
@@ -12862,7 +20571,7 @@
         </p:spPr>
         <p:txBody>
           <a:bodyPr spcFirstLastPara="1" wrap="square" lIns="91425" tIns="91425" rIns="91425" bIns="91425" anchor="t" anchorCtr="0">
-            <a:normAutofit fontScale="70000" lnSpcReduction="20000"/>
+            <a:normAutofit fontScale="77500" lnSpcReduction="20000"/>
           </a:bodyPr>
           <a:lstStyle/>
           <a:p>
@@ -12898,55 +20607,63 @@
               <a:buChar char="•"/>
             </a:pPr>
             <a:r>
-              <a:rPr lang="ru-RU" dirty="0" err="1"/>
+              <a:rPr lang="ru-RU" sz="1700" dirty="0" err="1"/>
               <a:t>Розробка</a:t>
             </a:r>
             <a:r>
-              <a:rPr lang="ru-RU" dirty="0"/>
-              <a:t> </a:t>
-            </a:r>
-            <a:r>
-              <a:rPr lang="ru-RU" dirty="0" err="1"/>
+              <a:rPr lang="ru-RU" sz="1700" dirty="0"/>
+              <a:t> </a:t>
+            </a:r>
+            <a:r>
+              <a:rPr lang="ru-RU" sz="1700" dirty="0" err="1"/>
               <a:t>компактної</a:t>
             </a:r>
             <a:r>
-              <a:rPr lang="ru-RU" dirty="0"/>
-              <a:t> </a:t>
-            </a:r>
-            <a:r>
-              <a:rPr lang="ru-RU" dirty="0" err="1"/>
+              <a:rPr lang="ru-RU" sz="1700" dirty="0"/>
+              <a:t> </a:t>
+            </a:r>
+            <a:r>
+              <a:rPr lang="ru-RU" sz="1700" dirty="0" err="1"/>
               <a:t>системи</a:t>
             </a:r>
             <a:r>
-              <a:rPr lang="ru-RU" dirty="0"/>
-              <a:t> </a:t>
-            </a:r>
-            <a:r>
-              <a:rPr lang="ru-RU" dirty="0" err="1"/>
+              <a:rPr lang="ru-RU" sz="1700" dirty="0"/>
+              <a:t> </a:t>
+            </a:r>
+            <a:r>
+              <a:rPr lang="ru-RU" sz="1700" dirty="0" err="1"/>
               <a:t>балансування</a:t>
             </a:r>
             <a:r>
-              <a:rPr lang="ru-RU" dirty="0"/>
+              <a:rPr lang="ru-RU" sz="1700" dirty="0"/>
               <a:t> з </a:t>
             </a:r>
             <a:r>
-              <a:rPr lang="ru-RU" dirty="0" err="1"/>
+              <a:rPr lang="ru-RU" sz="1700" dirty="0" err="1"/>
               <a:t>підтримкою</a:t>
             </a:r>
             <a:r>
-              <a:rPr lang="ru-RU" dirty="0"/>
-              <a:t> </a:t>
-            </a:r>
-            <a:r>
-              <a:rPr lang="en-GB" dirty="0"/>
-              <a:t>Round Robin, Weighted Round Robin, Least Connections </a:t>
-            </a:r>
-            <a:r>
-              <a:rPr lang="ru-RU" dirty="0"/>
+              <a:rPr lang="ru-RU" sz="1700" dirty="0"/>
+              <a:t> </a:t>
+            </a:r>
+            <a:r>
+              <a:rPr lang="en-GB" sz="1700" dirty="0"/>
+              <a:t>Round </a:t>
+            </a:r>
+            <a:r>
+              <a:rPr lang="en-GB" sz="1700" dirty="0" smtClean="0"/>
+              <a:t>Robin, </a:t>
+            </a:r>
+            <a:r>
+              <a:rPr lang="en-GB" sz="1700" dirty="0"/>
+              <a:t>Least Connections </a:t>
+            </a:r>
+            <a:r>
+              <a:rPr lang="ru-RU" sz="1700" dirty="0"/>
               <a:t>та </a:t>
             </a:r>
             <a:r>
-              <a:rPr lang="en-GB" dirty="0"/>
+              <a:rPr lang="en-GB" sz="1700" dirty="0"/>
               <a:t>Adaptive.</a:t>
             </a:r>
           </a:p>
@@ -12956,63 +20673,63 @@
               <a:buChar char="•"/>
             </a:pPr>
             <a:r>
-              <a:rPr lang="ru-RU" dirty="0" err="1"/>
+              <a:rPr lang="ru-RU" sz="1700" dirty="0" err="1"/>
               <a:t>Реалізація</a:t>
             </a:r>
             <a:r>
-              <a:rPr lang="ru-RU" dirty="0"/>
-              <a:t> </a:t>
-            </a:r>
-            <a:r>
-              <a:rPr lang="ru-RU" dirty="0" err="1"/>
+              <a:rPr lang="ru-RU" sz="1700" dirty="0"/>
+              <a:t> </a:t>
+            </a:r>
+            <a:r>
+              <a:rPr lang="ru-RU" sz="1700" dirty="0" err="1"/>
               <a:t>механізму</a:t>
             </a:r>
             <a:r>
-              <a:rPr lang="ru-RU" dirty="0"/>
-              <a:t> </a:t>
-            </a:r>
-            <a:r>
-              <a:rPr lang="ru-RU" dirty="0" err="1"/>
+              <a:rPr lang="ru-RU" sz="1700" dirty="0"/>
+              <a:t> </a:t>
+            </a:r>
+            <a:r>
+              <a:rPr lang="ru-RU" sz="1700" dirty="0" err="1"/>
               <a:t>збору</a:t>
             </a:r>
             <a:r>
-              <a:rPr lang="ru-RU" dirty="0"/>
+              <a:rPr lang="ru-RU" sz="1700" dirty="0"/>
               <a:t> метрик (</a:t>
             </a:r>
             <a:r>
-              <a:rPr lang="en-GB" dirty="0"/>
+              <a:rPr lang="en-GB" sz="1700" dirty="0"/>
               <a:t>CPU, </a:t>
             </a:r>
             <a:r>
-              <a:rPr lang="ru-RU" dirty="0" err="1"/>
+              <a:rPr lang="ru-RU" sz="1700" dirty="0" err="1"/>
               <a:t>активні</a:t>
             </a:r>
             <a:r>
-              <a:rPr lang="ru-RU" dirty="0"/>
-              <a:t> </a:t>
-            </a:r>
-            <a:r>
-              <a:rPr lang="ru-RU" dirty="0" err="1"/>
+              <a:rPr lang="ru-RU" sz="1700" dirty="0"/>
+              <a:t> </a:t>
+            </a:r>
+            <a:r>
+              <a:rPr lang="ru-RU" sz="1700" dirty="0" err="1"/>
               <a:t>з’єднання</a:t>
             </a:r>
             <a:r>
-              <a:rPr lang="ru-RU" dirty="0"/>
+              <a:rPr lang="ru-RU" sz="1700" dirty="0"/>
               <a:t>) для адаптивного </a:t>
             </a:r>
             <a:r>
-              <a:rPr lang="ru-RU" dirty="0" err="1"/>
+              <a:rPr lang="ru-RU" sz="1700" dirty="0" err="1"/>
               <a:t>розподілу</a:t>
             </a:r>
             <a:r>
-              <a:rPr lang="ru-RU" dirty="0"/>
-              <a:t> </a:t>
-            </a:r>
-            <a:r>
-              <a:rPr lang="ru-RU" dirty="0" err="1"/>
+              <a:rPr lang="ru-RU" sz="1700" dirty="0"/>
+              <a:t> </a:t>
+            </a:r>
+            <a:r>
+              <a:rPr lang="ru-RU" sz="1700" dirty="0" err="1"/>
               <a:t>запитів</a:t>
             </a:r>
             <a:r>
-              <a:rPr lang="ru-RU" dirty="0"/>
+              <a:rPr lang="ru-RU" sz="1700" dirty="0"/>
               <a:t>.</a:t>
             </a:r>
           </a:p>
@@ -13022,51 +20739,51 @@
               <a:buChar char="•"/>
             </a:pPr>
             <a:r>
-              <a:rPr lang="ru-RU" dirty="0" err="1"/>
+              <a:rPr lang="ru-RU" sz="1700" dirty="0" err="1"/>
               <a:t>Можливість</a:t>
             </a:r>
             <a:r>
-              <a:rPr lang="ru-RU" dirty="0"/>
-              <a:t> </a:t>
-            </a:r>
-            <a:r>
-              <a:rPr lang="ru-RU" dirty="0" err="1"/>
+              <a:rPr lang="ru-RU" sz="1700" dirty="0"/>
+              <a:t> </a:t>
+            </a:r>
+            <a:r>
+              <a:rPr lang="ru-RU" sz="1700" dirty="0" err="1"/>
               <a:t>швидкого</a:t>
             </a:r>
             <a:r>
-              <a:rPr lang="ru-RU" dirty="0"/>
-              <a:t> </a:t>
-            </a:r>
-            <a:r>
-              <a:rPr lang="ru-RU" dirty="0" err="1"/>
+              <a:rPr lang="ru-RU" sz="1700" dirty="0"/>
+              <a:t> </a:t>
+            </a:r>
+            <a:r>
+              <a:rPr lang="ru-RU" sz="1700" dirty="0" err="1"/>
               <a:t>перемикання</a:t>
             </a:r>
             <a:r>
-              <a:rPr lang="ru-RU" dirty="0"/>
-              <a:t> </a:t>
-            </a:r>
-            <a:r>
-              <a:rPr lang="ru-RU" dirty="0" err="1"/>
+              <a:rPr lang="ru-RU" sz="1700" dirty="0"/>
+              <a:t> </a:t>
+            </a:r>
+            <a:r>
+              <a:rPr lang="ru-RU" sz="1700" dirty="0" err="1"/>
               <a:t>між</a:t>
             </a:r>
             <a:r>
-              <a:rPr lang="ru-RU" dirty="0"/>
+              <a:rPr lang="ru-RU" sz="1700" dirty="0"/>
               <a:t> алгоритмами в </a:t>
             </a:r>
             <a:r>
-              <a:rPr lang="ru-RU" dirty="0" err="1"/>
+              <a:rPr lang="ru-RU" sz="1700" dirty="0" err="1"/>
               <a:t>середовищі</a:t>
             </a:r>
             <a:r>
-              <a:rPr lang="ru-RU" dirty="0"/>
-              <a:t> </a:t>
-            </a:r>
-            <a:r>
-              <a:rPr lang="ru-RU" dirty="0" err="1"/>
+              <a:rPr lang="ru-RU" sz="1700" dirty="0"/>
+              <a:t> </a:t>
+            </a:r>
+            <a:r>
+              <a:rPr lang="ru-RU" sz="1700" dirty="0" err="1"/>
               <a:t>тестування</a:t>
             </a:r>
             <a:r>
-              <a:rPr lang="ru-RU" dirty="0"/>
+              <a:rPr lang="ru-RU" sz="1700" dirty="0"/>
               <a:t>.</a:t>
             </a:r>
           </a:p>
@@ -13076,66 +20793,66 @@
               <a:buChar char="•"/>
             </a:pPr>
             <a:r>
-              <a:rPr lang="ru-RU" dirty="0" err="1"/>
+              <a:rPr lang="ru-RU" sz="1700" dirty="0" err="1"/>
               <a:t>Проведення</a:t>
             </a:r>
             <a:r>
-              <a:rPr lang="ru-RU" dirty="0"/>
-              <a:t> </a:t>
-            </a:r>
-            <a:r>
-              <a:rPr lang="ru-RU" dirty="0" err="1"/>
+              <a:rPr lang="ru-RU" sz="1700" dirty="0"/>
+              <a:t> </a:t>
+            </a:r>
+            <a:r>
+              <a:rPr lang="ru-RU" sz="1700" dirty="0" err="1"/>
               <a:t>порівняльного</a:t>
             </a:r>
             <a:r>
-              <a:rPr lang="ru-RU" dirty="0"/>
-              <a:t> </a:t>
-            </a:r>
-            <a:r>
-              <a:rPr lang="ru-RU" dirty="0" err="1"/>
+              <a:rPr lang="ru-RU" sz="1700" dirty="0"/>
+              <a:t> </a:t>
+            </a:r>
+            <a:r>
+              <a:rPr lang="ru-RU" sz="1700" dirty="0" err="1"/>
               <a:t>аналізу</a:t>
             </a:r>
             <a:r>
-              <a:rPr lang="ru-RU" dirty="0"/>
+              <a:rPr lang="ru-RU" sz="1700" dirty="0"/>
               <a:t> з </a:t>
             </a:r>
             <a:r>
-              <a:rPr lang="ru-RU" dirty="0" err="1"/>
+              <a:rPr lang="ru-RU" sz="1700" dirty="0" err="1"/>
               <a:t>фіксацією</a:t>
             </a:r>
             <a:r>
-              <a:rPr lang="ru-RU" dirty="0"/>
-              <a:t> </a:t>
-            </a:r>
-            <a:r>
-              <a:rPr lang="ru-RU" dirty="0" err="1"/>
+              <a:rPr lang="ru-RU" sz="1700" dirty="0"/>
+              <a:t> </a:t>
+            </a:r>
+            <a:r>
+              <a:rPr lang="ru-RU" sz="1700" dirty="0" err="1"/>
               <a:t>результатів</a:t>
             </a:r>
             <a:r>
-              <a:rPr lang="ru-RU" dirty="0"/>
+              <a:rPr lang="ru-RU" sz="1700" dirty="0"/>
               <a:t> (</a:t>
             </a:r>
             <a:r>
-              <a:rPr lang="en-GB" dirty="0"/>
+              <a:rPr lang="en-GB" sz="1700" dirty="0"/>
               <a:t>latency, </a:t>
             </a:r>
             <a:r>
-              <a:rPr lang="ru-RU" dirty="0" err="1"/>
+              <a:rPr lang="ru-RU" sz="1700" dirty="0" err="1"/>
               <a:t>помилки</a:t>
             </a:r>
             <a:r>
-              <a:rPr lang="ru-RU" dirty="0"/>
+              <a:rPr lang="ru-RU" sz="1700" dirty="0"/>
               <a:t>, </a:t>
             </a:r>
             <a:r>
-              <a:rPr lang="ru-RU" dirty="0" err="1"/>
+              <a:rPr lang="ru-RU" sz="1700" dirty="0" err="1"/>
               <a:t>навантаження</a:t>
             </a:r>
             <a:r>
-              <a:rPr lang="ru-RU" dirty="0"/>
+              <a:rPr lang="ru-RU" sz="1700" dirty="0"/>
               <a:t>).</a:t>
             </a:r>
-            <a:endParaRPr lang="aa-ET" dirty="0"/>
+            <a:endParaRPr lang="aa-ET" sz="1700" dirty="0"/>
           </a:p>
           <a:p>
             <a:pPr>
@@ -13143,54 +20860,54 @@
               <a:buChar char="•"/>
             </a:pPr>
             <a:r>
-              <a:rPr lang="aa-ET" dirty="0" err="1"/>
+              <a:rPr lang="aa-ET" sz="1700" dirty="0" err="1"/>
               <a:t>Розробка</a:t>
             </a:r>
             <a:r>
-              <a:rPr lang="aa-ET" dirty="0"/>
+              <a:rPr lang="aa-ET" sz="1700" dirty="0"/>
               <a:t> тестового </a:t>
             </a:r>
             <a:r>
-              <a:rPr lang="aa-ET" dirty="0" err="1"/>
+              <a:rPr lang="aa-ET" sz="1700" dirty="0" err="1"/>
               <a:t>сценарію</a:t>
             </a:r>
             <a:r>
-              <a:rPr lang="aa-ET" dirty="0"/>
-              <a:t> </a:t>
-            </a:r>
-            <a:r>
-              <a:rPr lang="aa-ET" dirty="0" err="1"/>
+              <a:rPr lang="aa-ET" sz="1700" dirty="0"/>
+              <a:t> </a:t>
+            </a:r>
+            <a:r>
+              <a:rPr lang="aa-ET" sz="1700" dirty="0" err="1"/>
               <a:t>порівняння</a:t>
             </a:r>
             <a:r>
-              <a:rPr lang="aa-ET" dirty="0"/>
+              <a:rPr lang="aa-ET" sz="1700" dirty="0"/>
               <a:t> та </a:t>
             </a:r>
             <a:r>
-              <a:rPr lang="aa-ET" dirty="0" err="1"/>
+              <a:rPr lang="aa-ET" sz="1700" dirty="0" err="1"/>
               <a:t>проведення</a:t>
             </a:r>
             <a:r>
-              <a:rPr lang="aa-ET" dirty="0"/>
-              <a:t> </a:t>
-            </a:r>
-            <a:r>
-              <a:rPr lang="aa-ET" dirty="0" err="1"/>
+              <a:rPr lang="aa-ET" sz="1700" dirty="0"/>
+              <a:t> </a:t>
+            </a:r>
+            <a:r>
+              <a:rPr lang="aa-ET" sz="1700" dirty="0" err="1"/>
               <a:t>успішного</a:t>
             </a:r>
             <a:r>
-              <a:rPr lang="aa-ET" dirty="0"/>
-              <a:t> </a:t>
-            </a:r>
-            <a:r>
-              <a:rPr lang="aa-ET" dirty="0" err="1"/>
+              <a:rPr lang="aa-ET" sz="1700" dirty="0"/>
+              <a:t> </a:t>
+            </a:r>
+            <a:r>
+              <a:rPr lang="aa-ET" sz="1700" dirty="0" err="1"/>
               <a:t>тестування</a:t>
             </a:r>
             <a:r>
-              <a:rPr lang="aa-ET" dirty="0"/>
+              <a:rPr lang="aa-ET" sz="1700" dirty="0"/>
               <a:t>.</a:t>
             </a:r>
-            <a:endParaRPr lang="ru-RU" dirty="0"/>
+            <a:endParaRPr lang="ru-RU" sz="1700" dirty="0"/>
           </a:p>
         </p:txBody>
       </p:sp>
@@ -16657,19 +24374,19 @@
               <a:t> </a:t>
             </a:r>
             <a:r>
-              <a:rPr lang="ru-RU" sz="2400" dirty="0" err="1"/>
-              <a:t>чотирьох</a:t>
-            </a:r>
-            <a:r>
-              <a:rPr lang="ru-RU" sz="2400" dirty="0"/>
-              <a:t> </a:t>
-            </a:r>
-            <a:r>
-              <a:rPr lang="ru-RU" sz="2400" dirty="0" err="1"/>
+              <a:rPr lang="ru-RU" sz="2400" dirty="0" err="1" smtClean="0"/>
+              <a:t>трьох</a:t>
+            </a:r>
+            <a:r>
+              <a:rPr lang="ru-RU" sz="2400" dirty="0" smtClean="0"/>
+              <a:t> </a:t>
+            </a:r>
+            <a:r>
+              <a:rPr lang="ru-RU" sz="2400" dirty="0" err="1" smtClean="0"/>
               <a:t>алгоритмів</a:t>
             </a:r>
             <a:r>
-              <a:rPr lang="ru-RU" sz="2400" dirty="0"/>
+              <a:rPr lang="ru-RU" sz="2400" dirty="0" smtClean="0"/>
               <a:t> </a:t>
             </a:r>
             <a:r>
@@ -16682,7 +24399,15 @@
             </a:r>
             <a:r>
               <a:rPr lang="en-GB" sz="2400" b="1" dirty="0"/>
-              <a:t>Round Robin, Weighted Round Robin, Least Connections, Adaptive.</a:t>
+              <a:t>Round </a:t>
+            </a:r>
+            <a:r>
+              <a:rPr lang="en-GB" sz="2400" b="1" dirty="0" smtClean="0"/>
+              <a:t>Robin, </a:t>
+            </a:r>
+            <a:r>
+              <a:rPr lang="en-GB" sz="2400" b="1" dirty="0"/>
+              <a:t>Least Connections, Adaptive.</a:t>
             </a:r>
             <a:endParaRPr lang="uk-UA" sz="2400" b="1" dirty="0"/>
           </a:p>
@@ -17385,4 +25110,265 @@
   <a:objectDefaults/>
   <a:extraClrSchemeLst/>
 </a:theme>
+</file>
+
+<file path=ppt/theme/theme3.xml><?xml version="1.0" encoding="utf-8"?>
+<a:theme xmlns:a="http://schemas.openxmlformats.org/drawingml/2006/main" name="Тема Office">
+  <a:themeElements>
+    <a:clrScheme name="Стандартная">
+      <a:dk1>
+        <a:sysClr val="windowText" lastClr="000000"/>
+      </a:dk1>
+      <a:lt1>
+        <a:sysClr val="window" lastClr="FFFFFF"/>
+      </a:lt1>
+      <a:dk2>
+        <a:srgbClr val="44546A"/>
+      </a:dk2>
+      <a:lt2>
+        <a:srgbClr val="E7E6E6"/>
+      </a:lt2>
+      <a:accent1>
+        <a:srgbClr val="5B9BD5"/>
+      </a:accent1>
+      <a:accent2>
+        <a:srgbClr val="ED7D31"/>
+      </a:accent2>
+      <a:accent3>
+        <a:srgbClr val="A5A5A5"/>
+      </a:accent3>
+      <a:accent4>
+        <a:srgbClr val="FFC000"/>
+      </a:accent4>
+      <a:accent5>
+        <a:srgbClr val="4472C4"/>
+      </a:accent5>
+      <a:accent6>
+        <a:srgbClr val="70AD47"/>
+      </a:accent6>
+      <a:hlink>
+        <a:srgbClr val="0563C1"/>
+      </a:hlink>
+      <a:folHlink>
+        <a:srgbClr val="954F72"/>
+      </a:folHlink>
+    </a:clrScheme>
+    <a:fontScheme name="Стандартная">
+      <a:majorFont>
+        <a:latin typeface="Calibri Light" panose="020F0302020204030204"/>
+        <a:ea typeface=""/>
+        <a:cs typeface=""/>
+        <a:font script="Jpan" typeface="ＭＳ Ｐゴシック"/>
+        <a:font script="Hang" typeface="맑은 고딕"/>
+        <a:font script="Hans" typeface="宋体"/>
+        <a:font script="Hant" typeface="新細明體"/>
+        <a:font script="Arab" typeface="Times New Roman"/>
+        <a:font script="Hebr" typeface="Times New Roman"/>
+        <a:font script="Thai" typeface="Angsana New"/>
+        <a:font script="Ethi" typeface="Nyala"/>
+        <a:font script="Beng" typeface="Vrinda"/>
+        <a:font script="Gujr" typeface="Shruti"/>
+        <a:font script="Khmr" typeface="MoolBoran"/>
+        <a:font script="Knda" typeface="Tunga"/>
+        <a:font script="Guru" typeface="Raavi"/>
+        <a:font script="Cans" typeface="Euphemia"/>
+        <a:font script="Cher" typeface="Plantagenet Cherokee"/>
+        <a:font script="Yiii" typeface="Microsoft Yi Baiti"/>
+        <a:font script="Tibt" typeface="Microsoft Himalaya"/>
+        <a:font script="Thaa" typeface="MV Boli"/>
+        <a:font script="Deva" typeface="Mangal"/>
+        <a:font script="Telu" typeface="Gautami"/>
+        <a:font script="Taml" typeface="Latha"/>
+        <a:font script="Syrc" typeface="Estrangelo Edessa"/>
+        <a:font script="Orya" typeface="Kalinga"/>
+        <a:font script="Mlym" typeface="Kartika"/>
+        <a:font script="Laoo" typeface="DokChampa"/>
+        <a:font script="Sinh" typeface="Iskoola Pota"/>
+        <a:font script="Mong" typeface="Mongolian Baiti"/>
+        <a:font script="Viet" typeface="Times New Roman"/>
+        <a:font script="Uigh" typeface="Microsoft Uighur"/>
+        <a:font script="Geor" typeface="Sylfaen"/>
+      </a:majorFont>
+      <a:minorFont>
+        <a:latin typeface="Calibri" panose="020F0502020204030204"/>
+        <a:ea typeface=""/>
+        <a:cs typeface=""/>
+        <a:font script="Jpan" typeface="ＭＳ Ｐゴシック"/>
+        <a:font script="Hang" typeface="맑은 고딕"/>
+        <a:font script="Hans" typeface="宋体"/>
+        <a:font script="Hant" typeface="新細明體"/>
+        <a:font script="Arab" typeface="Arial"/>
+        <a:font script="Hebr" typeface="Arial"/>
+        <a:font script="Thai" typeface="Cordia New"/>
+        <a:font script="Ethi" typeface="Nyala"/>
+        <a:font script="Beng" typeface="Vrinda"/>
+        <a:font script="Gujr" typeface="Shruti"/>
+        <a:font script="Khmr" typeface="DaunPenh"/>
+        <a:font script="Knda" typeface="Tunga"/>
+        <a:font script="Guru" typeface="Raavi"/>
+        <a:font script="Cans" typeface="Euphemia"/>
+        <a:font script="Cher" typeface="Plantagenet Cherokee"/>
+        <a:font script="Yiii" typeface="Microsoft Yi Baiti"/>
+        <a:font script="Tibt" typeface="Microsoft Himalaya"/>
+        <a:font script="Thaa" typeface="MV Boli"/>
+        <a:font script="Deva" typeface="Mangal"/>
+        <a:font script="Telu" typeface="Gautami"/>
+        <a:font script="Taml" typeface="Latha"/>
+        <a:font script="Syrc" typeface="Estrangelo Edessa"/>
+        <a:font script="Orya" typeface="Kalinga"/>
+        <a:font script="Mlym" typeface="Kartika"/>
+        <a:font script="Laoo" typeface="DokChampa"/>
+        <a:font script="Sinh" typeface="Iskoola Pota"/>
+        <a:font script="Mong" typeface="Mongolian Baiti"/>
+        <a:font script="Viet" typeface="Arial"/>
+        <a:font script="Uigh" typeface="Microsoft Uighur"/>
+        <a:font script="Geor" typeface="Sylfaen"/>
+      </a:minorFont>
+    </a:fontScheme>
+    <a:fmtScheme name="Стандартная">
+      <a:fillStyleLst>
+        <a:solidFill>
+          <a:schemeClr val="phClr"/>
+        </a:solidFill>
+        <a:gradFill rotWithShape="1">
+          <a:gsLst>
+            <a:gs pos="0">
+              <a:schemeClr val="phClr">
+                <a:lumMod val="110000"/>
+                <a:satMod val="105000"/>
+                <a:tint val="67000"/>
+              </a:schemeClr>
+            </a:gs>
+            <a:gs pos="50000">
+              <a:schemeClr val="phClr">
+                <a:lumMod val="105000"/>
+                <a:satMod val="103000"/>
+                <a:tint val="73000"/>
+              </a:schemeClr>
+            </a:gs>
+            <a:gs pos="100000">
+              <a:schemeClr val="phClr">
+                <a:lumMod val="105000"/>
+                <a:satMod val="109000"/>
+                <a:tint val="81000"/>
+              </a:schemeClr>
+            </a:gs>
+          </a:gsLst>
+          <a:lin ang="5400000" scaled="0"/>
+        </a:gradFill>
+        <a:gradFill rotWithShape="1">
+          <a:gsLst>
+            <a:gs pos="0">
+              <a:schemeClr val="phClr">
+                <a:satMod val="103000"/>
+                <a:lumMod val="102000"/>
+                <a:tint val="94000"/>
+              </a:schemeClr>
+            </a:gs>
+            <a:gs pos="50000">
+              <a:schemeClr val="phClr">
+                <a:satMod val="110000"/>
+                <a:lumMod val="100000"/>
+                <a:shade val="100000"/>
+              </a:schemeClr>
+            </a:gs>
+            <a:gs pos="100000">
+              <a:schemeClr val="phClr">
+                <a:lumMod val="99000"/>
+                <a:satMod val="120000"/>
+                <a:shade val="78000"/>
+              </a:schemeClr>
+            </a:gs>
+          </a:gsLst>
+          <a:lin ang="5400000" scaled="0"/>
+        </a:gradFill>
+      </a:fillStyleLst>
+      <a:lnStyleLst>
+        <a:ln w="6350" cap="flat" cmpd="sng" algn="ctr">
+          <a:solidFill>
+            <a:schemeClr val="phClr"/>
+          </a:solidFill>
+          <a:prstDash val="solid"/>
+          <a:miter lim="800000"/>
+        </a:ln>
+        <a:ln w="12700" cap="flat" cmpd="sng" algn="ctr">
+          <a:solidFill>
+            <a:schemeClr val="phClr"/>
+          </a:solidFill>
+          <a:prstDash val="solid"/>
+          <a:miter lim="800000"/>
+        </a:ln>
+        <a:ln w="19050" cap="flat" cmpd="sng" algn="ctr">
+          <a:solidFill>
+            <a:schemeClr val="phClr"/>
+          </a:solidFill>
+          <a:prstDash val="solid"/>
+          <a:miter lim="800000"/>
+        </a:ln>
+      </a:lnStyleLst>
+      <a:effectStyleLst>
+        <a:effectStyle>
+          <a:effectLst/>
+        </a:effectStyle>
+        <a:effectStyle>
+          <a:effectLst/>
+        </a:effectStyle>
+        <a:effectStyle>
+          <a:effectLst>
+            <a:outerShdw blurRad="57150" dist="19050" dir="5400000" algn="ctr" rotWithShape="0">
+              <a:srgbClr val="000000">
+                <a:alpha val="63000"/>
+              </a:srgbClr>
+            </a:outerShdw>
+          </a:effectLst>
+        </a:effectStyle>
+      </a:effectStyleLst>
+      <a:bgFillStyleLst>
+        <a:solidFill>
+          <a:schemeClr val="phClr"/>
+        </a:solidFill>
+        <a:solidFill>
+          <a:schemeClr val="phClr">
+            <a:tint val="95000"/>
+            <a:satMod val="170000"/>
+          </a:schemeClr>
+        </a:solidFill>
+        <a:gradFill rotWithShape="1">
+          <a:gsLst>
+            <a:gs pos="0">
+              <a:schemeClr val="phClr">
+                <a:tint val="93000"/>
+                <a:satMod val="150000"/>
+                <a:shade val="98000"/>
+                <a:lumMod val="102000"/>
+              </a:schemeClr>
+            </a:gs>
+            <a:gs pos="50000">
+              <a:schemeClr val="phClr">
+                <a:tint val="98000"/>
+                <a:satMod val="130000"/>
+                <a:shade val="90000"/>
+                <a:lumMod val="103000"/>
+              </a:schemeClr>
+            </a:gs>
+            <a:gs pos="100000">
+              <a:schemeClr val="phClr">
+                <a:shade val="63000"/>
+                <a:satMod val="120000"/>
+              </a:schemeClr>
+            </a:gs>
+          </a:gsLst>
+          <a:lin ang="5400000" scaled="0"/>
+        </a:gradFill>
+      </a:bgFillStyleLst>
+    </a:fmtScheme>
+  </a:themeElements>
+  <a:objectDefaults/>
+  <a:extraClrSchemeLst/>
+  <a:extLst>
+    <a:ext uri="{05A4C25C-085E-4340-85A3-A5531E510DB2}">
+      <thm15:themeFamily xmlns:thm15="http://schemas.microsoft.com/office/thememl/2012/main" name="Office Theme" id="{62F939B6-93AF-4DB8-9C6B-D6C7DFDC589F}" vid="{4A3C46E8-61CC-4603-A589-7422A47A8E4A}"/>
+    </a:ext>
+  </a:extLst>
+</a:theme>
 </file>